--- a/Project_Presentation_Slides.pptx
+++ b/Project_Presentation_Slides.pptx
@@ -213,7 +213,7 @@
           <a:p>
             <a:fld id="{1290BB35-9C2A-444D-ADAF-0E3F5BBD06AB}" type="datetimeFigureOut">
               <a:rPr lang="en-US" smtClean="0"/>
-              <a:t>3/22/2018</a:t>
+              <a:t>4/12/2018</a:t>
             </a:fld>
             <a:endParaRPr lang="en-US"/>
           </a:p>
@@ -662,7 +662,7 @@
           <a:p>
             <a:fld id="{E5A885E8-FF25-4342-A213-D596F8CE818F}" type="datetimeFigureOut">
               <a:rPr lang="en-US" smtClean="0"/>
-              <a:t>3/22/2018</a:t>
+              <a:t>4/12/2018</a:t>
             </a:fld>
             <a:endParaRPr lang="en-US"/>
           </a:p>
@@ -832,7 +832,7 @@
           <a:p>
             <a:fld id="{E5A885E8-FF25-4342-A213-D596F8CE818F}" type="datetimeFigureOut">
               <a:rPr lang="en-US" smtClean="0"/>
-              <a:t>3/22/2018</a:t>
+              <a:t>4/12/2018</a:t>
             </a:fld>
             <a:endParaRPr lang="en-US"/>
           </a:p>
@@ -1012,7 +1012,7 @@
           <a:p>
             <a:fld id="{E5A885E8-FF25-4342-A213-D596F8CE818F}" type="datetimeFigureOut">
               <a:rPr lang="en-US" smtClean="0"/>
-              <a:t>3/22/2018</a:t>
+              <a:t>4/12/2018</a:t>
             </a:fld>
             <a:endParaRPr lang="en-US"/>
           </a:p>
@@ -1182,7 +1182,7 @@
           <a:p>
             <a:fld id="{E5A885E8-FF25-4342-A213-D596F8CE818F}" type="datetimeFigureOut">
               <a:rPr lang="en-US" smtClean="0"/>
-              <a:t>3/22/2018</a:t>
+              <a:t>4/12/2018</a:t>
             </a:fld>
             <a:endParaRPr lang="en-US"/>
           </a:p>
@@ -1428,7 +1428,7 @@
           <a:p>
             <a:fld id="{E5A885E8-FF25-4342-A213-D596F8CE818F}" type="datetimeFigureOut">
               <a:rPr lang="en-US" smtClean="0"/>
-              <a:t>3/22/2018</a:t>
+              <a:t>4/12/2018</a:t>
             </a:fld>
             <a:endParaRPr lang="en-US"/>
           </a:p>
@@ -1716,7 +1716,7 @@
           <a:p>
             <a:fld id="{E5A885E8-FF25-4342-A213-D596F8CE818F}" type="datetimeFigureOut">
               <a:rPr lang="en-US" smtClean="0"/>
-              <a:t>3/22/2018</a:t>
+              <a:t>4/12/2018</a:t>
             </a:fld>
             <a:endParaRPr lang="en-US"/>
           </a:p>
@@ -2138,7 +2138,7 @@
           <a:p>
             <a:fld id="{E5A885E8-FF25-4342-A213-D596F8CE818F}" type="datetimeFigureOut">
               <a:rPr lang="en-US" smtClean="0"/>
-              <a:t>3/22/2018</a:t>
+              <a:t>4/12/2018</a:t>
             </a:fld>
             <a:endParaRPr lang="en-US"/>
           </a:p>
@@ -2256,7 +2256,7 @@
           <a:p>
             <a:fld id="{E5A885E8-FF25-4342-A213-D596F8CE818F}" type="datetimeFigureOut">
               <a:rPr lang="en-US" smtClean="0"/>
-              <a:t>3/22/2018</a:t>
+              <a:t>4/12/2018</a:t>
             </a:fld>
             <a:endParaRPr lang="en-US"/>
           </a:p>
@@ -2351,7 +2351,7 @@
           <a:p>
             <a:fld id="{E5A885E8-FF25-4342-A213-D596F8CE818F}" type="datetimeFigureOut">
               <a:rPr lang="en-US" smtClean="0"/>
-              <a:t>3/22/2018</a:t>
+              <a:t>4/12/2018</a:t>
             </a:fld>
             <a:endParaRPr lang="en-US"/>
           </a:p>
@@ -2628,7 +2628,7 @@
           <a:p>
             <a:fld id="{E5A885E8-FF25-4342-A213-D596F8CE818F}" type="datetimeFigureOut">
               <a:rPr lang="en-US" smtClean="0"/>
-              <a:t>3/22/2018</a:t>
+              <a:t>4/12/2018</a:t>
             </a:fld>
             <a:endParaRPr lang="en-US"/>
           </a:p>
@@ -2881,7 +2881,7 @@
           <a:p>
             <a:fld id="{E5A885E8-FF25-4342-A213-D596F8CE818F}" type="datetimeFigureOut">
               <a:rPr lang="en-US" smtClean="0"/>
-              <a:t>3/22/2018</a:t>
+              <a:t>4/12/2018</a:t>
             </a:fld>
             <a:endParaRPr lang="en-US"/>
           </a:p>
@@ -3094,7 +3094,7 @@
           <a:p>
             <a:fld id="{E5A885E8-FF25-4342-A213-D596F8CE818F}" type="datetimeFigureOut">
               <a:rPr lang="en-US" smtClean="0"/>
-              <a:t>3/22/2018</a:t>
+              <a:t>4/12/2018</a:t>
             </a:fld>
             <a:endParaRPr lang="en-US"/>
           </a:p>
@@ -3733,17 +3733,62 @@
         <p:spPr/>
         <p:txBody>
           <a:bodyPr>
-            <a:normAutofit/>
+            <a:normAutofit fontScale="77500" lnSpcReduction="20000"/>
           </a:bodyPr>
           <a:lstStyle/>
           <a:p>
-            <a:pPr marL="0" indent="0">
-              <a:buNone/>
-            </a:pPr>
             <a:r>
               <a:rPr lang="en-US" dirty="0"/>
-              <a:t>Washington, D.C. bike rental company struggles to ensure that each station has the adequate number of bikes. We will use historical usage data and weather data to try and forecast the use of Washington, D.C.’s bikeshare system</a:t>
-            </a:r>
+              <a:t>Bike sharing systems are popular all over the world</a:t>
+            </a:r>
+          </a:p>
+          <a:p>
+            <a:r>
+              <a:rPr lang="en-GB" dirty="0"/>
+              <a:t>The success of a bike sharing system is contingent on the bike stations being properly resourced</a:t>
+            </a:r>
+          </a:p>
+          <a:p>
+            <a:r>
+              <a:rPr lang="en-GB" dirty="0"/>
+              <a:t>Two potential problems with bike station occupancy:</a:t>
+            </a:r>
+          </a:p>
+          <a:p>
+            <a:pPr lvl="1"/>
+            <a:r>
+              <a:rPr lang="en-GB" dirty="0"/>
+              <a:t>No bikes at one so a user cannot get one </a:t>
+            </a:r>
+          </a:p>
+          <a:p>
+            <a:pPr lvl="1"/>
+            <a:r>
+              <a:rPr lang="en-GB" dirty="0"/>
+              <a:t>Station is full of bikes so a user cannot return one</a:t>
+            </a:r>
+            <a:endParaRPr lang="en-US" dirty="0"/>
+          </a:p>
+          <a:p>
+            <a:r>
+              <a:rPr lang="en-GB" dirty="0"/>
+              <a:t>Bikes need to be added/removed to/from stations as needed</a:t>
+            </a:r>
+          </a:p>
+          <a:p>
+            <a:r>
+              <a:rPr lang="en-GB" dirty="0"/>
+              <a:t>The problem for bike sharing systems is that it can be hard to calculate how many bikes need to be added/removed to the stations</a:t>
+            </a:r>
+          </a:p>
+          <a:p>
+            <a:r>
+              <a:rPr lang="en-GB" dirty="0"/>
+              <a:t>We will focus on the bike sharing system in Washington, D.C.. We will examine 2 years of user data to predict usage</a:t>
+            </a:r>
+          </a:p>
+          <a:p>
+            <a:endParaRPr lang="en-GB" dirty="0"/>
           </a:p>
         </p:txBody>
       </p:sp>

--- a/Project_Presentation_Slides.pptx
+++ b/Project_Presentation_Slides.pptx
@@ -2,10 +2,10 @@
 <file path=ppt/presentation.xml><?xml version="1.0" encoding="utf-8"?>
 <p:presentation xmlns:a="http://schemas.openxmlformats.org/drawingml/2006/main" xmlns:r="http://schemas.openxmlformats.org/officeDocument/2006/relationships" xmlns:p="http://schemas.openxmlformats.org/presentationml/2006/main" saveSubsetFonts="1" autoCompressPictures="0">
   <p:sldMasterIdLst>
-    <p:sldMasterId id="2147483648" r:id="rId1"/>
+    <p:sldMasterId id="2147483660" r:id="rId1"/>
   </p:sldMasterIdLst>
   <p:notesMasterIdLst>
-    <p:notesMasterId r:id="rId8"/>
+    <p:notesMasterId r:id="rId12"/>
   </p:notesMasterIdLst>
   <p:sldIdLst>
     <p:sldId id="285" r:id="rId2"/>
@@ -13,7 +13,11 @@
     <p:sldId id="287" r:id="rId4"/>
     <p:sldId id="288" r:id="rId5"/>
     <p:sldId id="293" r:id="rId6"/>
-    <p:sldId id="286" r:id="rId7"/>
+    <p:sldId id="297" r:id="rId7"/>
+    <p:sldId id="298" r:id="rId8"/>
+    <p:sldId id="299" r:id="rId9"/>
+    <p:sldId id="296" r:id="rId10"/>
+    <p:sldId id="286" r:id="rId11"/>
   </p:sldIdLst>
   <p:sldSz cx="9144000" cy="6858000" type="screen4x3"/>
   <p:notesSz cx="6858000" cy="9144000"/>
@@ -213,7 +217,7 @@
           <a:p>
             <a:fld id="{1290BB35-9C2A-444D-ADAF-0E3F5BBD06AB}" type="datetimeFigureOut">
               <a:rPr lang="en-US" smtClean="0"/>
-              <a:t>4/12/2018</a:t>
+              <a:t>4/25/18</a:t>
             </a:fld>
             <a:endParaRPr lang="en-US"/>
           </a:p>
@@ -482,7 +486,7 @@
 </file>
 
 <file path=ppt/slideLayouts/slideLayout1.xml><?xml version="1.0" encoding="utf-8"?>
-<p:sldLayout xmlns:a="http://schemas.openxmlformats.org/drawingml/2006/main" xmlns:r="http://schemas.openxmlformats.org/officeDocument/2006/relationships" xmlns:p="http://schemas.openxmlformats.org/presentationml/2006/main" type="title" preserve="1">
+<p:sldLayout xmlns:a="http://schemas.openxmlformats.org/drawingml/2006/main" xmlns:r="http://schemas.openxmlformats.org/officeDocument/2006/relationships" xmlns:p="http://schemas.openxmlformats.org/presentationml/2006/main" showMasterSp="0" type="title" preserve="1">
   <p:cSld name="Title Slide">
     <p:spTree>
       <p:nvGrpSpPr>
@@ -500,29 +504,399 @@
       </p:grpSpPr>
       <p:sp>
         <p:nvSpPr>
-          <p:cNvPr id="2" name="Title 1"/>
-          <p:cNvSpPr>
-            <a:spLocks noGrp="1"/>
-          </p:cNvSpPr>
-          <p:nvPr>
-            <p:ph type="ctrTitle"/>
-          </p:nvPr>
+          <p:cNvPr id="7" name="Rectangle 6"/>
+          <p:cNvSpPr/>
+          <p:nvPr/>
         </p:nvSpPr>
         <p:spPr>
           <a:xfrm>
-            <a:off x="685800" y="2130425"/>
-            <a:ext cx="7772400" cy="1470025"/>
+            <a:off x="685800" y="1346947"/>
+            <a:ext cx="7772400" cy="80683"/>
+          </a:xfrm>
+          <a:prstGeom prst="rect">
+            <a:avLst/>
+          </a:prstGeom>
+          <a:blipFill dpi="0" rotWithShape="1">
+            <a:blip r:embed="rId2">
+              <a:alphaModFix amt="80000"/>
+              <a:lum bright="70000" contrast="-70000"/>
+              <a:extLst>
+                <a:ext uri="{BEBA8EAE-BF5A-486C-A8C5-ECC9F3942E4B}">
+                  <a14:imgProps xmlns:a14="http://schemas.microsoft.com/office/drawing/2010/main">
+                    <a14:imgLayer r:embed="rId3">
+                      <a14:imgEffect>
+                        <a14:sharpenSoften amount="61000"/>
+                      </a14:imgEffect>
+                    </a14:imgLayer>
+                  </a14:imgProps>
+                </a:ext>
+                <a:ext uri="{28A0092B-C50C-407E-A947-70E740481C1C}">
+                  <a14:useLocalDpi xmlns:a14="http://schemas.microsoft.com/office/drawing/2010/main" val="0"/>
+                </a:ext>
+              </a:extLst>
+            </a:blip>
+            <a:srcRect/>
+            <a:tile tx="0" ty="-762000" sx="92000" sy="89000" flip="xy" algn="ctr"/>
+          </a:blipFill>
+          <a:ln>
+            <a:noFill/>
+          </a:ln>
+        </p:spPr>
+        <p:style>
+          <a:lnRef idx="2">
+            <a:schemeClr val="accent1">
+              <a:shade val="50000"/>
+            </a:schemeClr>
+          </a:lnRef>
+          <a:fillRef idx="1">
+            <a:schemeClr val="accent1"/>
+          </a:fillRef>
+          <a:effectRef idx="0">
+            <a:schemeClr val="accent1"/>
+          </a:effectRef>
+          <a:fontRef idx="minor">
+            <a:schemeClr val="lt1"/>
+          </a:fontRef>
+        </p:style>
+        <p:txBody>
+          <a:bodyPr rtlCol="0" anchor="ctr"/>
+          <a:lstStyle/>
+          <a:p>
+            <a:pPr algn="ctr"/>
+            <a:endParaRPr lang="en-US"/>
+          </a:p>
+        </p:txBody>
+      </p:sp>
+      <p:sp>
+        <p:nvSpPr>
+          <p:cNvPr id="8" name="Rectangle 7"/>
+          <p:cNvSpPr/>
+          <p:nvPr/>
+        </p:nvSpPr>
+        <p:spPr>
+          <a:xfrm>
+            <a:off x="685800" y="4282763"/>
+            <a:ext cx="7772400" cy="80683"/>
+          </a:xfrm>
+          <a:prstGeom prst="rect">
+            <a:avLst/>
+          </a:prstGeom>
+          <a:blipFill dpi="0" rotWithShape="1">
+            <a:blip r:embed="rId2">
+              <a:alphaModFix amt="80000"/>
+              <a:lum bright="70000" contrast="-70000"/>
+              <a:extLst>
+                <a:ext uri="{BEBA8EAE-BF5A-486C-A8C5-ECC9F3942E4B}">
+                  <a14:imgProps xmlns:a14="http://schemas.microsoft.com/office/drawing/2010/main">
+                    <a14:imgLayer r:embed="rId3">
+                      <a14:imgEffect>
+                        <a14:sharpenSoften amount="61000"/>
+                      </a14:imgEffect>
+                    </a14:imgLayer>
+                  </a14:imgProps>
+                </a:ext>
+                <a:ext uri="{28A0092B-C50C-407E-A947-70E740481C1C}">
+                  <a14:useLocalDpi xmlns:a14="http://schemas.microsoft.com/office/drawing/2010/main" val="0"/>
+                </a:ext>
+              </a:extLst>
+            </a:blip>
+            <a:srcRect/>
+            <a:tile tx="0" ty="-717550" sx="92000" sy="89000" flip="xy" algn="ctr"/>
+          </a:blipFill>
+          <a:ln>
+            <a:noFill/>
+          </a:ln>
+        </p:spPr>
+        <p:style>
+          <a:lnRef idx="2">
+            <a:schemeClr val="accent1">
+              <a:shade val="50000"/>
+            </a:schemeClr>
+          </a:lnRef>
+          <a:fillRef idx="1">
+            <a:schemeClr val="accent1"/>
+          </a:fillRef>
+          <a:effectRef idx="0">
+            <a:schemeClr val="accent1"/>
+          </a:effectRef>
+          <a:fontRef idx="minor">
+            <a:schemeClr val="lt1"/>
+          </a:fontRef>
+        </p:style>
+        <p:txBody>
+          <a:bodyPr rtlCol="0" anchor="ctr"/>
+          <a:lstStyle/>
+          <a:p>
+            <a:pPr algn="ctr"/>
+            <a:endParaRPr lang="en-US"/>
+          </a:p>
+        </p:txBody>
+      </p:sp>
+      <p:sp>
+        <p:nvSpPr>
+          <p:cNvPr id="9" name="Rectangle 8"/>
+          <p:cNvSpPr/>
+          <p:nvPr/>
+        </p:nvSpPr>
+        <p:spPr>
+          <a:xfrm>
+            <a:off x="685800" y="1484779"/>
+            <a:ext cx="7772400" cy="2743200"/>
+          </a:xfrm>
+          <a:prstGeom prst="rect">
+            <a:avLst/>
+          </a:prstGeom>
+          <a:blipFill dpi="0" rotWithShape="1">
+            <a:blip r:embed="rId2">
+              <a:alphaModFix amt="80000"/>
+              <a:lum bright="70000" contrast="-70000"/>
+              <a:extLst>
+                <a:ext uri="{BEBA8EAE-BF5A-486C-A8C5-ECC9F3942E4B}">
+                  <a14:imgProps xmlns:a14="http://schemas.microsoft.com/office/drawing/2010/main">
+                    <a14:imgLayer r:embed="rId3">
+                      <a14:imgEffect>
+                        <a14:sharpenSoften amount="61000"/>
+                      </a14:imgEffect>
+                    </a14:imgLayer>
+                  </a14:imgProps>
+                </a:ext>
+                <a:ext uri="{28A0092B-C50C-407E-A947-70E740481C1C}">
+                  <a14:useLocalDpi xmlns:a14="http://schemas.microsoft.com/office/drawing/2010/main" val="0"/>
+                </a:ext>
+              </a:extLst>
+            </a:blip>
+            <a:srcRect/>
+            <a:tile tx="0" ty="-704850" sx="92000" sy="89000" flip="xy" algn="ctr"/>
+          </a:blipFill>
+          <a:ln>
+            <a:noFill/>
+          </a:ln>
+        </p:spPr>
+        <p:style>
+          <a:lnRef idx="2">
+            <a:schemeClr val="accent1">
+              <a:shade val="50000"/>
+            </a:schemeClr>
+          </a:lnRef>
+          <a:fillRef idx="1">
+            <a:schemeClr val="accent1"/>
+          </a:fillRef>
+          <a:effectRef idx="0">
+            <a:schemeClr val="accent1"/>
+          </a:effectRef>
+          <a:fontRef idx="minor">
+            <a:schemeClr val="lt1"/>
+          </a:fontRef>
+        </p:style>
+        <p:txBody>
+          <a:bodyPr rtlCol="0" anchor="ctr"/>
+          <a:lstStyle/>
+          <a:p>
+            <a:pPr algn="ctr"/>
+            <a:endParaRPr lang="en-US"/>
+          </a:p>
+        </p:txBody>
+      </p:sp>
+      <p:grpSp>
+        <p:nvGrpSpPr>
+          <p:cNvPr id="10" name="Group 9"/>
+          <p:cNvGrpSpPr>
+            <a:grpSpLocks noChangeAspect="1"/>
+          </p:cNvGrpSpPr>
+          <p:nvPr/>
+        </p:nvGrpSpPr>
+        <p:grpSpPr>
+          <a:xfrm>
+            <a:off x="7234780" y="4107023"/>
+            <a:ext cx="914400" cy="914400"/>
+            <a:chOff x="9685338" y="4460675"/>
+            <a:chExt cx="1080904" cy="1080902"/>
+          </a:xfrm>
+        </p:grpSpPr>
+        <p:sp>
+          <p:nvSpPr>
+            <p:cNvPr id="11" name="Oval 10"/>
+            <p:cNvSpPr/>
+            <p:nvPr/>
+          </p:nvSpPr>
+          <p:spPr>
+            <a:xfrm>
+              <a:off x="9685338" y="4460675"/>
+              <a:ext cx="1080904" cy="1080902"/>
+            </a:xfrm>
+            <a:prstGeom prst="ellipse">
+              <a:avLst/>
+            </a:prstGeom>
+            <a:blipFill dpi="0" rotWithShape="1">
+              <a:blip r:embed="rId4">
+                <a:duotone>
+                  <a:schemeClr val="accent1">
+                    <a:shade val="45000"/>
+                    <a:satMod val="135000"/>
+                  </a:schemeClr>
+                  <a:prstClr val="white"/>
+                </a:duotone>
+                <a:extLst>
+                  <a:ext uri="{BEBA8EAE-BF5A-486C-A8C5-ECC9F3942E4B}">
+                    <a14:imgProps xmlns:a14="http://schemas.microsoft.com/office/drawing/2010/main">
+                      <a14:imgLayer r:embed="rId5">
+                        <a14:imgEffect>
+                          <a14:saturation sat="95000"/>
+                        </a14:imgEffect>
+                      </a14:imgLayer>
+                    </a14:imgProps>
+                  </a:ext>
+                </a:extLst>
+              </a:blip>
+              <a:srcRect/>
+              <a:tile tx="0" ty="0" sx="85000" sy="85000" flip="none" algn="tl"/>
+            </a:blipFill>
+            <a:ln w="25400" cap="flat" cmpd="sng" algn="ctr">
+              <a:noFill/>
+              <a:prstDash val="solid"/>
+            </a:ln>
+            <a:effectLst/>
+          </p:spPr>
+          <p:txBody>
+            <a:bodyPr lIns="0" tIns="0" rIns="0" bIns="0" rtlCol="0" anchor="ctr"/>
+            <a:lstStyle/>
+            <a:p>
+              <a:pPr marL="0" marR="0" lvl="0" indent="0" algn="ctr" defTabSz="914400" eaLnBrk="1" fontAlgn="auto" latinLnBrk="0" hangingPunct="1">
+                <a:lnSpc>
+                  <a:spcPct val="100000"/>
+                </a:lnSpc>
+                <a:spcBef>
+                  <a:spcPts val="0"/>
+                </a:spcBef>
+                <a:spcAft>
+                  <a:spcPts val="0"/>
+                </a:spcAft>
+                <a:buClrTx/>
+                <a:buSzTx/>
+                <a:buFontTx/>
+                <a:buNone/>
+                <a:tabLst/>
+                <a:defRPr/>
+              </a:pPr>
+              <a:endParaRPr kumimoji="0" lang="en-US" sz="2000" b="0" i="0" u="none" strike="noStrike" kern="0" cap="none" spc="0" normalizeH="0" baseline="0" noProof="0" dirty="0">
+                <a:ln>
+                  <a:noFill/>
+                </a:ln>
+                <a:solidFill>
+                  <a:prstClr val="white"/>
+                </a:solidFill>
+                <a:effectLst/>
+                <a:uLnTx/>
+                <a:uFillTx/>
+                <a:latin typeface="Rockwell Extra Bold" pitchFamily="18" charset="0"/>
+                <a:ea typeface="+mn-ea"/>
+                <a:cs typeface="+mn-cs"/>
+              </a:endParaRPr>
+            </a:p>
+          </p:txBody>
+        </p:sp>
+        <p:sp>
+          <p:nvSpPr>
+            <p:cNvPr id="12" name="Oval 11"/>
+            <p:cNvSpPr/>
+            <p:nvPr/>
+          </p:nvSpPr>
+          <p:spPr>
+            <a:xfrm>
+              <a:off x="9793429" y="4568765"/>
+              <a:ext cx="864723" cy="864722"/>
+            </a:xfrm>
+            <a:prstGeom prst="ellipse">
+              <a:avLst/>
+            </a:prstGeom>
+            <a:noFill/>
+            <a:ln w="25400" cap="flat" cmpd="sng" algn="ctr">
+              <a:solidFill>
+                <a:sysClr val="window" lastClr="FFFFFF"/>
+              </a:solidFill>
+              <a:prstDash val="solid"/>
+            </a:ln>
+            <a:effectLst/>
+          </p:spPr>
+          <p:txBody>
+            <a:bodyPr rtlCol="0" anchor="ctr"/>
+            <a:lstStyle/>
+            <a:p>
+              <a:pPr marL="0" marR="0" lvl="0" indent="0" algn="ctr" defTabSz="914400" eaLnBrk="1" fontAlgn="auto" latinLnBrk="0" hangingPunct="1">
+                <a:lnSpc>
+                  <a:spcPct val="100000"/>
+                </a:lnSpc>
+                <a:spcBef>
+                  <a:spcPts val="0"/>
+                </a:spcBef>
+                <a:spcAft>
+                  <a:spcPts val="0"/>
+                </a:spcAft>
+                <a:buClrTx/>
+                <a:buSzTx/>
+                <a:buFontTx/>
+                <a:buNone/>
+                <a:tabLst/>
+                <a:defRPr/>
+              </a:pPr>
+              <a:endParaRPr kumimoji="0" lang="en-US" sz="1800" b="0" i="0" u="none" strike="noStrike" kern="0" cap="none" spc="0" normalizeH="0" baseline="0" noProof="0" dirty="0">
+                <a:ln>
+                  <a:noFill/>
+                </a:ln>
+                <a:solidFill>
+                  <a:prstClr val="white"/>
+                </a:solidFill>
+                <a:effectLst/>
+                <a:uLnTx/>
+                <a:uFillTx/>
+                <a:latin typeface="Calibri"/>
+                <a:ea typeface="+mn-ea"/>
+                <a:cs typeface="+mn-cs"/>
+              </a:endParaRPr>
+            </a:p>
+          </p:txBody>
+        </p:sp>
+      </p:grpSp>
+      <p:sp>
+        <p:nvSpPr>
+          <p:cNvPr id="2" name="Title 1"/>
+          <p:cNvSpPr>
+            <a:spLocks noGrp="1"/>
+          </p:cNvSpPr>
+          <p:nvPr>
+            <p:ph type="ctrTitle"/>
+          </p:nvPr>
+        </p:nvSpPr>
+        <p:spPr>
+          <a:xfrm>
+            <a:off x="788670" y="1432223"/>
+            <a:ext cx="7593330" cy="3035808"/>
           </a:xfrm>
         </p:spPr>
         <p:txBody>
-          <a:bodyPr/>
-          <a:lstStyle/>
-          <a:p>
-            <a:r>
-              <a:rPr lang="x-none"/>
+          <a:bodyPr anchor="ctr">
+            <a:noAutofit/>
+          </a:bodyPr>
+          <a:lstStyle>
+            <a:lvl1pPr algn="l">
+              <a:lnSpc>
+                <a:spcPct val="80000"/>
+              </a:lnSpc>
+              <a:defRPr sz="6400" b="0" cap="all" baseline="0">
+                <a:blipFill dpi="0" rotWithShape="1">
+                  <a:blip r:embed="rId4"/>
+                  <a:srcRect/>
+                  <a:tile tx="6350" ty="-127000" sx="65000" sy="64000" flip="none" algn="tl"/>
+                </a:blipFill>
+              </a:defRPr>
+            </a:lvl1pPr>
+          </a:lstStyle>
+          <a:p>
+            <a:r>
+              <a:rPr lang="en-US"/>
               <a:t>Click to edit Master title style</a:t>
             </a:r>
-            <a:endParaRPr lang="en-US"/>
+            <a:endParaRPr lang="en-US" dirty="0"/>
           </a:p>
         </p:txBody>
       </p:sp>
@@ -538,110 +912,62 @@
         </p:nvSpPr>
         <p:spPr>
           <a:xfrm>
-            <a:off x="1371600" y="3886200"/>
-            <a:ext cx="6400800" cy="1752600"/>
+            <a:off x="802386" y="4389120"/>
+            <a:ext cx="5918454" cy="1069848"/>
           </a:xfrm>
         </p:spPr>
         <p:txBody>
-          <a:bodyPr/>
+          <a:bodyPr>
+            <a:normAutofit/>
+          </a:bodyPr>
           <a:lstStyle>
-            <a:lvl1pPr marL="0" indent="0" algn="ctr">
+            <a:lvl1pPr marL="0" indent="0" algn="l">
               <a:buNone/>
-              <a:defRPr>
+              <a:defRPr sz="1800" b="0">
                 <a:solidFill>
-                  <a:schemeClr val="tx1">
-                    <a:tint val="75000"/>
-                  </a:schemeClr>
+                  <a:schemeClr val="tx1"/>
                 </a:solidFill>
               </a:defRPr>
             </a:lvl1pPr>
             <a:lvl2pPr marL="457200" indent="0" algn="ctr">
               <a:buNone/>
-              <a:defRPr>
-                <a:solidFill>
-                  <a:schemeClr val="tx1">
-                    <a:tint val="75000"/>
-                  </a:schemeClr>
-                </a:solidFill>
-              </a:defRPr>
+              <a:defRPr sz="2800"/>
             </a:lvl2pPr>
             <a:lvl3pPr marL="914400" indent="0" algn="ctr">
               <a:buNone/>
-              <a:defRPr>
-                <a:solidFill>
-                  <a:schemeClr val="tx1">
-                    <a:tint val="75000"/>
-                  </a:schemeClr>
-                </a:solidFill>
-              </a:defRPr>
+              <a:defRPr sz="2400"/>
             </a:lvl3pPr>
             <a:lvl4pPr marL="1371600" indent="0" algn="ctr">
               <a:buNone/>
-              <a:defRPr>
-                <a:solidFill>
-                  <a:schemeClr val="tx1">
-                    <a:tint val="75000"/>
-                  </a:schemeClr>
-                </a:solidFill>
-              </a:defRPr>
+              <a:defRPr sz="2000"/>
             </a:lvl4pPr>
             <a:lvl5pPr marL="1828800" indent="0" algn="ctr">
               <a:buNone/>
-              <a:defRPr>
-                <a:solidFill>
-                  <a:schemeClr val="tx1">
-                    <a:tint val="75000"/>
-                  </a:schemeClr>
-                </a:solidFill>
-              </a:defRPr>
+              <a:defRPr sz="2000"/>
             </a:lvl5pPr>
             <a:lvl6pPr marL="2286000" indent="0" algn="ctr">
               <a:buNone/>
-              <a:defRPr>
-                <a:solidFill>
-                  <a:schemeClr val="tx1">
-                    <a:tint val="75000"/>
-                  </a:schemeClr>
-                </a:solidFill>
-              </a:defRPr>
+              <a:defRPr sz="2000"/>
             </a:lvl6pPr>
             <a:lvl7pPr marL="2743200" indent="0" algn="ctr">
               <a:buNone/>
-              <a:defRPr>
-                <a:solidFill>
-                  <a:schemeClr val="tx1">
-                    <a:tint val="75000"/>
-                  </a:schemeClr>
-                </a:solidFill>
-              </a:defRPr>
+              <a:defRPr sz="2000"/>
             </a:lvl7pPr>
             <a:lvl8pPr marL="3200400" indent="0" algn="ctr">
               <a:buNone/>
-              <a:defRPr>
-                <a:solidFill>
-                  <a:schemeClr val="tx1">
-                    <a:tint val="75000"/>
-                  </a:schemeClr>
-                </a:solidFill>
-              </a:defRPr>
+              <a:defRPr sz="2000"/>
             </a:lvl8pPr>
             <a:lvl9pPr marL="3657600" indent="0" algn="ctr">
               <a:buNone/>
-              <a:defRPr>
-                <a:solidFill>
-                  <a:schemeClr val="tx1">
-                    <a:tint val="75000"/>
-                  </a:schemeClr>
-                </a:solidFill>
-              </a:defRPr>
+              <a:defRPr sz="2000"/>
             </a:lvl9pPr>
           </a:lstStyle>
           <a:p>
             <a:r>
-              <a:rPr lang="x-none"/>
+              <a:rPr lang="en-US"/>
               <a:t>Click to edit Master subtitle style</a:t>
             </a:r>
-            <a:endParaRPr lang="en-US"/>
+            <a:endParaRPr lang="en-US" dirty="0"/>
           </a:p>
         </p:txBody>
       </p:sp>
@@ -662,7 +988,7 @@
           <a:p>
             <a:fld id="{E5A885E8-FF25-4342-A213-D596F8CE818F}" type="datetimeFigureOut">
               <a:rPr lang="en-US" smtClean="0"/>
-              <a:t>4/12/2018</a:t>
+              <a:t>4/25/18</a:t>
             </a:fld>
             <a:endParaRPr lang="en-US"/>
           </a:p>
@@ -678,7 +1004,12 @@
             <p:ph type="ftr" sz="quarter" idx="11"/>
           </p:nvPr>
         </p:nvSpPr>
-        <p:spPr/>
+        <p:spPr>
+          <a:xfrm>
+            <a:off x="812805" y="6272785"/>
+            <a:ext cx="4745736" cy="365125"/>
+          </a:xfrm>
+        </p:spPr>
         <p:txBody>
           <a:bodyPr/>
           <a:lstStyle/>
@@ -697,10 +1028,19 @@
             <p:ph type="sldNum" sz="quarter" idx="12"/>
           </p:nvPr>
         </p:nvSpPr>
-        <p:spPr/>
+        <p:spPr>
+          <a:xfrm>
+            <a:off x="7244280" y="4227195"/>
+            <a:ext cx="895401" cy="640080"/>
+          </a:xfrm>
+        </p:spPr>
         <p:txBody>
           <a:bodyPr/>
-          <a:lstStyle/>
+          <a:lstStyle>
+            <a:lvl1pPr>
+              <a:defRPr sz="2800" b="1"/>
+            </a:lvl1pPr>
+          </a:lstStyle>
           <a:p>
             <a:fld id="{9680D822-9BA3-EB4C-8F88-C24A9FE33E19}" type="slidenum">
               <a:rPr lang="en-US" smtClean="0"/>
@@ -713,7 +1053,7 @@
     </p:spTree>
     <p:extLst>
       <p:ext uri="{BB962C8B-B14F-4D97-AF65-F5344CB8AC3E}">
-        <p14:creationId xmlns:p14="http://schemas.microsoft.com/office/powerpoint/2010/main" val="3837138447"/>
+        <p14:creationId xmlns:p14="http://schemas.microsoft.com/office/powerpoint/2010/main" val="276229700"/>
       </p:ext>
     </p:extLst>
   </p:cSld>
@@ -756,10 +1096,9 @@
           <a:lstStyle/>
           <a:p>
             <a:r>
-              <a:rPr lang="x-none"/>
+              <a:rPr lang="en-US"/>
               <a:t>Click to edit Master title style</a:t>
             </a:r>
-            <a:endParaRPr lang="en-US"/>
           </a:p>
         </p:txBody>
       </p:sp>
@@ -780,44 +1119,43 @@
           <a:p>
             <a:pPr lvl="0"/>
             <a:r>
-              <a:rPr lang="x-none"/>
-              <a:t>Click to edit Master text styles</a:t>
+              <a:rPr lang="en-US"/>
+              <a:t>Edit Master text styles</a:t>
             </a:r>
           </a:p>
           <a:p>
             <a:pPr lvl="1"/>
             <a:r>
-              <a:rPr lang="x-none"/>
+              <a:rPr lang="en-US"/>
               <a:t>Second level</a:t>
             </a:r>
           </a:p>
           <a:p>
             <a:pPr lvl="2"/>
             <a:r>
-              <a:rPr lang="x-none"/>
+              <a:rPr lang="en-US"/>
               <a:t>Third level</a:t>
             </a:r>
           </a:p>
           <a:p>
             <a:pPr lvl="3"/>
             <a:r>
-              <a:rPr lang="x-none"/>
+              <a:rPr lang="en-US"/>
               <a:t>Fourth level</a:t>
             </a:r>
           </a:p>
           <a:p>
             <a:pPr lvl="4"/>
             <a:r>
-              <a:rPr lang="x-none"/>
+              <a:rPr lang="en-US"/>
               <a:t>Fifth level</a:t>
             </a:r>
-            <a:endParaRPr lang="en-US"/>
-          </a:p>
-        </p:txBody>
-      </p:sp>
-      <p:sp>
-        <p:nvSpPr>
-          <p:cNvPr id="4" name="Date Placeholder 3"/>
+          </a:p>
+        </p:txBody>
+      </p:sp>
+      <p:sp>
+        <p:nvSpPr>
+          <p:cNvPr id="7" name="Date Placeholder 6"/>
           <p:cNvSpPr>
             <a:spLocks noGrp="1"/>
           </p:cNvSpPr>
@@ -832,7 +1170,7 @@
           <a:p>
             <a:fld id="{E5A885E8-FF25-4342-A213-D596F8CE818F}" type="datetimeFigureOut">
               <a:rPr lang="en-US" smtClean="0"/>
-              <a:t>4/12/2018</a:t>
+              <a:t>4/25/18</a:t>
             </a:fld>
             <a:endParaRPr lang="en-US"/>
           </a:p>
@@ -840,7 +1178,7 @@
       </p:sp>
       <p:sp>
         <p:nvSpPr>
-          <p:cNvPr id="5" name="Footer Placeholder 4"/>
+          <p:cNvPr id="8" name="Footer Placeholder 7"/>
           <p:cNvSpPr>
             <a:spLocks noGrp="1"/>
           </p:cNvSpPr>
@@ -859,7 +1197,7 @@
       </p:sp>
       <p:sp>
         <p:nvSpPr>
-          <p:cNvPr id="6" name="Slide Number Placeholder 5"/>
+          <p:cNvPr id="9" name="Slide Number Placeholder 8"/>
           <p:cNvSpPr>
             <a:spLocks noGrp="1"/>
           </p:cNvSpPr>
@@ -883,7 +1221,7 @@
     </p:spTree>
     <p:extLst>
       <p:ext uri="{BB962C8B-B14F-4D97-AF65-F5344CB8AC3E}">
-        <p14:creationId xmlns:p14="http://schemas.microsoft.com/office/powerpoint/2010/main" val="3486107354"/>
+        <p14:creationId xmlns:p14="http://schemas.microsoft.com/office/powerpoint/2010/main" val="1309322400"/>
       </p:ext>
     </p:extLst>
   </p:cSld>
@@ -922,19 +1260,23 @@
         </p:nvSpPr>
         <p:spPr>
           <a:xfrm>
-            <a:off x="6629400" y="274638"/>
-            <a:ext cx="2057400" cy="5851525"/>
+            <a:off x="6543675" y="533400"/>
+            <a:ext cx="1914525" cy="5638800"/>
           </a:xfrm>
         </p:spPr>
         <p:txBody>
           <a:bodyPr vert="eaVert"/>
-          <a:lstStyle/>
-          <a:p>
-            <a:r>
-              <a:rPr lang="x-none"/>
+          <a:lstStyle>
+            <a:lvl1pPr>
+              <a:defRPr b="0"/>
+            </a:lvl1pPr>
+          </a:lstStyle>
+          <a:p>
+            <a:r>
+              <a:rPr lang="en-US"/>
               <a:t>Click to edit Master title style</a:t>
             </a:r>
-            <a:endParaRPr lang="en-US"/>
+            <a:endParaRPr lang="en-US" dirty="0"/>
           </a:p>
         </p:txBody>
       </p:sp>
@@ -950,8 +1292,8 @@
         </p:nvSpPr>
         <p:spPr>
           <a:xfrm>
-            <a:off x="457200" y="274638"/>
-            <a:ext cx="6019800" cy="5851525"/>
+            <a:off x="800100" y="533400"/>
+            <a:ext cx="5629275" cy="5638800"/>
           </a:xfrm>
         </p:spPr>
         <p:txBody>
@@ -960,44 +1302,44 @@
           <a:p>
             <a:pPr lvl="0"/>
             <a:r>
-              <a:rPr lang="x-none"/>
-              <a:t>Click to edit Master text styles</a:t>
+              <a:rPr lang="en-US"/>
+              <a:t>Edit Master text styles</a:t>
             </a:r>
           </a:p>
           <a:p>
             <a:pPr lvl="1"/>
             <a:r>
-              <a:rPr lang="x-none"/>
+              <a:rPr lang="en-US"/>
               <a:t>Second level</a:t>
             </a:r>
           </a:p>
           <a:p>
             <a:pPr lvl="2"/>
             <a:r>
-              <a:rPr lang="x-none"/>
+              <a:rPr lang="en-US"/>
               <a:t>Third level</a:t>
             </a:r>
           </a:p>
           <a:p>
             <a:pPr lvl="3"/>
             <a:r>
-              <a:rPr lang="x-none"/>
+              <a:rPr lang="en-US"/>
               <a:t>Fourth level</a:t>
             </a:r>
           </a:p>
           <a:p>
             <a:pPr lvl="4"/>
             <a:r>
-              <a:rPr lang="x-none"/>
+              <a:rPr lang="en-US"/>
               <a:t>Fifth level</a:t>
             </a:r>
-            <a:endParaRPr lang="en-US"/>
-          </a:p>
-        </p:txBody>
-      </p:sp>
-      <p:sp>
-        <p:nvSpPr>
-          <p:cNvPr id="4" name="Date Placeholder 3"/>
+            <a:endParaRPr lang="en-US" dirty="0"/>
+          </a:p>
+        </p:txBody>
+      </p:sp>
+      <p:sp>
+        <p:nvSpPr>
+          <p:cNvPr id="7" name="Date Placeholder 6"/>
           <p:cNvSpPr>
             <a:spLocks noGrp="1"/>
           </p:cNvSpPr>
@@ -1012,7 +1354,7 @@
           <a:p>
             <a:fld id="{E5A885E8-FF25-4342-A213-D596F8CE818F}" type="datetimeFigureOut">
               <a:rPr lang="en-US" smtClean="0"/>
-              <a:t>4/12/2018</a:t>
+              <a:t>4/25/18</a:t>
             </a:fld>
             <a:endParaRPr lang="en-US"/>
           </a:p>
@@ -1020,7 +1362,7 @@
       </p:sp>
       <p:sp>
         <p:nvSpPr>
-          <p:cNvPr id="5" name="Footer Placeholder 4"/>
+          <p:cNvPr id="8" name="Footer Placeholder 7"/>
           <p:cNvSpPr>
             <a:spLocks noGrp="1"/>
           </p:cNvSpPr>
@@ -1039,7 +1381,7 @@
       </p:sp>
       <p:sp>
         <p:nvSpPr>
-          <p:cNvPr id="6" name="Slide Number Placeholder 5"/>
+          <p:cNvPr id="9" name="Slide Number Placeholder 8"/>
           <p:cNvSpPr>
             <a:spLocks noGrp="1"/>
           </p:cNvSpPr>
@@ -1063,7 +1405,7 @@
     </p:spTree>
     <p:extLst>
       <p:ext uri="{BB962C8B-B14F-4D97-AF65-F5344CB8AC3E}">
-        <p14:creationId xmlns:p14="http://schemas.microsoft.com/office/powerpoint/2010/main" val="2405352285"/>
+        <p14:creationId xmlns:p14="http://schemas.microsoft.com/office/powerpoint/2010/main" val="1840252095"/>
       </p:ext>
     </p:extLst>
   </p:cSld>
@@ -1106,10 +1448,10 @@
           <a:lstStyle/>
           <a:p>
             <a:r>
-              <a:rPr lang="x-none"/>
+              <a:rPr lang="en-US"/>
               <a:t>Click to edit Master title style</a:t>
             </a:r>
-            <a:endParaRPr lang="en-US"/>
+            <a:endParaRPr lang="en-US" dirty="0"/>
           </a:p>
         </p:txBody>
       </p:sp>
@@ -1130,44 +1472,44 @@
           <a:p>
             <a:pPr lvl="0"/>
             <a:r>
-              <a:rPr lang="x-none"/>
-              <a:t>Click to edit Master text styles</a:t>
+              <a:rPr lang="en-US"/>
+              <a:t>Edit Master text styles</a:t>
             </a:r>
           </a:p>
           <a:p>
             <a:pPr lvl="1"/>
             <a:r>
-              <a:rPr lang="x-none"/>
+              <a:rPr lang="en-US"/>
               <a:t>Second level</a:t>
             </a:r>
           </a:p>
           <a:p>
             <a:pPr lvl="2"/>
             <a:r>
-              <a:rPr lang="x-none"/>
+              <a:rPr lang="en-US"/>
               <a:t>Third level</a:t>
             </a:r>
           </a:p>
           <a:p>
             <a:pPr lvl="3"/>
             <a:r>
-              <a:rPr lang="x-none"/>
+              <a:rPr lang="en-US"/>
               <a:t>Fourth level</a:t>
             </a:r>
           </a:p>
           <a:p>
             <a:pPr lvl="4"/>
             <a:r>
-              <a:rPr lang="x-none"/>
+              <a:rPr lang="en-US"/>
               <a:t>Fifth level</a:t>
             </a:r>
-            <a:endParaRPr lang="en-US"/>
-          </a:p>
-        </p:txBody>
-      </p:sp>
-      <p:sp>
-        <p:nvSpPr>
-          <p:cNvPr id="4" name="Date Placeholder 3"/>
+            <a:endParaRPr lang="en-US" dirty="0"/>
+          </a:p>
+        </p:txBody>
+      </p:sp>
+      <p:sp>
+        <p:nvSpPr>
+          <p:cNvPr id="7" name="Date Placeholder 6"/>
           <p:cNvSpPr>
             <a:spLocks noGrp="1"/>
           </p:cNvSpPr>
@@ -1182,7 +1524,7 @@
           <a:p>
             <a:fld id="{E5A885E8-FF25-4342-A213-D596F8CE818F}" type="datetimeFigureOut">
               <a:rPr lang="en-US" smtClean="0"/>
-              <a:t>4/12/2018</a:t>
+              <a:t>4/25/18</a:t>
             </a:fld>
             <a:endParaRPr lang="en-US"/>
           </a:p>
@@ -1190,7 +1532,7 @@
       </p:sp>
       <p:sp>
         <p:nvSpPr>
-          <p:cNvPr id="5" name="Footer Placeholder 4"/>
+          <p:cNvPr id="8" name="Footer Placeholder 7"/>
           <p:cNvSpPr>
             <a:spLocks noGrp="1"/>
           </p:cNvSpPr>
@@ -1209,7 +1551,7 @@
       </p:sp>
       <p:sp>
         <p:nvSpPr>
-          <p:cNvPr id="6" name="Slide Number Placeholder 5"/>
+          <p:cNvPr id="9" name="Slide Number Placeholder 8"/>
           <p:cNvSpPr>
             <a:spLocks noGrp="1"/>
           </p:cNvSpPr>
@@ -1233,7 +1575,7 @@
     </p:spTree>
     <p:extLst>
       <p:ext uri="{BB962C8B-B14F-4D97-AF65-F5344CB8AC3E}">
-        <p14:creationId xmlns:p14="http://schemas.microsoft.com/office/powerpoint/2010/main" val="2751844351"/>
+        <p14:creationId xmlns:p14="http://schemas.microsoft.com/office/powerpoint/2010/main" val="4035250326"/>
       </p:ext>
     </p:extLst>
   </p:cSld>
@@ -1244,7 +1586,7 @@
 </file>
 
 <file path=ppt/slideLayouts/slideLayout3.xml><?xml version="1.0" encoding="utf-8"?>
-<p:sldLayout xmlns:a="http://schemas.openxmlformats.org/drawingml/2006/main" xmlns:r="http://schemas.openxmlformats.org/officeDocument/2006/relationships" xmlns:p="http://schemas.openxmlformats.org/presentationml/2006/main" type="secHead" preserve="1">
+<p:sldLayout xmlns:a="http://schemas.openxmlformats.org/drawingml/2006/main" xmlns:r="http://schemas.openxmlformats.org/officeDocument/2006/relationships" xmlns:p="http://schemas.openxmlformats.org/presentationml/2006/main" showMasterSp="0" type="secHead" preserve="1">
   <p:cSld name="Section Header">
     <p:spTree>
       <p:nvGrpSpPr>
@@ -1262,33 +1604,103 @@
       </p:grpSpPr>
       <p:sp>
         <p:nvSpPr>
-          <p:cNvPr id="2" name="Title 1"/>
-          <p:cNvSpPr>
-            <a:spLocks noGrp="1"/>
-          </p:cNvSpPr>
-          <p:nvPr>
-            <p:ph type="title"/>
-          </p:nvPr>
+          <p:cNvPr id="7" name="Rectangle 6"/>
+          <p:cNvSpPr/>
+          <p:nvPr/>
         </p:nvSpPr>
         <p:spPr>
           <a:xfrm>
-            <a:off x="722313" y="4406900"/>
-            <a:ext cx="7772400" cy="1362075"/>
+            <a:off x="0" y="4917989"/>
+            <a:ext cx="9144000" cy="1940010"/>
+          </a:xfrm>
+          <a:prstGeom prst="rect">
+            <a:avLst/>
+          </a:prstGeom>
+          <a:blipFill dpi="0" rotWithShape="1">
+            <a:blip r:embed="rId2">
+              <a:alphaModFix amt="80000"/>
+              <a:lum bright="70000" contrast="-70000"/>
+              <a:extLst>
+                <a:ext uri="{BEBA8EAE-BF5A-486C-A8C5-ECC9F3942E4B}">
+                  <a14:imgProps xmlns:a14="http://schemas.microsoft.com/office/drawing/2010/main">
+                    <a14:imgLayer r:embed="rId3">
+                      <a14:imgEffect>
+                        <a14:sharpenSoften amount="61000"/>
+                      </a14:imgEffect>
+                    </a14:imgLayer>
+                  </a14:imgProps>
+                </a:ext>
+                <a:ext uri="{28A0092B-C50C-407E-A947-70E740481C1C}">
+                  <a14:useLocalDpi xmlns:a14="http://schemas.microsoft.com/office/drawing/2010/main" val="0"/>
+                </a:ext>
+              </a:extLst>
+            </a:blip>
+            <a:srcRect/>
+            <a:tile tx="0" ty="-704850" sx="92000" sy="89000" flip="xy" algn="ctr"/>
+          </a:blipFill>
+          <a:ln>
+            <a:noFill/>
+          </a:ln>
+        </p:spPr>
+        <p:style>
+          <a:lnRef idx="2">
+            <a:schemeClr val="accent1">
+              <a:shade val="50000"/>
+            </a:schemeClr>
+          </a:lnRef>
+          <a:fillRef idx="1">
+            <a:schemeClr val="accent1"/>
+          </a:fillRef>
+          <a:effectRef idx="0">
+            <a:schemeClr val="accent1"/>
+          </a:effectRef>
+          <a:fontRef idx="minor">
+            <a:schemeClr val="lt1"/>
+          </a:fontRef>
+        </p:style>
+        <p:txBody>
+          <a:bodyPr rtlCol="0" anchor="ctr"/>
+          <a:lstStyle/>
+          <a:p>
+            <a:pPr algn="ctr"/>
+            <a:endParaRPr lang="en-US"/>
+          </a:p>
+        </p:txBody>
+      </p:sp>
+      <p:sp>
+        <p:nvSpPr>
+          <p:cNvPr id="2" name="Title 1"/>
+          <p:cNvSpPr>
+            <a:spLocks noGrp="1"/>
+          </p:cNvSpPr>
+          <p:nvPr>
+            <p:ph type="title"/>
+          </p:nvPr>
+        </p:nvSpPr>
+        <p:spPr>
+          <a:xfrm>
+            <a:off x="1625346" y="1225296"/>
+            <a:ext cx="6960870" cy="3520440"/>
           </a:xfrm>
         </p:spPr>
         <p:txBody>
-          <a:bodyPr anchor="t"/>
+          <a:bodyPr anchor="ctr">
+            <a:normAutofit/>
+          </a:bodyPr>
           <a:lstStyle>
-            <a:lvl1pPr algn="l">
-              <a:defRPr sz="4000" b="1" cap="all"/>
+            <a:lvl1pPr>
+              <a:lnSpc>
+                <a:spcPct val="80000"/>
+              </a:lnSpc>
+              <a:defRPr sz="6400" b="0"/>
             </a:lvl1pPr>
           </a:lstStyle>
           <a:p>
             <a:r>
-              <a:rPr lang="x-none"/>
+              <a:rPr lang="en-US"/>
               <a:t>Click to edit Master title style</a:t>
             </a:r>
-            <a:endParaRPr lang="en-US"/>
+            <a:endParaRPr lang="en-US" dirty="0"/>
           </a:p>
         </p:txBody>
       </p:sp>
@@ -1304,19 +1716,21 @@
         </p:nvSpPr>
         <p:spPr>
           <a:xfrm>
-            <a:off x="722313" y="2906713"/>
-            <a:ext cx="7772400" cy="1500187"/>
+            <a:off x="1624330" y="5020056"/>
+            <a:ext cx="6789420" cy="1066800"/>
           </a:xfrm>
         </p:spPr>
         <p:txBody>
-          <a:bodyPr anchor="b"/>
+          <a:bodyPr anchor="t">
+            <a:normAutofit/>
+          </a:bodyPr>
           <a:lstStyle>
             <a:lvl1pPr marL="0" indent="0">
               <a:buNone/>
-              <a:defRPr sz="2000">
+              <a:defRPr sz="1800" b="0">
                 <a:solidFill>
-                  <a:schemeClr val="tx1">
-                    <a:tint val="75000"/>
+                  <a:schemeClr val="accent1">
+                    <a:lumMod val="50000"/>
                   </a:schemeClr>
                 </a:solidFill>
               </a:defRPr>
@@ -1405,8 +1819,8 @@
           <a:p>
             <a:pPr lvl="0"/>
             <a:r>
-              <a:rPr lang="x-none"/>
-              <a:t>Click to edit Master text styles</a:t>
+              <a:rPr lang="en-US"/>
+              <a:t>Edit Master text styles</a:t>
             </a:r>
           </a:p>
         </p:txBody>
@@ -1421,14 +1835,29 @@
             <p:ph type="dt" sz="half" idx="10"/>
           </p:nvPr>
         </p:nvSpPr>
-        <p:spPr/>
+        <p:spPr>
+          <a:xfrm>
+            <a:off x="6445251" y="6272785"/>
+            <a:ext cx="1983232" cy="365125"/>
+          </a:xfrm>
+        </p:spPr>
         <p:txBody>
           <a:bodyPr/>
-          <a:lstStyle/>
+          <a:lstStyle>
+            <a:lvl1pPr>
+              <a:defRPr>
+                <a:solidFill>
+                  <a:schemeClr val="accent1">
+                    <a:lumMod val="50000"/>
+                  </a:schemeClr>
+                </a:solidFill>
+              </a:defRPr>
+            </a:lvl1pPr>
+          </a:lstStyle>
           <a:p>
             <a:fld id="{E5A885E8-FF25-4342-A213-D596F8CE818F}" type="datetimeFigureOut">
               <a:rPr lang="en-US" smtClean="0"/>
-              <a:t>4/12/2018</a:t>
+              <a:t>4/25/18</a:t>
             </a:fld>
             <a:endParaRPr lang="en-US"/>
           </a:p>
@@ -1444,15 +1873,190 @@
             <p:ph type="ftr" sz="quarter" idx="11"/>
           </p:nvPr>
         </p:nvSpPr>
-        <p:spPr/>
+        <p:spPr>
+          <a:xfrm>
+            <a:off x="1636099" y="6272784"/>
+            <a:ext cx="4745736" cy="365125"/>
+          </a:xfrm>
+        </p:spPr>
         <p:txBody>
           <a:bodyPr/>
-          <a:lstStyle/>
+          <a:lstStyle>
+            <a:lvl1pPr>
+              <a:defRPr>
+                <a:solidFill>
+                  <a:schemeClr val="accent1">
+                    <a:lumMod val="50000"/>
+                  </a:schemeClr>
+                </a:solidFill>
+              </a:defRPr>
+            </a:lvl1pPr>
+          </a:lstStyle>
           <a:p>
             <a:endParaRPr lang="en-US"/>
           </a:p>
         </p:txBody>
       </p:sp>
+      <p:grpSp>
+        <p:nvGrpSpPr>
+          <p:cNvPr id="8" name="Group 7"/>
+          <p:cNvGrpSpPr>
+            <a:grpSpLocks noChangeAspect="1"/>
+          </p:cNvGrpSpPr>
+          <p:nvPr/>
+        </p:nvGrpSpPr>
+        <p:grpSpPr>
+          <a:xfrm>
+            <a:off x="633862" y="2430623"/>
+            <a:ext cx="914400" cy="914400"/>
+            <a:chOff x="9685338" y="4460675"/>
+            <a:chExt cx="1080904" cy="1080902"/>
+          </a:xfrm>
+        </p:grpSpPr>
+        <p:sp>
+          <p:nvSpPr>
+            <p:cNvPr id="9" name="Oval 8"/>
+            <p:cNvSpPr/>
+            <p:nvPr/>
+          </p:nvSpPr>
+          <p:spPr>
+            <a:xfrm>
+              <a:off x="9685338" y="4460675"/>
+              <a:ext cx="1080904" cy="1080902"/>
+            </a:xfrm>
+            <a:prstGeom prst="ellipse">
+              <a:avLst/>
+            </a:prstGeom>
+            <a:blipFill dpi="0" rotWithShape="1">
+              <a:blip r:embed="rId4">
+                <a:duotone>
+                  <a:schemeClr val="accent1">
+                    <a:shade val="45000"/>
+                    <a:satMod val="135000"/>
+                  </a:schemeClr>
+                  <a:prstClr val="white"/>
+                </a:duotone>
+                <a:extLst>
+                  <a:ext uri="{BEBA8EAE-BF5A-486C-A8C5-ECC9F3942E4B}">
+                    <a14:imgProps xmlns:a14="http://schemas.microsoft.com/office/drawing/2010/main">
+                      <a14:imgLayer r:embed="rId5">
+                        <a14:imgEffect>
+                          <a14:saturation sat="95000"/>
+                        </a14:imgEffect>
+                      </a14:imgLayer>
+                    </a14:imgProps>
+                  </a:ext>
+                </a:extLst>
+              </a:blip>
+              <a:srcRect/>
+              <a:tile tx="0" ty="0" sx="85000" sy="85000" flip="none" algn="tl"/>
+            </a:blipFill>
+            <a:ln w="25400" cap="flat" cmpd="sng" algn="ctr">
+              <a:noFill/>
+              <a:prstDash val="solid"/>
+            </a:ln>
+            <a:effectLst/>
+          </p:spPr>
+          <p:txBody>
+            <a:bodyPr lIns="0" tIns="0" rIns="0" bIns="0" rtlCol="0" anchor="ctr"/>
+            <a:lstStyle/>
+            <a:p>
+              <a:pPr marL="0" marR="0" lvl="0" indent="0" algn="ctr" defTabSz="914400" eaLnBrk="1" fontAlgn="auto" latinLnBrk="0" hangingPunct="1">
+                <a:lnSpc>
+                  <a:spcPct val="100000"/>
+                </a:lnSpc>
+                <a:spcBef>
+                  <a:spcPts val="0"/>
+                </a:spcBef>
+                <a:spcAft>
+                  <a:spcPts val="0"/>
+                </a:spcAft>
+                <a:buClrTx/>
+                <a:buSzTx/>
+                <a:buFontTx/>
+                <a:buNone/>
+                <a:tabLst/>
+                <a:defRPr/>
+              </a:pPr>
+              <a:endParaRPr kumimoji="0" lang="en-US" sz="2000" b="0" i="0" u="none" strike="noStrike" kern="0" cap="none" spc="0" normalizeH="0" baseline="0" noProof="0" dirty="0">
+                <a:ln>
+                  <a:noFill/>
+                </a:ln>
+                <a:solidFill>
+                  <a:prstClr val="white"/>
+                </a:solidFill>
+                <a:effectLst/>
+                <a:uLnTx/>
+                <a:uFillTx/>
+                <a:latin typeface="Rockwell Extra Bold" pitchFamily="18" charset="0"/>
+                <a:ea typeface="+mn-ea"/>
+                <a:cs typeface="+mn-cs"/>
+              </a:endParaRPr>
+            </a:p>
+          </p:txBody>
+        </p:sp>
+        <p:sp>
+          <p:nvSpPr>
+            <p:cNvPr id="10" name="Oval 9"/>
+            <p:cNvSpPr/>
+            <p:nvPr/>
+          </p:nvSpPr>
+          <p:spPr>
+            <a:xfrm>
+              <a:off x="9793429" y="4568765"/>
+              <a:ext cx="864723" cy="864722"/>
+            </a:xfrm>
+            <a:prstGeom prst="ellipse">
+              <a:avLst/>
+            </a:prstGeom>
+            <a:noFill/>
+            <a:ln w="25400" cap="flat" cmpd="sng" algn="ctr">
+              <a:solidFill>
+                <a:sysClr val="window" lastClr="FFFFFF"/>
+              </a:solidFill>
+              <a:prstDash val="solid"/>
+            </a:ln>
+            <a:effectLst/>
+          </p:spPr>
+          <p:txBody>
+            <a:bodyPr rtlCol="0" anchor="ctr"/>
+            <a:lstStyle/>
+            <a:p>
+              <a:pPr marL="0" marR="0" lvl="0" indent="0" algn="ctr" defTabSz="914400" eaLnBrk="1" fontAlgn="auto" latinLnBrk="0" hangingPunct="1">
+                <a:lnSpc>
+                  <a:spcPct val="100000"/>
+                </a:lnSpc>
+                <a:spcBef>
+                  <a:spcPts val="0"/>
+                </a:spcBef>
+                <a:spcAft>
+                  <a:spcPts val="0"/>
+                </a:spcAft>
+                <a:buClrTx/>
+                <a:buSzTx/>
+                <a:buFontTx/>
+                <a:buNone/>
+                <a:tabLst/>
+                <a:defRPr/>
+              </a:pPr>
+              <a:endParaRPr kumimoji="0" lang="en-US" sz="1800" b="0" i="0" u="none" strike="noStrike" kern="0" cap="none" spc="0" normalizeH="0" baseline="0" noProof="0" dirty="0">
+                <a:ln>
+                  <a:noFill/>
+                </a:ln>
+                <a:solidFill>
+                  <a:prstClr val="white"/>
+                </a:solidFill>
+                <a:effectLst/>
+                <a:uLnTx/>
+                <a:uFillTx/>
+                <a:latin typeface="Calibri"/>
+                <a:ea typeface="+mn-ea"/>
+                <a:cs typeface="+mn-cs"/>
+              </a:endParaRPr>
+            </a:p>
+          </p:txBody>
+        </p:sp>
+      </p:grpSp>
       <p:sp>
         <p:nvSpPr>
           <p:cNvPr id="6" name="Slide Number Placeholder 5"/>
@@ -1463,10 +2067,19 @@
             <p:ph type="sldNum" sz="quarter" idx="12"/>
           </p:nvPr>
         </p:nvSpPr>
-        <p:spPr/>
+        <p:spPr>
+          <a:xfrm>
+            <a:off x="645450" y="2508607"/>
+            <a:ext cx="891224" cy="720332"/>
+          </a:xfrm>
+        </p:spPr>
         <p:txBody>
           <a:bodyPr/>
-          <a:lstStyle/>
+          <a:lstStyle>
+            <a:lvl1pPr>
+              <a:defRPr sz="2800"/>
+            </a:lvl1pPr>
+          </a:lstStyle>
           <a:p>
             <a:fld id="{9680D822-9BA3-EB4C-8F88-C24A9FE33E19}" type="slidenum">
               <a:rPr lang="en-US" smtClean="0"/>
@@ -1479,7 +2092,7 @@
     </p:spTree>
     <p:extLst>
       <p:ext uri="{BB962C8B-B14F-4D97-AF65-F5344CB8AC3E}">
-        <p14:creationId xmlns:p14="http://schemas.microsoft.com/office/powerpoint/2010/main" val="2307042451"/>
+        <p14:creationId xmlns:p14="http://schemas.microsoft.com/office/powerpoint/2010/main" val="247770536"/>
       </p:ext>
     </p:extLst>
   </p:cSld>
@@ -1522,10 +2135,10 @@
           <a:lstStyle/>
           <a:p>
             <a:r>
-              <a:rPr lang="x-none"/>
+              <a:rPr lang="en-US"/>
               <a:t>Click to edit Master title style</a:t>
             </a:r>
-            <a:endParaRPr lang="en-US"/>
+            <a:endParaRPr lang="en-US" dirty="0"/>
           </a:p>
         </p:txBody>
       </p:sp>
@@ -1541,27 +2154,27 @@
         </p:nvSpPr>
         <p:spPr>
           <a:xfrm>
-            <a:off x="457200" y="1600200"/>
-            <a:ext cx="4038600" cy="4525963"/>
+            <a:off x="685800" y="2194560"/>
+            <a:ext cx="3657600" cy="3977640"/>
           </a:xfrm>
         </p:spPr>
         <p:txBody>
           <a:bodyPr/>
           <a:lstStyle>
             <a:lvl1pPr>
-              <a:defRPr sz="2800"/>
+              <a:defRPr sz="2000"/>
             </a:lvl1pPr>
             <a:lvl2pPr>
-              <a:defRPr sz="2400"/>
+              <a:defRPr sz="1800"/>
             </a:lvl2pPr>
             <a:lvl3pPr>
-              <a:defRPr sz="2000"/>
+              <a:defRPr sz="1600"/>
             </a:lvl3pPr>
             <a:lvl4pPr>
-              <a:defRPr sz="1800"/>
+              <a:defRPr sz="1600"/>
             </a:lvl4pPr>
             <a:lvl5pPr>
-              <a:defRPr sz="1800"/>
+              <a:defRPr sz="1600"/>
             </a:lvl5pPr>
             <a:lvl6pPr>
               <a:defRPr sz="1800"/>
@@ -1579,38 +2192,38 @@
           <a:p>
             <a:pPr lvl="0"/>
             <a:r>
-              <a:rPr lang="x-none"/>
-              <a:t>Click to edit Master text styles</a:t>
+              <a:rPr lang="en-US"/>
+              <a:t>Edit Master text styles</a:t>
             </a:r>
           </a:p>
           <a:p>
             <a:pPr lvl="1"/>
             <a:r>
-              <a:rPr lang="x-none"/>
+              <a:rPr lang="en-US"/>
               <a:t>Second level</a:t>
             </a:r>
           </a:p>
           <a:p>
             <a:pPr lvl="2"/>
             <a:r>
-              <a:rPr lang="x-none"/>
+              <a:rPr lang="en-US"/>
               <a:t>Third level</a:t>
             </a:r>
           </a:p>
           <a:p>
             <a:pPr lvl="3"/>
             <a:r>
-              <a:rPr lang="x-none"/>
+              <a:rPr lang="en-US"/>
               <a:t>Fourth level</a:t>
             </a:r>
           </a:p>
           <a:p>
             <a:pPr lvl="4"/>
             <a:r>
-              <a:rPr lang="x-none"/>
+              <a:rPr lang="en-US"/>
               <a:t>Fifth level</a:t>
             </a:r>
-            <a:endParaRPr lang="en-US"/>
+            <a:endParaRPr lang="en-US" dirty="0"/>
           </a:p>
         </p:txBody>
       </p:sp>
@@ -1626,27 +2239,27 @@
         </p:nvSpPr>
         <p:spPr>
           <a:xfrm>
-            <a:off x="4648200" y="1600200"/>
-            <a:ext cx="4038600" cy="4525963"/>
+            <a:off x="4792218" y="2194560"/>
+            <a:ext cx="3657600" cy="3977640"/>
           </a:xfrm>
         </p:spPr>
         <p:txBody>
           <a:bodyPr/>
           <a:lstStyle>
             <a:lvl1pPr>
-              <a:defRPr sz="2800"/>
+              <a:defRPr sz="2000"/>
             </a:lvl1pPr>
             <a:lvl2pPr>
-              <a:defRPr sz="2400"/>
+              <a:defRPr sz="1800"/>
             </a:lvl2pPr>
             <a:lvl3pPr>
-              <a:defRPr sz="2000"/>
+              <a:defRPr sz="1600"/>
             </a:lvl3pPr>
             <a:lvl4pPr>
-              <a:defRPr sz="1800"/>
+              <a:defRPr sz="1600"/>
             </a:lvl4pPr>
             <a:lvl5pPr>
-              <a:defRPr sz="1800"/>
+              <a:defRPr sz="1600"/>
             </a:lvl5pPr>
             <a:lvl6pPr>
               <a:defRPr sz="1800"/>
@@ -1664,38 +2277,38 @@
           <a:p>
             <a:pPr lvl="0"/>
             <a:r>
-              <a:rPr lang="x-none"/>
-              <a:t>Click to edit Master text styles</a:t>
+              <a:rPr lang="en-US"/>
+              <a:t>Edit Master text styles</a:t>
             </a:r>
           </a:p>
           <a:p>
             <a:pPr lvl="1"/>
             <a:r>
-              <a:rPr lang="x-none"/>
+              <a:rPr lang="en-US"/>
               <a:t>Second level</a:t>
             </a:r>
           </a:p>
           <a:p>
             <a:pPr lvl="2"/>
             <a:r>
-              <a:rPr lang="x-none"/>
+              <a:rPr lang="en-US"/>
               <a:t>Third level</a:t>
             </a:r>
           </a:p>
           <a:p>
             <a:pPr lvl="3"/>
             <a:r>
-              <a:rPr lang="x-none"/>
+              <a:rPr lang="en-US"/>
               <a:t>Fourth level</a:t>
             </a:r>
           </a:p>
           <a:p>
             <a:pPr lvl="4"/>
             <a:r>
-              <a:rPr lang="x-none"/>
+              <a:rPr lang="en-US"/>
               <a:t>Fifth level</a:t>
             </a:r>
-            <a:endParaRPr lang="en-US"/>
+            <a:endParaRPr lang="en-US" dirty="0"/>
           </a:p>
         </p:txBody>
       </p:sp>
@@ -1716,7 +2329,7 @@
           <a:p>
             <a:fld id="{E5A885E8-FF25-4342-A213-D596F8CE818F}" type="datetimeFigureOut">
               <a:rPr lang="en-US" smtClean="0"/>
-              <a:t>4/12/2018</a:t>
+              <a:t>4/25/18</a:t>
             </a:fld>
             <a:endParaRPr lang="en-US"/>
           </a:p>
@@ -1767,7 +2380,7 @@
     </p:spTree>
     <p:extLst>
       <p:ext uri="{BB962C8B-B14F-4D97-AF65-F5344CB8AC3E}">
-        <p14:creationId xmlns:p14="http://schemas.microsoft.com/office/powerpoint/2010/main" val="2912340837"/>
+        <p14:creationId xmlns:p14="http://schemas.microsoft.com/office/powerpoint/2010/main" val="1934712786"/>
       </p:ext>
     </p:extLst>
   </p:cSld>
@@ -1778,7 +2391,7 @@
 </file>
 
 <file path=ppt/slideLayouts/slideLayout5.xml><?xml version="1.0" encoding="utf-8"?>
-<p:sldLayout xmlns:a="http://schemas.openxmlformats.org/drawingml/2006/main" xmlns:r="http://schemas.openxmlformats.org/officeDocument/2006/relationships" xmlns:p="http://schemas.openxmlformats.org/presentationml/2006/main" type="twoTxTwoObj" preserve="1">
+<p:sldLayout xmlns:a="http://schemas.openxmlformats.org/drawingml/2006/main" xmlns:r="http://schemas.openxmlformats.org/officeDocument/2006/relationships" xmlns:p="http://schemas.openxmlformats.org/presentationml/2006/main" preserve="1">
   <p:cSld name="Comparison">
     <p:spTree>
       <p:nvGrpSpPr>
@@ -1796,33 +2409,6 @@
       </p:grpSpPr>
       <p:sp>
         <p:nvSpPr>
-          <p:cNvPr id="2" name="Title 1"/>
-          <p:cNvSpPr>
-            <a:spLocks noGrp="1"/>
-          </p:cNvSpPr>
-          <p:nvPr>
-            <p:ph type="title"/>
-          </p:nvPr>
-        </p:nvSpPr>
-        <p:spPr/>
-        <p:txBody>
-          <a:bodyPr/>
-          <a:lstStyle>
-            <a:lvl1pPr>
-              <a:defRPr/>
-            </a:lvl1pPr>
-          </a:lstStyle>
-          <a:p>
-            <a:r>
-              <a:rPr lang="x-none"/>
-              <a:t>Click to edit Master title style</a:t>
-            </a:r>
-            <a:endParaRPr lang="en-US"/>
-          </a:p>
-        </p:txBody>
-      </p:sp>
-      <p:sp>
-        <p:nvSpPr>
           <p:cNvPr id="3" name="Text Placeholder 2"/>
           <p:cNvSpPr>
             <a:spLocks noGrp="1"/>
@@ -1833,16 +2419,24 @@
         </p:nvSpPr>
         <p:spPr>
           <a:xfrm>
-            <a:off x="457200" y="1535113"/>
-            <a:ext cx="4040188" cy="639762"/>
+            <a:off x="685800" y="2048256"/>
+            <a:ext cx="3657600" cy="640080"/>
           </a:xfrm>
         </p:spPr>
         <p:txBody>
-          <a:bodyPr anchor="b"/>
+          <a:bodyPr anchor="ctr">
+            <a:normAutofit/>
+          </a:bodyPr>
           <a:lstStyle>
             <a:lvl1pPr marL="0" indent="0">
               <a:buNone/>
-              <a:defRPr sz="2400" b="1"/>
+              <a:defRPr sz="2000" b="1">
+                <a:solidFill>
+                  <a:schemeClr val="accent1">
+                    <a:lumMod val="75000"/>
+                  </a:schemeClr>
+                </a:solidFill>
+              </a:defRPr>
             </a:lvl1pPr>
             <a:lvl2pPr marL="457200" indent="0">
               <a:buNone/>
@@ -1880,8 +2474,8 @@
           <a:p>
             <a:pPr lvl="0"/>
             <a:r>
-              <a:rPr lang="x-none"/>
-              <a:t>Click to edit Master text styles</a:t>
+              <a:rPr lang="en-US"/>
+              <a:t>Edit Master text styles</a:t>
             </a:r>
           </a:p>
         </p:txBody>
@@ -1898,21 +2492,21 @@
         </p:nvSpPr>
         <p:spPr>
           <a:xfrm>
-            <a:off x="457200" y="2174875"/>
-            <a:ext cx="4040188" cy="3951288"/>
+            <a:off x="685800" y="2743200"/>
+            <a:ext cx="3657600" cy="3291840"/>
           </a:xfrm>
         </p:spPr>
         <p:txBody>
           <a:bodyPr/>
           <a:lstStyle>
             <a:lvl1pPr>
-              <a:defRPr sz="2400"/>
+              <a:defRPr sz="2000"/>
             </a:lvl1pPr>
             <a:lvl2pPr>
-              <a:defRPr sz="2000"/>
+              <a:defRPr sz="1800"/>
             </a:lvl2pPr>
             <a:lvl3pPr>
-              <a:defRPr sz="1800"/>
+              <a:defRPr sz="1600"/>
             </a:lvl3pPr>
             <a:lvl4pPr>
               <a:defRPr sz="1600"/>
@@ -1936,38 +2530,38 @@
           <a:p>
             <a:pPr lvl="0"/>
             <a:r>
-              <a:rPr lang="x-none"/>
-              <a:t>Click to edit Master text styles</a:t>
+              <a:rPr lang="en-US"/>
+              <a:t>Edit Master text styles</a:t>
             </a:r>
           </a:p>
           <a:p>
             <a:pPr lvl="1"/>
             <a:r>
-              <a:rPr lang="x-none"/>
+              <a:rPr lang="en-US"/>
               <a:t>Second level</a:t>
             </a:r>
           </a:p>
           <a:p>
             <a:pPr lvl="2"/>
             <a:r>
-              <a:rPr lang="x-none"/>
+              <a:rPr lang="en-US"/>
               <a:t>Third level</a:t>
             </a:r>
           </a:p>
           <a:p>
             <a:pPr lvl="3"/>
             <a:r>
-              <a:rPr lang="x-none"/>
+              <a:rPr lang="en-US"/>
               <a:t>Fourth level</a:t>
             </a:r>
           </a:p>
           <a:p>
             <a:pPr lvl="4"/>
             <a:r>
-              <a:rPr lang="x-none"/>
+              <a:rPr lang="en-US"/>
               <a:t>Fifth level</a:t>
             </a:r>
-            <a:endParaRPr lang="en-US"/>
+            <a:endParaRPr lang="en-US" dirty="0"/>
           </a:p>
         </p:txBody>
       </p:sp>
@@ -1983,16 +2577,24 @@
         </p:nvSpPr>
         <p:spPr>
           <a:xfrm>
-            <a:off x="4645025" y="1535113"/>
-            <a:ext cx="4041775" cy="639762"/>
+            <a:off x="4820793" y="2048256"/>
+            <a:ext cx="3657600" cy="640080"/>
           </a:xfrm>
         </p:spPr>
         <p:txBody>
-          <a:bodyPr anchor="b"/>
+          <a:bodyPr anchor="ctr">
+            <a:normAutofit/>
+          </a:bodyPr>
           <a:lstStyle>
             <a:lvl1pPr marL="0" indent="0">
               <a:buNone/>
-              <a:defRPr sz="2400" b="1"/>
+              <a:defRPr sz="2000" b="1">
+                <a:solidFill>
+                  <a:schemeClr val="accent1">
+                    <a:lumMod val="75000"/>
+                  </a:schemeClr>
+                </a:solidFill>
+              </a:defRPr>
             </a:lvl1pPr>
             <a:lvl2pPr marL="457200" indent="0">
               <a:buNone/>
@@ -2030,8 +2632,8 @@
           <a:p>
             <a:pPr lvl="0"/>
             <a:r>
-              <a:rPr lang="x-none"/>
-              <a:t>Click to edit Master text styles</a:t>
+              <a:rPr lang="en-US"/>
+              <a:t>Edit Master text styles</a:t>
             </a:r>
           </a:p>
         </p:txBody>
@@ -2048,21 +2650,21 @@
         </p:nvSpPr>
         <p:spPr>
           <a:xfrm>
-            <a:off x="4645025" y="2174875"/>
-            <a:ext cx="4041775" cy="3951288"/>
+            <a:off x="4820793" y="2743200"/>
+            <a:ext cx="3657600" cy="3291840"/>
           </a:xfrm>
         </p:spPr>
         <p:txBody>
           <a:bodyPr/>
           <a:lstStyle>
             <a:lvl1pPr>
-              <a:defRPr sz="2400"/>
+              <a:defRPr sz="2000"/>
             </a:lvl1pPr>
             <a:lvl2pPr>
-              <a:defRPr sz="2000"/>
+              <a:defRPr sz="1800"/>
             </a:lvl2pPr>
             <a:lvl3pPr>
-              <a:defRPr sz="1800"/>
+              <a:defRPr sz="1600"/>
             </a:lvl3pPr>
             <a:lvl4pPr>
               <a:defRPr sz="1600"/>
@@ -2086,38 +2688,38 @@
           <a:p>
             <a:pPr lvl="0"/>
             <a:r>
-              <a:rPr lang="x-none"/>
-              <a:t>Click to edit Master text styles</a:t>
+              <a:rPr lang="en-US"/>
+              <a:t>Edit Master text styles</a:t>
             </a:r>
           </a:p>
           <a:p>
             <a:pPr lvl="1"/>
             <a:r>
-              <a:rPr lang="x-none"/>
+              <a:rPr lang="en-US"/>
               <a:t>Second level</a:t>
             </a:r>
           </a:p>
           <a:p>
             <a:pPr lvl="2"/>
             <a:r>
-              <a:rPr lang="x-none"/>
+              <a:rPr lang="en-US"/>
               <a:t>Third level</a:t>
             </a:r>
           </a:p>
           <a:p>
             <a:pPr lvl="3"/>
             <a:r>
-              <a:rPr lang="x-none"/>
+              <a:rPr lang="en-US"/>
               <a:t>Fourth level</a:t>
             </a:r>
           </a:p>
           <a:p>
             <a:pPr lvl="4"/>
             <a:r>
-              <a:rPr lang="x-none"/>
+              <a:rPr lang="en-US"/>
               <a:t>Fifth level</a:t>
             </a:r>
-            <a:endParaRPr lang="en-US"/>
+            <a:endParaRPr lang="en-US" dirty="0"/>
           </a:p>
         </p:txBody>
       </p:sp>
@@ -2138,7 +2740,7 @@
           <a:p>
             <a:fld id="{E5A885E8-FF25-4342-A213-D596F8CE818F}" type="datetimeFigureOut">
               <a:rPr lang="en-US" smtClean="0"/>
-              <a:t>4/12/2018</a:t>
+              <a:t>4/25/18</a:t>
             </a:fld>
             <a:endParaRPr lang="en-US"/>
           </a:p>
@@ -2186,10 +2788,33 @@
           </a:p>
         </p:txBody>
       </p:sp>
+      <p:sp>
+        <p:nvSpPr>
+          <p:cNvPr id="10" name="Title 9"/>
+          <p:cNvSpPr>
+            <a:spLocks noGrp="1"/>
+          </p:cNvSpPr>
+          <p:nvPr>
+            <p:ph type="title"/>
+          </p:nvPr>
+        </p:nvSpPr>
+        <p:spPr/>
+        <p:txBody>
+          <a:bodyPr/>
+          <a:lstStyle/>
+          <a:p>
+            <a:r>
+              <a:rPr lang="en-US"/>
+              <a:t>Click to edit Master title style</a:t>
+            </a:r>
+            <a:endParaRPr lang="en-US" dirty="0"/>
+          </a:p>
+        </p:txBody>
+      </p:sp>
     </p:spTree>
     <p:extLst>
       <p:ext uri="{BB962C8B-B14F-4D97-AF65-F5344CB8AC3E}">
-        <p14:creationId xmlns:p14="http://schemas.microsoft.com/office/powerpoint/2010/main" val="1519267547"/>
+        <p14:creationId xmlns:p14="http://schemas.microsoft.com/office/powerpoint/2010/main" val="2263990544"/>
       </p:ext>
     </p:extLst>
   </p:cSld>
@@ -2200,7 +2825,7 @@
 </file>
 
 <file path=ppt/slideLayouts/slideLayout6.xml><?xml version="1.0" encoding="utf-8"?>
-<p:sldLayout xmlns:a="http://schemas.openxmlformats.org/drawingml/2006/main" xmlns:r="http://schemas.openxmlformats.org/officeDocument/2006/relationships" xmlns:p="http://schemas.openxmlformats.org/presentationml/2006/main" type="titleOnly" preserve="1">
+<p:sldLayout xmlns:a="http://schemas.openxmlformats.org/drawingml/2006/main" xmlns:r="http://schemas.openxmlformats.org/officeDocument/2006/relationships" xmlns:p="http://schemas.openxmlformats.org/presentationml/2006/main" preserve="1">
   <p:cSld name="Title Only">
     <p:spTree>
       <p:nvGrpSpPr>
@@ -2218,45 +2843,32 @@
       </p:grpSpPr>
       <p:sp>
         <p:nvSpPr>
-          <p:cNvPr id="2" name="Title 1"/>
-          <p:cNvSpPr>
-            <a:spLocks noGrp="1"/>
-          </p:cNvSpPr>
-          <p:nvPr>
-            <p:ph type="title"/>
+          <p:cNvPr id="3" name="Date Placeholder 2"/>
+          <p:cNvSpPr>
+            <a:spLocks noGrp="1"/>
+          </p:cNvSpPr>
+          <p:nvPr>
+            <p:ph type="dt" sz="half" idx="10"/>
           </p:nvPr>
         </p:nvSpPr>
         <p:spPr/>
         <p:txBody>
           <a:bodyPr/>
-          <a:lstStyle/>
-          <a:p>
-            <a:r>
-              <a:rPr lang="x-none"/>
-              <a:t>Click to edit Master title style</a:t>
-            </a:r>
-            <a:endParaRPr lang="en-US"/>
-          </a:p>
-        </p:txBody>
-      </p:sp>
-      <p:sp>
-        <p:nvSpPr>
-          <p:cNvPr id="3" name="Date Placeholder 2"/>
-          <p:cNvSpPr>
-            <a:spLocks noGrp="1"/>
-          </p:cNvSpPr>
-          <p:nvPr>
-            <p:ph type="dt" sz="half" idx="10"/>
-          </p:nvPr>
-        </p:nvSpPr>
-        <p:spPr/>
-        <p:txBody>
-          <a:bodyPr/>
-          <a:lstStyle/>
+          <a:lstStyle>
+            <a:lvl1pPr>
+              <a:defRPr>
+                <a:solidFill>
+                  <a:schemeClr val="accent1">
+                    <a:lumMod val="50000"/>
+                  </a:schemeClr>
+                </a:solidFill>
+              </a:defRPr>
+            </a:lvl1pPr>
+          </a:lstStyle>
           <a:p>
             <a:fld id="{E5A885E8-FF25-4342-A213-D596F8CE818F}" type="datetimeFigureOut">
               <a:rPr lang="en-US" smtClean="0"/>
-              <a:t>4/12/2018</a:t>
+              <a:t>4/25/18</a:t>
             </a:fld>
             <a:endParaRPr lang="en-US"/>
           </a:p>
@@ -2275,7 +2887,17 @@
         <p:spPr/>
         <p:txBody>
           <a:bodyPr/>
-          <a:lstStyle/>
+          <a:lstStyle>
+            <a:lvl1pPr>
+              <a:defRPr>
+                <a:solidFill>
+                  <a:schemeClr val="accent1">
+                    <a:lumMod val="50000"/>
+                  </a:schemeClr>
+                </a:solidFill>
+              </a:defRPr>
+            </a:lvl1pPr>
+          </a:lstStyle>
           <a:p>
             <a:endParaRPr lang="en-US"/>
           </a:p>
@@ -2304,10 +2926,32 @@
           </a:p>
         </p:txBody>
       </p:sp>
+      <p:sp>
+        <p:nvSpPr>
+          <p:cNvPr id="6" name="Title 5"/>
+          <p:cNvSpPr>
+            <a:spLocks noGrp="1"/>
+          </p:cNvSpPr>
+          <p:nvPr>
+            <p:ph type="title"/>
+          </p:nvPr>
+        </p:nvSpPr>
+        <p:spPr/>
+        <p:txBody>
+          <a:bodyPr/>
+          <a:lstStyle/>
+          <a:p>
+            <a:r>
+              <a:rPr lang="en-US"/>
+              <a:t>Click to edit Master title style</a:t>
+            </a:r>
+          </a:p>
+        </p:txBody>
+      </p:sp>
     </p:spTree>
     <p:extLst>
       <p:ext uri="{BB962C8B-B14F-4D97-AF65-F5344CB8AC3E}">
-        <p14:creationId xmlns:p14="http://schemas.microsoft.com/office/powerpoint/2010/main" val="2595213507"/>
+        <p14:creationId xmlns:p14="http://schemas.microsoft.com/office/powerpoint/2010/main" val="1797824012"/>
       </p:ext>
     </p:extLst>
   </p:cSld>
@@ -2351,7 +2995,7 @@
           <a:p>
             <a:fld id="{E5A885E8-FF25-4342-A213-D596F8CE818F}" type="datetimeFigureOut">
               <a:rPr lang="en-US" smtClean="0"/>
-              <a:t>4/12/2018</a:t>
+              <a:t>4/25/18</a:t>
             </a:fld>
             <a:endParaRPr lang="en-US"/>
           </a:p>
@@ -2402,7 +3046,7 @@
     </p:spTree>
     <p:extLst>
       <p:ext uri="{BB962C8B-B14F-4D97-AF65-F5344CB8AC3E}">
-        <p14:creationId xmlns:p14="http://schemas.microsoft.com/office/powerpoint/2010/main" val="586605315"/>
+        <p14:creationId xmlns:p14="http://schemas.microsoft.com/office/powerpoint/2010/main" val="148955468"/>
       </p:ext>
     </p:extLst>
   </p:cSld>
@@ -2413,7 +3057,7 @@
 </file>
 
 <file path=ppt/slideLayouts/slideLayout8.xml><?xml version="1.0" encoding="utf-8"?>
-<p:sldLayout xmlns:a="http://schemas.openxmlformats.org/drawingml/2006/main" xmlns:r="http://schemas.openxmlformats.org/officeDocument/2006/relationships" xmlns:p="http://schemas.openxmlformats.org/presentationml/2006/main" type="objTx" preserve="1">
+<p:sldLayout xmlns:a="http://schemas.openxmlformats.org/drawingml/2006/main" xmlns:r="http://schemas.openxmlformats.org/officeDocument/2006/relationships" xmlns:p="http://schemas.openxmlformats.org/presentationml/2006/main" showMasterSp="0" type="objTx" preserve="1">
   <p:cSld name="Content with Caption">
     <p:spTree>
       <p:nvGrpSpPr>
@@ -2431,33 +3075,100 @@
       </p:grpSpPr>
       <p:sp>
         <p:nvSpPr>
-          <p:cNvPr id="2" name="Title 1"/>
-          <p:cNvSpPr>
-            <a:spLocks noGrp="1"/>
-          </p:cNvSpPr>
-          <p:nvPr>
-            <p:ph type="title"/>
-          </p:nvPr>
+          <p:cNvPr id="8" name="Rectangle 7"/>
+          <p:cNvSpPr/>
+          <p:nvPr/>
         </p:nvSpPr>
         <p:spPr>
           <a:xfrm>
-            <a:off x="457200" y="273050"/>
-            <a:ext cx="3008313" cy="1162050"/>
+            <a:off x="6227806" y="1"/>
+            <a:ext cx="2916194" cy="6857999"/>
+          </a:xfrm>
+          <a:prstGeom prst="rect">
+            <a:avLst/>
+          </a:prstGeom>
+          <a:blipFill dpi="0" rotWithShape="1">
+            <a:blip r:embed="rId2">
+              <a:alphaModFix amt="60000"/>
+              <a:lum bright="70000" contrast="-70000"/>
+              <a:extLst>
+                <a:ext uri="{BEBA8EAE-BF5A-486C-A8C5-ECC9F3942E4B}">
+                  <a14:imgProps xmlns:a14="http://schemas.microsoft.com/office/drawing/2010/main">
+                    <a14:imgLayer r:embed="rId3">
+                      <a14:imgEffect>
+                        <a14:sharpenSoften amount="61000"/>
+                      </a14:imgEffect>
+                    </a14:imgLayer>
+                  </a14:imgProps>
+                </a:ext>
+                <a:ext uri="{28A0092B-C50C-407E-A947-70E740481C1C}">
+                  <a14:useLocalDpi xmlns:a14="http://schemas.microsoft.com/office/drawing/2010/main" val="0"/>
+                </a:ext>
+              </a:extLst>
+            </a:blip>
+            <a:srcRect/>
+            <a:tile tx="0" ty="-704850" sx="92000" sy="89000" flip="xy" algn="ctr"/>
+          </a:blipFill>
+          <a:ln>
+            <a:noFill/>
+          </a:ln>
+        </p:spPr>
+        <p:style>
+          <a:lnRef idx="2">
+            <a:schemeClr val="accent1">
+              <a:shade val="50000"/>
+            </a:schemeClr>
+          </a:lnRef>
+          <a:fillRef idx="1">
+            <a:schemeClr val="accent1"/>
+          </a:fillRef>
+          <a:effectRef idx="0">
+            <a:schemeClr val="accent1"/>
+          </a:effectRef>
+          <a:fontRef idx="minor">
+            <a:schemeClr val="lt1"/>
+          </a:fontRef>
+        </p:style>
+        <p:txBody>
+          <a:bodyPr rtlCol="0" anchor="ctr"/>
+          <a:lstStyle/>
+          <a:p>
+            <a:pPr algn="ctr"/>
+            <a:endParaRPr lang="en-US" dirty="0"/>
+          </a:p>
+        </p:txBody>
+      </p:sp>
+      <p:sp>
+        <p:nvSpPr>
+          <p:cNvPr id="2" name="Title 1"/>
+          <p:cNvSpPr>
+            <a:spLocks noGrp="1"/>
+          </p:cNvSpPr>
+          <p:nvPr>
+            <p:ph type="title"/>
+          </p:nvPr>
+        </p:nvSpPr>
+        <p:spPr>
+          <a:xfrm>
+            <a:off x="6412230" y="685800"/>
+            <a:ext cx="2400300" cy="1737360"/>
           </a:xfrm>
         </p:spPr>
         <p:txBody>
-          <a:bodyPr anchor="b"/>
+          <a:bodyPr anchor="b">
+            <a:normAutofit/>
+          </a:bodyPr>
           <a:lstStyle>
-            <a:lvl1pPr algn="l">
-              <a:defRPr sz="2000" b="1"/>
+            <a:lvl1pPr>
+              <a:defRPr sz="2800" b="0"/>
             </a:lvl1pPr>
           </a:lstStyle>
           <a:p>
             <a:r>
-              <a:rPr lang="x-none"/>
+              <a:rPr lang="en-US"/>
               <a:t>Click to edit Master title style</a:t>
             </a:r>
-            <a:endParaRPr lang="en-US"/>
+            <a:endParaRPr lang="en-US" dirty="0"/>
           </a:p>
         </p:txBody>
       </p:sp>
@@ -2473,27 +3184,27 @@
         </p:nvSpPr>
         <p:spPr>
           <a:xfrm>
-            <a:off x="3575050" y="273050"/>
-            <a:ext cx="5111750" cy="5853113"/>
+            <a:off x="628650" y="685800"/>
+            <a:ext cx="5033772" cy="5020056"/>
           </a:xfrm>
         </p:spPr>
         <p:txBody>
           <a:bodyPr/>
           <a:lstStyle>
             <a:lvl1pPr>
-              <a:defRPr sz="3200"/>
+              <a:defRPr sz="2000"/>
             </a:lvl1pPr>
             <a:lvl2pPr>
-              <a:defRPr sz="2800"/>
+              <a:defRPr sz="1800"/>
             </a:lvl2pPr>
             <a:lvl3pPr>
-              <a:defRPr sz="2400"/>
+              <a:defRPr sz="1600"/>
             </a:lvl3pPr>
             <a:lvl4pPr>
-              <a:defRPr sz="2000"/>
+              <a:defRPr sz="1600"/>
             </a:lvl4pPr>
             <a:lvl5pPr>
-              <a:defRPr sz="2000"/>
+              <a:defRPr sz="1600"/>
             </a:lvl5pPr>
             <a:lvl6pPr>
               <a:defRPr sz="2000"/>
@@ -2511,38 +3222,38 @@
           <a:p>
             <a:pPr lvl="0"/>
             <a:r>
-              <a:rPr lang="x-none"/>
-              <a:t>Click to edit Master text styles</a:t>
+              <a:rPr lang="en-US"/>
+              <a:t>Edit Master text styles</a:t>
             </a:r>
           </a:p>
           <a:p>
             <a:pPr lvl="1"/>
             <a:r>
-              <a:rPr lang="x-none"/>
+              <a:rPr lang="en-US"/>
               <a:t>Second level</a:t>
             </a:r>
           </a:p>
           <a:p>
             <a:pPr lvl="2"/>
             <a:r>
-              <a:rPr lang="x-none"/>
+              <a:rPr lang="en-US"/>
               <a:t>Third level</a:t>
             </a:r>
           </a:p>
           <a:p>
             <a:pPr lvl="3"/>
             <a:r>
-              <a:rPr lang="x-none"/>
+              <a:rPr lang="en-US"/>
               <a:t>Fourth level</a:t>
             </a:r>
           </a:p>
           <a:p>
             <a:pPr lvl="4"/>
             <a:r>
-              <a:rPr lang="x-none"/>
+              <a:rPr lang="en-US"/>
               <a:t>Fifth level</a:t>
             </a:r>
-            <a:endParaRPr lang="en-US"/>
+            <a:endParaRPr lang="en-US" dirty="0"/>
           </a:p>
         </p:txBody>
       </p:sp>
@@ -2558,16 +3269,30 @@
         </p:nvSpPr>
         <p:spPr>
           <a:xfrm>
-            <a:off x="457200" y="1435100"/>
-            <a:ext cx="3008313" cy="4691063"/>
+            <a:off x="6412230" y="2423160"/>
+            <a:ext cx="2400300" cy="3291840"/>
           </a:xfrm>
         </p:spPr>
         <p:txBody>
-          <a:bodyPr/>
+          <a:bodyPr>
+            <a:normAutofit/>
+          </a:bodyPr>
           <a:lstStyle>
             <a:lvl1pPr marL="0" indent="0">
+              <a:lnSpc>
+                <a:spcPct val="100000"/>
+              </a:lnSpc>
+              <a:spcBef>
+                <a:spcPts val="1000"/>
+              </a:spcBef>
               <a:buNone/>
-              <a:defRPr sz="1400"/>
+              <a:defRPr sz="1350">
+                <a:solidFill>
+                  <a:schemeClr val="accent1">
+                    <a:lumMod val="50000"/>
+                  </a:schemeClr>
+                </a:solidFill>
+              </a:defRPr>
             </a:lvl1pPr>
             <a:lvl2pPr marL="457200" indent="0">
               <a:buNone/>
@@ -2605,15 +3330,180 @@
           <a:p>
             <a:pPr lvl="0"/>
             <a:r>
-              <a:rPr lang="x-none"/>
-              <a:t>Click to edit Master text styles</a:t>
-            </a:r>
-          </a:p>
-        </p:txBody>
-      </p:sp>
-      <p:sp>
-        <p:nvSpPr>
-          <p:cNvPr id="5" name="Date Placeholder 4"/>
+              <a:rPr lang="en-US"/>
+              <a:t>Edit Master text styles</a:t>
+            </a:r>
+          </a:p>
+        </p:txBody>
+      </p:sp>
+      <p:grpSp>
+        <p:nvGrpSpPr>
+          <p:cNvPr id="12" name="Group 11"/>
+          <p:cNvGrpSpPr/>
+          <p:nvPr/>
+        </p:nvGrpSpPr>
+        <p:grpSpPr>
+          <a:xfrm>
+            <a:off x="8522664" y="6255258"/>
+            <a:ext cx="393192" cy="393192"/>
+            <a:chOff x="8532189" y="5068824"/>
+            <a:chExt cx="393192" cy="393192"/>
+          </a:xfrm>
+        </p:grpSpPr>
+        <p:sp>
+          <p:nvSpPr>
+            <p:cNvPr id="13" name="Oval 12"/>
+            <p:cNvSpPr>
+              <a:spLocks noChangeAspect="1"/>
+            </p:cNvSpPr>
+            <p:nvPr/>
+          </p:nvSpPr>
+          <p:spPr>
+            <a:xfrm>
+              <a:off x="8532189" y="5068824"/>
+              <a:ext cx="393192" cy="393192"/>
+            </a:xfrm>
+            <a:prstGeom prst="ellipse">
+              <a:avLst/>
+            </a:prstGeom>
+            <a:blipFill dpi="0" rotWithShape="1">
+              <a:blip r:embed="rId4">
+                <a:duotone>
+                  <a:schemeClr val="accent1">
+                    <a:shade val="45000"/>
+                    <a:satMod val="135000"/>
+                  </a:schemeClr>
+                  <a:prstClr val="white"/>
+                </a:duotone>
+                <a:extLst>
+                  <a:ext uri="{BEBA8EAE-BF5A-486C-A8C5-ECC9F3942E4B}">
+                    <a14:imgProps xmlns:a14="http://schemas.microsoft.com/office/drawing/2010/main">
+                      <a14:imgLayer r:embed="rId5">
+                        <a14:imgEffect>
+                          <a14:saturation sat="95000"/>
+                        </a14:imgEffect>
+                        <a14:imgEffect>
+                          <a14:brightnessContrast bright="-40000" contrast="20000"/>
+                        </a14:imgEffect>
+                      </a14:imgLayer>
+                    </a14:imgProps>
+                  </a:ext>
+                </a:extLst>
+              </a:blip>
+              <a:srcRect/>
+              <a:tile tx="50800" ty="0" sx="85000" sy="85000" flip="none" algn="tl"/>
+            </a:blipFill>
+            <a:ln w="25400" cap="flat" cmpd="sng" algn="ctr">
+              <a:noFill/>
+              <a:prstDash val="solid"/>
+            </a:ln>
+            <a:effectLst/>
+          </p:spPr>
+          <p:txBody>
+            <a:bodyPr lIns="0" tIns="0" rIns="0" bIns="0" rtlCol="0" anchor="ctr"/>
+            <a:lstStyle/>
+            <a:p>
+              <a:pPr marL="0" marR="0" lvl="0" indent="0" algn="ctr" defTabSz="914400" eaLnBrk="1" fontAlgn="auto" latinLnBrk="0" hangingPunct="1">
+                <a:lnSpc>
+                  <a:spcPct val="100000"/>
+                </a:lnSpc>
+                <a:spcBef>
+                  <a:spcPts val="0"/>
+                </a:spcBef>
+                <a:spcAft>
+                  <a:spcPts val="0"/>
+                </a:spcAft>
+                <a:buClrTx/>
+                <a:buSzTx/>
+                <a:buFontTx/>
+                <a:buNone/>
+                <a:tabLst/>
+                <a:defRPr/>
+              </a:pPr>
+              <a:endParaRPr kumimoji="0" lang="en-US" sz="2000" b="0" i="0" u="none" strike="noStrike" kern="0" cap="none" spc="0" normalizeH="0" baseline="0" noProof="0" dirty="0">
+                <a:ln>
+                  <a:noFill/>
+                </a:ln>
+                <a:solidFill>
+                  <a:prstClr val="white"/>
+                </a:solidFill>
+                <a:effectLst/>
+                <a:uLnTx/>
+                <a:uFillTx/>
+                <a:latin typeface="Rockwell Extra Bold" pitchFamily="18" charset="0"/>
+                <a:ea typeface="+mn-ea"/>
+                <a:cs typeface="+mn-cs"/>
+              </a:endParaRPr>
+            </a:p>
+          </p:txBody>
+        </p:sp>
+        <p:sp>
+          <p:nvSpPr>
+            <p:cNvPr id="14" name="Oval 13"/>
+            <p:cNvSpPr>
+              <a:spLocks noChangeAspect="1"/>
+            </p:cNvSpPr>
+            <p:nvPr/>
+          </p:nvSpPr>
+          <p:spPr>
+            <a:xfrm>
+              <a:off x="8568766" y="5105400"/>
+              <a:ext cx="320039" cy="320040"/>
+            </a:xfrm>
+            <a:prstGeom prst="ellipse">
+              <a:avLst/>
+            </a:prstGeom>
+            <a:noFill/>
+            <a:ln w="12700" cap="flat" cmpd="sng" algn="ctr">
+              <a:solidFill>
+                <a:srgbClr val="FFFFFF"/>
+              </a:solidFill>
+              <a:prstDash val="solid"/>
+            </a:ln>
+            <a:effectLst/>
+          </p:spPr>
+          <p:txBody>
+            <a:bodyPr rtlCol="0" anchor="ctr"/>
+            <a:lstStyle/>
+            <a:p>
+              <a:pPr marL="0" marR="0" lvl="0" indent="0" algn="ctr" defTabSz="914400" eaLnBrk="1" fontAlgn="auto" latinLnBrk="0" hangingPunct="1">
+                <a:lnSpc>
+                  <a:spcPct val="100000"/>
+                </a:lnSpc>
+                <a:spcBef>
+                  <a:spcPts val="0"/>
+                </a:spcBef>
+                <a:spcAft>
+                  <a:spcPts val="0"/>
+                </a:spcAft>
+                <a:buClrTx/>
+                <a:buSzTx/>
+                <a:buFontTx/>
+                <a:buNone/>
+                <a:tabLst/>
+                <a:defRPr/>
+              </a:pPr>
+              <a:endParaRPr kumimoji="0" lang="en-US" sz="1800" b="0" i="0" u="none" strike="noStrike" kern="0" cap="none" spc="0" normalizeH="0" baseline="0" noProof="0" dirty="0">
+                <a:ln>
+                  <a:noFill/>
+                </a:ln>
+                <a:solidFill>
+                  <a:prstClr val="white"/>
+                </a:solidFill>
+                <a:effectLst/>
+                <a:uLnTx/>
+                <a:uFillTx/>
+                <a:latin typeface="Calibri"/>
+                <a:ea typeface="+mn-ea"/>
+                <a:cs typeface="+mn-cs"/>
+              </a:endParaRPr>
+            </a:p>
+          </p:txBody>
+        </p:sp>
+      </p:grpSp>
+      <p:sp>
+        <p:nvSpPr>
+          <p:cNvPr id="9" name="Date Placeholder 8"/>
           <p:cNvSpPr>
             <a:spLocks noGrp="1"/>
           </p:cNvSpPr>
@@ -2628,7 +3518,7 @@
           <a:p>
             <a:fld id="{E5A885E8-FF25-4342-A213-D596F8CE818F}" type="datetimeFigureOut">
               <a:rPr lang="en-US" smtClean="0"/>
-              <a:t>4/12/2018</a:t>
+              <a:t>4/25/18</a:t>
             </a:fld>
             <a:endParaRPr lang="en-US"/>
           </a:p>
@@ -2636,7 +3526,7 @@
       </p:sp>
       <p:sp>
         <p:nvSpPr>
-          <p:cNvPr id="6" name="Footer Placeholder 5"/>
+          <p:cNvPr id="10" name="Footer Placeholder 9"/>
           <p:cNvSpPr>
             <a:spLocks noGrp="1"/>
           </p:cNvSpPr>
@@ -2655,7 +3545,7 @@
       </p:sp>
       <p:sp>
         <p:nvSpPr>
-          <p:cNvPr id="7" name="Slide Number Placeholder 6"/>
+          <p:cNvPr id="11" name="Slide Number Placeholder 10"/>
           <p:cNvSpPr>
             <a:spLocks noGrp="1"/>
           </p:cNvSpPr>
@@ -2679,7 +3569,7 @@
     </p:spTree>
     <p:extLst>
       <p:ext uri="{BB962C8B-B14F-4D97-AF65-F5344CB8AC3E}">
-        <p14:creationId xmlns:p14="http://schemas.microsoft.com/office/powerpoint/2010/main" val="1851687042"/>
+        <p14:creationId xmlns:p14="http://schemas.microsoft.com/office/powerpoint/2010/main" val="1756506059"/>
       </p:ext>
     </p:extLst>
   </p:cSld>
@@ -2690,7 +3580,7 @@
 </file>
 
 <file path=ppt/slideLayouts/slideLayout9.xml><?xml version="1.0" encoding="utf-8"?>
-<p:sldLayout xmlns:a="http://schemas.openxmlformats.org/drawingml/2006/main" xmlns:r="http://schemas.openxmlformats.org/officeDocument/2006/relationships" xmlns:p="http://schemas.openxmlformats.org/presentationml/2006/main" type="picTx" preserve="1">
+<p:sldLayout xmlns:a="http://schemas.openxmlformats.org/drawingml/2006/main" xmlns:r="http://schemas.openxmlformats.org/officeDocument/2006/relationships" xmlns:p="http://schemas.openxmlformats.org/presentationml/2006/main" showMasterSp="0" type="picTx" preserve="1">
   <p:cSld name="Picture with Caption">
     <p:spTree>
       <p:nvGrpSpPr>
@@ -2708,33 +3598,100 @@
       </p:grpSpPr>
       <p:sp>
         <p:nvSpPr>
-          <p:cNvPr id="2" name="Title 1"/>
-          <p:cNvSpPr>
-            <a:spLocks noGrp="1"/>
-          </p:cNvSpPr>
-          <p:nvPr>
-            <p:ph type="title"/>
-          </p:nvPr>
+          <p:cNvPr id="11" name="Rectangle 10"/>
+          <p:cNvSpPr/>
+          <p:nvPr/>
         </p:nvSpPr>
         <p:spPr>
           <a:xfrm>
-            <a:off x="1792288" y="4800600"/>
-            <a:ext cx="5486400" cy="566738"/>
+            <a:off x="6227806" y="1"/>
+            <a:ext cx="2916194" cy="6857999"/>
+          </a:xfrm>
+          <a:prstGeom prst="rect">
+            <a:avLst/>
+          </a:prstGeom>
+          <a:blipFill dpi="0" rotWithShape="1">
+            <a:blip r:embed="rId2">
+              <a:alphaModFix amt="60000"/>
+              <a:lum bright="70000" contrast="-70000"/>
+              <a:extLst>
+                <a:ext uri="{BEBA8EAE-BF5A-486C-A8C5-ECC9F3942E4B}">
+                  <a14:imgProps xmlns:a14="http://schemas.microsoft.com/office/drawing/2010/main">
+                    <a14:imgLayer r:embed="rId3">
+                      <a14:imgEffect>
+                        <a14:sharpenSoften amount="61000"/>
+                      </a14:imgEffect>
+                    </a14:imgLayer>
+                  </a14:imgProps>
+                </a:ext>
+                <a:ext uri="{28A0092B-C50C-407E-A947-70E740481C1C}">
+                  <a14:useLocalDpi xmlns:a14="http://schemas.microsoft.com/office/drawing/2010/main" val="0"/>
+                </a:ext>
+              </a:extLst>
+            </a:blip>
+            <a:srcRect/>
+            <a:tile tx="0" ty="-704850" sx="92000" sy="89000" flip="xy" algn="ctr"/>
+          </a:blipFill>
+          <a:ln>
+            <a:noFill/>
+          </a:ln>
+        </p:spPr>
+        <p:style>
+          <a:lnRef idx="2">
+            <a:schemeClr val="accent1">
+              <a:shade val="50000"/>
+            </a:schemeClr>
+          </a:lnRef>
+          <a:fillRef idx="1">
+            <a:schemeClr val="accent1"/>
+          </a:fillRef>
+          <a:effectRef idx="0">
+            <a:schemeClr val="accent1"/>
+          </a:effectRef>
+          <a:fontRef idx="minor">
+            <a:schemeClr val="lt1"/>
+          </a:fontRef>
+        </p:style>
+        <p:txBody>
+          <a:bodyPr rtlCol="0" anchor="ctr"/>
+          <a:lstStyle/>
+          <a:p>
+            <a:pPr algn="ctr"/>
+            <a:endParaRPr lang="en-US"/>
+          </a:p>
+        </p:txBody>
+      </p:sp>
+      <p:sp>
+        <p:nvSpPr>
+          <p:cNvPr id="2" name="Title 1"/>
+          <p:cNvSpPr>
+            <a:spLocks noGrp="1"/>
+          </p:cNvSpPr>
+          <p:nvPr>
+            <p:ph type="title"/>
+          </p:nvPr>
+        </p:nvSpPr>
+        <p:spPr>
+          <a:xfrm>
+            <a:off x="6412230" y="685800"/>
+            <a:ext cx="2400300" cy="1737360"/>
           </a:xfrm>
         </p:spPr>
         <p:txBody>
-          <a:bodyPr anchor="b"/>
+          <a:bodyPr anchor="b">
+            <a:normAutofit/>
+          </a:bodyPr>
           <a:lstStyle>
-            <a:lvl1pPr algn="l">
-              <a:defRPr sz="2000" b="1"/>
+            <a:lvl1pPr>
+              <a:defRPr sz="2800" b="0"/>
             </a:lvl1pPr>
           </a:lstStyle>
           <a:p>
             <a:r>
-              <a:rPr lang="x-none"/>
+              <a:rPr lang="en-US"/>
               <a:t>Click to edit Master title style</a:t>
             </a:r>
-            <a:endParaRPr lang="en-US"/>
+            <a:endParaRPr lang="en-US" dirty="0"/>
           </a:p>
         </p:txBody>
       </p:sp>
@@ -2750,9 +3707,15 @@
         </p:nvSpPr>
         <p:spPr>
           <a:xfrm>
-            <a:off x="1792288" y="612775"/>
-            <a:ext cx="5486400" cy="4114800"/>
+            <a:off x="0" y="0"/>
+            <a:ext cx="6227805" cy="6858000"/>
           </a:xfrm>
+          <a:solidFill>
+            <a:schemeClr val="tx2">
+              <a:lumMod val="20000"/>
+              <a:lumOff val="80000"/>
+            </a:schemeClr>
+          </a:solidFill>
         </p:spPr>
         <p:txBody>
           <a:bodyPr/>
@@ -2795,7 +3758,11 @@
             </a:lvl9pPr>
           </a:lstStyle>
           <a:p>
-            <a:endParaRPr lang="en-US"/>
+            <a:r>
+              <a:rPr lang="en-US"/>
+              <a:t>Click icon to add picture</a:t>
+            </a:r>
+            <a:endParaRPr lang="en-US" dirty="0"/>
           </a:p>
         </p:txBody>
       </p:sp>
@@ -2811,16 +3778,30 @@
         </p:nvSpPr>
         <p:spPr>
           <a:xfrm>
-            <a:off x="1792288" y="5367338"/>
-            <a:ext cx="5486400" cy="804862"/>
+            <a:off x="6412230" y="2423160"/>
+            <a:ext cx="2400300" cy="3291840"/>
           </a:xfrm>
         </p:spPr>
         <p:txBody>
-          <a:bodyPr/>
+          <a:bodyPr>
+            <a:normAutofit/>
+          </a:bodyPr>
           <a:lstStyle>
             <a:lvl1pPr marL="0" indent="0">
+              <a:lnSpc>
+                <a:spcPct val="100000"/>
+              </a:lnSpc>
+              <a:spcBef>
+                <a:spcPts val="1000"/>
+              </a:spcBef>
               <a:buNone/>
-              <a:defRPr sz="1400"/>
+              <a:defRPr sz="1350">
+                <a:solidFill>
+                  <a:schemeClr val="accent1">
+                    <a:lumMod val="50000"/>
+                  </a:schemeClr>
+                </a:solidFill>
+              </a:defRPr>
             </a:lvl1pPr>
             <a:lvl2pPr marL="457200" indent="0">
               <a:buNone/>
@@ -2858,15 +3839,180 @@
           <a:p>
             <a:pPr lvl="0"/>
             <a:r>
-              <a:rPr lang="x-none"/>
-              <a:t>Click to edit Master text styles</a:t>
-            </a:r>
-          </a:p>
-        </p:txBody>
-      </p:sp>
-      <p:sp>
-        <p:nvSpPr>
-          <p:cNvPr id="5" name="Date Placeholder 4"/>
+              <a:rPr lang="en-US"/>
+              <a:t>Edit Master text styles</a:t>
+            </a:r>
+          </a:p>
+        </p:txBody>
+      </p:sp>
+      <p:grpSp>
+        <p:nvGrpSpPr>
+          <p:cNvPr id="12" name="Group 11"/>
+          <p:cNvGrpSpPr/>
+          <p:nvPr/>
+        </p:nvGrpSpPr>
+        <p:grpSpPr>
+          <a:xfrm>
+            <a:off x="8522664" y="6255258"/>
+            <a:ext cx="393192" cy="393192"/>
+            <a:chOff x="8532189" y="5068824"/>
+            <a:chExt cx="393192" cy="393192"/>
+          </a:xfrm>
+        </p:grpSpPr>
+        <p:sp>
+          <p:nvSpPr>
+            <p:cNvPr id="13" name="Oval 12"/>
+            <p:cNvSpPr>
+              <a:spLocks noChangeAspect="1"/>
+            </p:cNvSpPr>
+            <p:nvPr/>
+          </p:nvSpPr>
+          <p:spPr>
+            <a:xfrm>
+              <a:off x="8532189" y="5068824"/>
+              <a:ext cx="393192" cy="393192"/>
+            </a:xfrm>
+            <a:prstGeom prst="ellipse">
+              <a:avLst/>
+            </a:prstGeom>
+            <a:blipFill dpi="0" rotWithShape="1">
+              <a:blip r:embed="rId4">
+                <a:duotone>
+                  <a:schemeClr val="accent1">
+                    <a:shade val="45000"/>
+                    <a:satMod val="135000"/>
+                  </a:schemeClr>
+                  <a:prstClr val="white"/>
+                </a:duotone>
+                <a:extLst>
+                  <a:ext uri="{BEBA8EAE-BF5A-486C-A8C5-ECC9F3942E4B}">
+                    <a14:imgProps xmlns:a14="http://schemas.microsoft.com/office/drawing/2010/main">
+                      <a14:imgLayer r:embed="rId5">
+                        <a14:imgEffect>
+                          <a14:saturation sat="95000"/>
+                        </a14:imgEffect>
+                        <a14:imgEffect>
+                          <a14:brightnessContrast bright="-40000" contrast="20000"/>
+                        </a14:imgEffect>
+                      </a14:imgLayer>
+                    </a14:imgProps>
+                  </a:ext>
+                </a:extLst>
+              </a:blip>
+              <a:srcRect/>
+              <a:tile tx="50800" ty="0" sx="85000" sy="85000" flip="none" algn="tl"/>
+            </a:blipFill>
+            <a:ln w="25400" cap="flat" cmpd="sng" algn="ctr">
+              <a:noFill/>
+              <a:prstDash val="solid"/>
+            </a:ln>
+            <a:effectLst/>
+          </p:spPr>
+          <p:txBody>
+            <a:bodyPr lIns="0" tIns="0" rIns="0" bIns="0" rtlCol="0" anchor="ctr"/>
+            <a:lstStyle/>
+            <a:p>
+              <a:pPr marL="0" marR="0" lvl="0" indent="0" algn="ctr" defTabSz="914400" eaLnBrk="1" fontAlgn="auto" latinLnBrk="0" hangingPunct="1">
+                <a:lnSpc>
+                  <a:spcPct val="100000"/>
+                </a:lnSpc>
+                <a:spcBef>
+                  <a:spcPts val="0"/>
+                </a:spcBef>
+                <a:spcAft>
+                  <a:spcPts val="0"/>
+                </a:spcAft>
+                <a:buClrTx/>
+                <a:buSzTx/>
+                <a:buFontTx/>
+                <a:buNone/>
+                <a:tabLst/>
+                <a:defRPr/>
+              </a:pPr>
+              <a:endParaRPr kumimoji="0" lang="en-US" sz="2000" b="0" i="0" u="none" strike="noStrike" kern="0" cap="none" spc="0" normalizeH="0" baseline="0" noProof="0" dirty="0">
+                <a:ln>
+                  <a:noFill/>
+                </a:ln>
+                <a:solidFill>
+                  <a:prstClr val="white"/>
+                </a:solidFill>
+                <a:effectLst/>
+                <a:uLnTx/>
+                <a:uFillTx/>
+                <a:latin typeface="Rockwell Extra Bold" pitchFamily="18" charset="0"/>
+                <a:ea typeface="+mn-ea"/>
+                <a:cs typeface="+mn-cs"/>
+              </a:endParaRPr>
+            </a:p>
+          </p:txBody>
+        </p:sp>
+        <p:sp>
+          <p:nvSpPr>
+            <p:cNvPr id="14" name="Oval 13"/>
+            <p:cNvSpPr>
+              <a:spLocks noChangeAspect="1"/>
+            </p:cNvSpPr>
+            <p:nvPr/>
+          </p:nvSpPr>
+          <p:spPr>
+            <a:xfrm>
+              <a:off x="8568766" y="5105400"/>
+              <a:ext cx="320039" cy="320040"/>
+            </a:xfrm>
+            <a:prstGeom prst="ellipse">
+              <a:avLst/>
+            </a:prstGeom>
+            <a:noFill/>
+            <a:ln w="12700" cap="flat" cmpd="sng" algn="ctr">
+              <a:solidFill>
+                <a:srgbClr val="FFFFFF"/>
+              </a:solidFill>
+              <a:prstDash val="solid"/>
+            </a:ln>
+            <a:effectLst/>
+          </p:spPr>
+          <p:txBody>
+            <a:bodyPr rtlCol="0" anchor="ctr"/>
+            <a:lstStyle/>
+            <a:p>
+              <a:pPr marL="0" marR="0" lvl="0" indent="0" algn="ctr" defTabSz="914400" eaLnBrk="1" fontAlgn="auto" latinLnBrk="0" hangingPunct="1">
+                <a:lnSpc>
+                  <a:spcPct val="100000"/>
+                </a:lnSpc>
+                <a:spcBef>
+                  <a:spcPts val="0"/>
+                </a:spcBef>
+                <a:spcAft>
+                  <a:spcPts val="0"/>
+                </a:spcAft>
+                <a:buClrTx/>
+                <a:buSzTx/>
+                <a:buFontTx/>
+                <a:buNone/>
+                <a:tabLst/>
+                <a:defRPr/>
+              </a:pPr>
+              <a:endParaRPr kumimoji="0" lang="en-US" sz="1800" b="0" i="0" u="none" strike="noStrike" kern="0" cap="none" spc="0" normalizeH="0" baseline="0" noProof="0" dirty="0">
+                <a:ln>
+                  <a:noFill/>
+                </a:ln>
+                <a:solidFill>
+                  <a:prstClr val="white"/>
+                </a:solidFill>
+                <a:effectLst/>
+                <a:uLnTx/>
+                <a:uFillTx/>
+                <a:latin typeface="Calibri"/>
+                <a:ea typeface="+mn-ea"/>
+                <a:cs typeface="+mn-cs"/>
+              </a:endParaRPr>
+            </a:p>
+          </p:txBody>
+        </p:sp>
+      </p:grpSp>
+      <p:sp>
+        <p:nvSpPr>
+          <p:cNvPr id="8" name="Date Placeholder 7"/>
           <p:cNvSpPr>
             <a:spLocks noGrp="1"/>
           </p:cNvSpPr>
@@ -2881,7 +4027,7 @@
           <a:p>
             <a:fld id="{E5A885E8-FF25-4342-A213-D596F8CE818F}" type="datetimeFigureOut">
               <a:rPr lang="en-US" smtClean="0"/>
-              <a:t>4/12/2018</a:t>
+              <a:t>4/25/18</a:t>
             </a:fld>
             <a:endParaRPr lang="en-US"/>
           </a:p>
@@ -2889,26 +4035,7 @@
       </p:sp>
       <p:sp>
         <p:nvSpPr>
-          <p:cNvPr id="6" name="Footer Placeholder 5"/>
-          <p:cNvSpPr>
-            <a:spLocks noGrp="1"/>
-          </p:cNvSpPr>
-          <p:nvPr>
-            <p:ph type="ftr" sz="quarter" idx="11"/>
-          </p:nvPr>
-        </p:nvSpPr>
-        <p:spPr/>
-        <p:txBody>
-          <a:bodyPr/>
-          <a:lstStyle/>
-          <a:p>
-            <a:endParaRPr lang="en-US"/>
-          </a:p>
-        </p:txBody>
-      </p:sp>
-      <p:sp>
-        <p:nvSpPr>
-          <p:cNvPr id="7" name="Slide Number Placeholder 6"/>
+          <p:cNvPr id="10" name="Slide Number Placeholder 9"/>
           <p:cNvSpPr>
             <a:spLocks noGrp="1"/>
           </p:cNvSpPr>
@@ -2932,7 +4059,7 @@
     </p:spTree>
     <p:extLst>
       <p:ext uri="{BB962C8B-B14F-4D97-AF65-F5344CB8AC3E}">
-        <p14:creationId xmlns:p14="http://schemas.microsoft.com/office/powerpoint/2010/main" val="3435460610"/>
+        <p14:creationId xmlns:p14="http://schemas.microsoft.com/office/powerpoint/2010/main" val="3282675843"/>
       </p:ext>
     </p:extLst>
   </p:cSld>
@@ -2964,6 +4091,171 @@
           <a:chExt cx="0" cy="0"/>
         </a:xfrm>
       </p:grpSpPr>
+      <p:grpSp>
+        <p:nvGrpSpPr>
+          <p:cNvPr id="12" name="Group 11"/>
+          <p:cNvGrpSpPr/>
+          <p:nvPr/>
+        </p:nvGrpSpPr>
+        <p:grpSpPr>
+          <a:xfrm>
+            <a:off x="8522664" y="6255258"/>
+            <a:ext cx="393192" cy="393192"/>
+            <a:chOff x="8532189" y="5068824"/>
+            <a:chExt cx="393192" cy="393192"/>
+          </a:xfrm>
+        </p:grpSpPr>
+        <p:sp>
+          <p:nvSpPr>
+            <p:cNvPr id="8" name="Oval 7"/>
+            <p:cNvSpPr>
+              <a:spLocks noChangeAspect="1"/>
+            </p:cNvSpPr>
+            <p:nvPr/>
+          </p:nvSpPr>
+          <p:spPr>
+            <a:xfrm>
+              <a:off x="8532189" y="5068824"/>
+              <a:ext cx="393192" cy="393192"/>
+            </a:xfrm>
+            <a:prstGeom prst="ellipse">
+              <a:avLst/>
+            </a:prstGeom>
+            <a:blipFill dpi="0" rotWithShape="1">
+              <a:blip r:embed="rId13">
+                <a:duotone>
+                  <a:schemeClr val="accent1">
+                    <a:shade val="45000"/>
+                    <a:satMod val="135000"/>
+                  </a:schemeClr>
+                  <a:prstClr val="white"/>
+                </a:duotone>
+                <a:extLst>
+                  <a:ext uri="{BEBA8EAE-BF5A-486C-A8C5-ECC9F3942E4B}">
+                    <a14:imgProps xmlns:a14="http://schemas.microsoft.com/office/drawing/2010/main">
+                      <a14:imgLayer r:embed="rId14">
+                        <a14:imgEffect>
+                          <a14:saturation sat="95000"/>
+                        </a14:imgEffect>
+                        <a14:imgEffect>
+                          <a14:brightnessContrast bright="-40000" contrast="20000"/>
+                        </a14:imgEffect>
+                      </a14:imgLayer>
+                    </a14:imgProps>
+                  </a:ext>
+                </a:extLst>
+              </a:blip>
+              <a:srcRect/>
+              <a:tile tx="50800" ty="0" sx="85000" sy="85000" flip="none" algn="tl"/>
+            </a:blipFill>
+            <a:ln w="25400" cap="flat" cmpd="sng" algn="ctr">
+              <a:noFill/>
+              <a:prstDash val="solid"/>
+            </a:ln>
+            <a:effectLst/>
+          </p:spPr>
+          <p:txBody>
+            <a:bodyPr lIns="0" tIns="0" rIns="0" bIns="0" rtlCol="0" anchor="ctr"/>
+            <a:lstStyle/>
+            <a:p>
+              <a:pPr marL="0" marR="0" lvl="0" indent="0" algn="ctr" defTabSz="914400" eaLnBrk="1" fontAlgn="auto" latinLnBrk="0" hangingPunct="1">
+                <a:lnSpc>
+                  <a:spcPct val="100000"/>
+                </a:lnSpc>
+                <a:spcBef>
+                  <a:spcPts val="0"/>
+                </a:spcBef>
+                <a:spcAft>
+                  <a:spcPts val="0"/>
+                </a:spcAft>
+                <a:buClrTx/>
+                <a:buSzTx/>
+                <a:buFontTx/>
+                <a:buNone/>
+                <a:tabLst/>
+                <a:defRPr/>
+              </a:pPr>
+              <a:endParaRPr kumimoji="0" lang="en-US" sz="2000" b="0" i="0" u="none" strike="noStrike" kern="0" cap="none" spc="0" normalizeH="0" baseline="0" noProof="0" dirty="0">
+                <a:ln>
+                  <a:noFill/>
+                </a:ln>
+                <a:solidFill>
+                  <a:prstClr val="white"/>
+                </a:solidFill>
+                <a:effectLst/>
+                <a:uLnTx/>
+                <a:uFillTx/>
+                <a:latin typeface="Rockwell Extra Bold" pitchFamily="18" charset="0"/>
+                <a:ea typeface="+mn-ea"/>
+                <a:cs typeface="+mn-cs"/>
+              </a:endParaRPr>
+            </a:p>
+          </p:txBody>
+        </p:sp>
+        <p:sp>
+          <p:nvSpPr>
+            <p:cNvPr id="9" name="Oval 8"/>
+            <p:cNvSpPr>
+              <a:spLocks noChangeAspect="1"/>
+            </p:cNvSpPr>
+            <p:nvPr/>
+          </p:nvSpPr>
+          <p:spPr>
+            <a:xfrm>
+              <a:off x="8568766" y="5105400"/>
+              <a:ext cx="320039" cy="320040"/>
+            </a:xfrm>
+            <a:prstGeom prst="ellipse">
+              <a:avLst/>
+            </a:prstGeom>
+            <a:noFill/>
+            <a:ln w="12700" cap="flat" cmpd="sng" algn="ctr">
+              <a:solidFill>
+                <a:srgbClr val="FFFFFF"/>
+              </a:solidFill>
+              <a:prstDash val="solid"/>
+            </a:ln>
+            <a:effectLst/>
+          </p:spPr>
+          <p:txBody>
+            <a:bodyPr rtlCol="0" anchor="ctr"/>
+            <a:lstStyle/>
+            <a:p>
+              <a:pPr marL="0" marR="0" lvl="0" indent="0" algn="ctr" defTabSz="914400" eaLnBrk="1" fontAlgn="auto" latinLnBrk="0" hangingPunct="1">
+                <a:lnSpc>
+                  <a:spcPct val="100000"/>
+                </a:lnSpc>
+                <a:spcBef>
+                  <a:spcPts val="0"/>
+                </a:spcBef>
+                <a:spcAft>
+                  <a:spcPts val="0"/>
+                </a:spcAft>
+                <a:buClrTx/>
+                <a:buSzTx/>
+                <a:buFontTx/>
+                <a:buNone/>
+                <a:tabLst/>
+                <a:defRPr/>
+              </a:pPr>
+              <a:endParaRPr kumimoji="0" lang="en-US" sz="1800" b="0" i="0" u="none" strike="noStrike" kern="0" cap="none" spc="0" normalizeH="0" baseline="0" noProof="0" dirty="0">
+                <a:ln>
+                  <a:noFill/>
+                </a:ln>
+                <a:solidFill>
+                  <a:prstClr val="white"/>
+                </a:solidFill>
+                <a:effectLst/>
+                <a:uLnTx/>
+                <a:uFillTx/>
+                <a:latin typeface="Calibri"/>
+                <a:ea typeface="+mn-ea"/>
+                <a:cs typeface="+mn-cs"/>
+              </a:endParaRPr>
+            </a:p>
+          </p:txBody>
+        </p:sp>
+      </p:grpSp>
       <p:sp>
         <p:nvSpPr>
           <p:cNvPr id="2" name="Title Placeholder 1"/>
@@ -2976,8 +4268,8 @@
         </p:nvSpPr>
         <p:spPr>
           <a:xfrm>
-            <a:off x="457200" y="274638"/>
-            <a:ext cx="8229600" cy="1143000"/>
+            <a:off x="685800" y="484632"/>
+            <a:ext cx="7772400" cy="1609344"/>
           </a:xfrm>
           <a:prstGeom prst="rect">
             <a:avLst/>
@@ -2990,10 +4282,10 @@
           <a:lstStyle/>
           <a:p>
             <a:r>
-              <a:rPr lang="x-none"/>
+              <a:rPr lang="en-US"/>
               <a:t>Click to edit Master title style</a:t>
             </a:r>
-            <a:endParaRPr lang="en-US"/>
+            <a:endParaRPr lang="en-US" dirty="0"/>
           </a:p>
         </p:txBody>
       </p:sp>
@@ -3009,8 +4301,8 @@
         </p:nvSpPr>
         <p:spPr>
           <a:xfrm>
-            <a:off x="457200" y="1600200"/>
-            <a:ext cx="8229600" cy="4525963"/>
+            <a:off x="685800" y="2121408"/>
+            <a:ext cx="7772400" cy="4050792"/>
           </a:xfrm>
           <a:prstGeom prst="rect">
             <a:avLst/>
@@ -3024,38 +4316,38 @@
           <a:p>
             <a:pPr lvl="0"/>
             <a:r>
-              <a:rPr lang="x-none"/>
-              <a:t>Click to edit Master text styles</a:t>
+              <a:rPr lang="en-US"/>
+              <a:t>Edit Master text styles</a:t>
             </a:r>
           </a:p>
           <a:p>
             <a:pPr lvl="1"/>
             <a:r>
-              <a:rPr lang="x-none"/>
+              <a:rPr lang="en-US"/>
               <a:t>Second level</a:t>
             </a:r>
           </a:p>
           <a:p>
             <a:pPr lvl="2"/>
             <a:r>
-              <a:rPr lang="x-none"/>
+              <a:rPr lang="en-US"/>
               <a:t>Third level</a:t>
             </a:r>
           </a:p>
           <a:p>
             <a:pPr lvl="3"/>
             <a:r>
-              <a:rPr lang="x-none"/>
+              <a:rPr lang="en-US"/>
               <a:t>Fourth level</a:t>
             </a:r>
           </a:p>
           <a:p>
             <a:pPr lvl="4"/>
             <a:r>
-              <a:rPr lang="x-none"/>
+              <a:rPr lang="en-US"/>
               <a:t>Fifth level</a:t>
             </a:r>
-            <a:endParaRPr lang="en-US"/>
+            <a:endParaRPr lang="en-US" dirty="0"/>
           </a:p>
         </p:txBody>
       </p:sp>
@@ -3071,8 +4363,8 @@
         </p:nvSpPr>
         <p:spPr>
           <a:xfrm>
-            <a:off x="457200" y="6356350"/>
-            <a:ext cx="2133600" cy="365125"/>
+            <a:off x="5992368" y="6272785"/>
+            <a:ext cx="2455164" cy="365125"/>
           </a:xfrm>
           <a:prstGeom prst="rect">
             <a:avLst/>
@@ -3081,11 +4373,11 @@
         <p:txBody>
           <a:bodyPr vert="horz" lIns="91440" tIns="45720" rIns="91440" bIns="45720" rtlCol="0" anchor="ctr"/>
           <a:lstStyle>
-            <a:lvl1pPr algn="l">
-              <a:defRPr sz="1200">
+            <a:lvl1pPr algn="r">
+              <a:defRPr sz="1000">
                 <a:solidFill>
-                  <a:schemeClr val="tx1">
-                    <a:tint val="75000"/>
+                  <a:schemeClr val="accent1">
+                    <a:lumMod val="50000"/>
                   </a:schemeClr>
                 </a:solidFill>
               </a:defRPr>
@@ -3094,7 +4386,7 @@
           <a:p>
             <a:fld id="{E5A885E8-FF25-4342-A213-D596F8CE818F}" type="datetimeFigureOut">
               <a:rPr lang="en-US" smtClean="0"/>
-              <a:t>4/12/2018</a:t>
+              <a:t>4/25/18</a:t>
             </a:fld>
             <a:endParaRPr lang="en-US"/>
           </a:p>
@@ -3112,8 +4404,8 @@
         </p:nvSpPr>
         <p:spPr>
           <a:xfrm>
-            <a:off x="3124200" y="6356350"/>
-            <a:ext cx="2895600" cy="365125"/>
+            <a:off x="685800" y="6272785"/>
+            <a:ext cx="4745736" cy="365125"/>
           </a:xfrm>
           <a:prstGeom prst="rect">
             <a:avLst/>
@@ -3122,11 +4414,11 @@
         <p:txBody>
           <a:bodyPr vert="horz" lIns="91440" tIns="45720" rIns="91440" bIns="45720" rtlCol="0" anchor="ctr"/>
           <a:lstStyle>
-            <a:lvl1pPr algn="ctr">
-              <a:defRPr sz="1200">
+            <a:lvl1pPr algn="l">
+              <a:defRPr sz="1000">
                 <a:solidFill>
-                  <a:schemeClr val="tx1">
-                    <a:tint val="75000"/>
+                  <a:schemeClr val="accent1">
+                    <a:lumMod val="50000"/>
                   </a:schemeClr>
                 </a:solidFill>
               </a:defRPr>
@@ -3149,8 +4441,8 @@
         </p:nvSpPr>
         <p:spPr>
           <a:xfrm>
-            <a:off x="6553200" y="6356350"/>
-            <a:ext cx="2133600" cy="365125"/>
+            <a:off x="8483346" y="6272785"/>
+            <a:ext cx="480060" cy="365125"/>
           </a:xfrm>
           <a:prstGeom prst="rect">
             <a:avLst/>
@@ -3159,13 +4451,12 @@
         <p:txBody>
           <a:bodyPr vert="horz" lIns="91440" tIns="45720" rIns="91440" bIns="45720" rtlCol="0" anchor="ctr"/>
           <a:lstStyle>
-            <a:lvl1pPr algn="r">
-              <a:defRPr sz="1200">
+            <a:lvl1pPr algn="ctr">
+              <a:defRPr sz="1100" b="1" spc="-70" baseline="0">
                 <a:solidFill>
-                  <a:schemeClr val="tx1">
-                    <a:tint val="75000"/>
-                  </a:schemeClr>
+                  <a:srgbClr val="FFFFFF"/>
                 </a:solidFill>
+                <a:latin typeface="+mn-lt"/>
               </a:defRPr>
             </a:lvl1pPr>
           </a:lstStyle>
@@ -3181,35 +4472,45 @@
     </p:spTree>
     <p:extLst>
       <p:ext uri="{BB962C8B-B14F-4D97-AF65-F5344CB8AC3E}">
-        <p14:creationId xmlns:p14="http://schemas.microsoft.com/office/powerpoint/2010/main" val="2377873935"/>
+        <p14:creationId xmlns:p14="http://schemas.microsoft.com/office/powerpoint/2010/main" val="3038106867"/>
       </p:ext>
     </p:extLst>
   </p:cSld>
   <p:clrMap bg1="lt1" tx1="dk1" bg2="lt2" tx2="dk2" accent1="accent1" accent2="accent2" accent3="accent3" accent4="accent4" accent5="accent5" accent6="accent6" hlink="hlink" folHlink="folHlink"/>
   <p:sldLayoutIdLst>
-    <p:sldLayoutId id="2147483649" r:id="rId1"/>
-    <p:sldLayoutId id="2147483650" r:id="rId2"/>
-    <p:sldLayoutId id="2147483651" r:id="rId3"/>
-    <p:sldLayoutId id="2147483652" r:id="rId4"/>
-    <p:sldLayoutId id="2147483653" r:id="rId5"/>
-    <p:sldLayoutId id="2147483654" r:id="rId6"/>
-    <p:sldLayoutId id="2147483655" r:id="rId7"/>
-    <p:sldLayoutId id="2147483656" r:id="rId8"/>
-    <p:sldLayoutId id="2147483657" r:id="rId9"/>
-    <p:sldLayoutId id="2147483658" r:id="rId10"/>
-    <p:sldLayoutId id="2147483659" r:id="rId11"/>
+    <p:sldLayoutId id="2147483661" r:id="rId1"/>
+    <p:sldLayoutId id="2147483662" r:id="rId2"/>
+    <p:sldLayoutId id="2147483663" r:id="rId3"/>
+    <p:sldLayoutId id="2147483664" r:id="rId4"/>
+    <p:sldLayoutId id="2147483665" r:id="rId5"/>
+    <p:sldLayoutId id="2147483666" r:id="rId6"/>
+    <p:sldLayoutId id="2147483667" r:id="rId7"/>
+    <p:sldLayoutId id="2147483668" r:id="rId8"/>
+    <p:sldLayoutId id="2147483669" r:id="rId9"/>
+    <p:sldLayoutId id="2147483670" r:id="rId10"/>
+    <p:sldLayoutId id="2147483671" r:id="rId11"/>
   </p:sldLayoutIdLst>
   <p:txStyles>
     <p:titleStyle>
-      <a:lvl1pPr algn="ctr" defTabSz="457200" rtl="0" eaLnBrk="1" latinLnBrk="0" hangingPunct="1">
+      <a:lvl1pPr algn="l" defTabSz="914400" rtl="0" eaLnBrk="1" latinLnBrk="0" hangingPunct="1">
+        <a:lnSpc>
+          <a:spcPct val="90000"/>
+        </a:lnSpc>
         <a:spcBef>
           <a:spcPct val="0"/>
         </a:spcBef>
         <a:buNone/>
-        <a:defRPr sz="4400" kern="1200">
-          <a:solidFill>
-            <a:schemeClr val="tx1"/>
-          </a:solidFill>
+        <a:defRPr sz="4200" b="0" kern="1200" cap="all" baseline="0">
+          <a:blipFill>
+            <a:blip r:embed="rId15">
+              <a:extLst>
+                <a:ext uri="{28A0092B-C50C-407E-A947-70E740481C1C}">
+                  <a14:useLocalDpi xmlns:a14="http://schemas.microsoft.com/office/drawing/2010/main" val="0"/>
+                </a:ext>
+              </a:extLst>
+            </a:blip>
+            <a:tile tx="6350" ty="-127000" sx="65000" sy="64000" flip="none" algn="tl"/>
+          </a:blipFill>
           <a:latin typeface="+mj-lt"/>
           <a:ea typeface="+mj-ea"/>
           <a:cs typeface="+mj-cs"/>
@@ -3217,13 +4518,22 @@
       </a:lvl1pPr>
     </p:titleStyle>
     <p:bodyStyle>
-      <a:lvl1pPr marL="342900" indent="-342900" algn="l" defTabSz="457200" rtl="0" eaLnBrk="1" latinLnBrk="0" hangingPunct="1">
+      <a:lvl1pPr marL="182880" indent="-182880" algn="l" defTabSz="914400" rtl="0" eaLnBrk="1" latinLnBrk="0" hangingPunct="1">
+        <a:lnSpc>
+          <a:spcPct val="90000"/>
+        </a:lnSpc>
         <a:spcBef>
-          <a:spcPct val="20000"/>
+          <a:spcPts val="1200"/>
         </a:spcBef>
-        <a:buFont typeface="Arial"/>
-        <a:buChar char="•"/>
-        <a:defRPr sz="3200" kern="1200">
+        <a:buClr>
+          <a:schemeClr val="accent1">
+            <a:lumMod val="75000"/>
+          </a:schemeClr>
+        </a:buClr>
+        <a:buSzPct val="85000"/>
+        <a:buFont typeface="Wingdings" pitchFamily="2" charset="2"/>
+        <a:buChar char="§"/>
+        <a:defRPr sz="2000" kern="1200">
           <a:solidFill>
             <a:schemeClr val="tx1"/>
           </a:solidFill>
@@ -3232,13 +4542,25 @@
           <a:cs typeface="+mn-cs"/>
         </a:defRPr>
       </a:lvl1pPr>
-      <a:lvl2pPr marL="742950" indent="-285750" algn="l" defTabSz="457200" rtl="0" eaLnBrk="1" latinLnBrk="0" hangingPunct="1">
+      <a:lvl2pPr marL="457200" indent="-182880" algn="l" defTabSz="914400" rtl="0" eaLnBrk="1" latinLnBrk="0" hangingPunct="1">
+        <a:lnSpc>
+          <a:spcPct val="90000"/>
+        </a:lnSpc>
         <a:spcBef>
-          <a:spcPct val="20000"/>
+          <a:spcPts val="400"/>
         </a:spcBef>
-        <a:buFont typeface="Arial"/>
-        <a:buChar char="–"/>
-        <a:defRPr sz="2800" kern="1200">
+        <a:spcAft>
+          <a:spcPts val="200"/>
+        </a:spcAft>
+        <a:buClr>
+          <a:schemeClr val="accent1">
+            <a:lumMod val="75000"/>
+          </a:schemeClr>
+        </a:buClr>
+        <a:buSzPct val="85000"/>
+        <a:buFont typeface="Wingdings" pitchFamily="2" charset="2"/>
+        <a:buChar char="§"/>
+        <a:defRPr sz="1800" kern="1200">
           <a:solidFill>
             <a:schemeClr val="tx1"/>
           </a:solidFill>
@@ -3247,13 +4569,25 @@
           <a:cs typeface="+mn-cs"/>
         </a:defRPr>
       </a:lvl2pPr>
-      <a:lvl3pPr marL="1143000" indent="-228600" algn="l" defTabSz="457200" rtl="0" eaLnBrk="1" latinLnBrk="0" hangingPunct="1">
+      <a:lvl3pPr marL="731520" indent="-182880" algn="l" defTabSz="914400" rtl="0" eaLnBrk="1" latinLnBrk="0" hangingPunct="1">
+        <a:lnSpc>
+          <a:spcPct val="90000"/>
+        </a:lnSpc>
         <a:spcBef>
-          <a:spcPct val="20000"/>
+          <a:spcPts val="400"/>
         </a:spcBef>
-        <a:buFont typeface="Arial"/>
-        <a:buChar char="•"/>
-        <a:defRPr sz="2400" kern="1200">
+        <a:spcAft>
+          <a:spcPts val="200"/>
+        </a:spcAft>
+        <a:buClr>
+          <a:schemeClr val="accent1">
+            <a:lumMod val="75000"/>
+          </a:schemeClr>
+        </a:buClr>
+        <a:buSzPct val="85000"/>
+        <a:buFont typeface="Wingdings" pitchFamily="2" charset="2"/>
+        <a:buChar char="§"/>
+        <a:defRPr sz="1600" kern="1200">
           <a:solidFill>
             <a:schemeClr val="tx1"/>
           </a:solidFill>
@@ -3262,13 +4596,25 @@
           <a:cs typeface="+mn-cs"/>
         </a:defRPr>
       </a:lvl3pPr>
-      <a:lvl4pPr marL="1600200" indent="-228600" algn="l" defTabSz="457200" rtl="0" eaLnBrk="1" latinLnBrk="0" hangingPunct="1">
+      <a:lvl4pPr marL="1005840" indent="-182880" algn="l" defTabSz="914400" rtl="0" eaLnBrk="1" latinLnBrk="0" hangingPunct="1">
+        <a:lnSpc>
+          <a:spcPct val="90000"/>
+        </a:lnSpc>
         <a:spcBef>
-          <a:spcPct val="20000"/>
+          <a:spcPts val="400"/>
         </a:spcBef>
-        <a:buFont typeface="Arial"/>
-        <a:buChar char="–"/>
-        <a:defRPr sz="2000" kern="1200">
+        <a:spcAft>
+          <a:spcPts val="200"/>
+        </a:spcAft>
+        <a:buClr>
+          <a:schemeClr val="accent1">
+            <a:lumMod val="75000"/>
+          </a:schemeClr>
+        </a:buClr>
+        <a:buSzPct val="85000"/>
+        <a:buFont typeface="Wingdings" pitchFamily="2" charset="2"/>
+        <a:buChar char="§"/>
+        <a:defRPr sz="1600" kern="1200">
           <a:solidFill>
             <a:schemeClr val="tx1"/>
           </a:solidFill>
@@ -3277,13 +4623,25 @@
           <a:cs typeface="+mn-cs"/>
         </a:defRPr>
       </a:lvl4pPr>
-      <a:lvl5pPr marL="2057400" indent="-228600" algn="l" defTabSz="457200" rtl="0" eaLnBrk="1" latinLnBrk="0" hangingPunct="1">
+      <a:lvl5pPr marL="1280160" indent="-182880" algn="l" defTabSz="914400" rtl="0" eaLnBrk="1" latinLnBrk="0" hangingPunct="1">
+        <a:lnSpc>
+          <a:spcPct val="90000"/>
+        </a:lnSpc>
         <a:spcBef>
-          <a:spcPct val="20000"/>
+          <a:spcPts val="400"/>
         </a:spcBef>
-        <a:buFont typeface="Arial"/>
-        <a:buChar char="»"/>
-        <a:defRPr sz="2000" kern="1200">
+        <a:spcAft>
+          <a:spcPts val="200"/>
+        </a:spcAft>
+        <a:buClr>
+          <a:schemeClr val="accent1">
+            <a:lumMod val="75000"/>
+          </a:schemeClr>
+        </a:buClr>
+        <a:buSzPct val="85000"/>
+        <a:buFont typeface="Wingdings" pitchFamily="2" charset="2"/>
+        <a:buChar char="§"/>
+        <a:defRPr sz="1600" kern="1200">
           <a:solidFill>
             <a:schemeClr val="tx1"/>
           </a:solidFill>
@@ -3292,13 +4650,25 @@
           <a:cs typeface="+mn-cs"/>
         </a:defRPr>
       </a:lvl5pPr>
-      <a:lvl6pPr marL="2514600" indent="-228600" algn="l" defTabSz="457200" rtl="0" eaLnBrk="1" latinLnBrk="0" hangingPunct="1">
+      <a:lvl6pPr marL="1600000" indent="-228600" algn="l" defTabSz="914400" rtl="0" eaLnBrk="1" latinLnBrk="0" hangingPunct="1">
+        <a:lnSpc>
+          <a:spcPct val="90000"/>
+        </a:lnSpc>
         <a:spcBef>
-          <a:spcPct val="20000"/>
+          <a:spcPts val="400"/>
         </a:spcBef>
-        <a:buFont typeface="Arial"/>
-        <a:buChar char="•"/>
-        <a:defRPr sz="2000" kern="1200">
+        <a:spcAft>
+          <a:spcPts val="200"/>
+        </a:spcAft>
+        <a:buClr>
+          <a:schemeClr val="accent1">
+            <a:lumMod val="75000"/>
+          </a:schemeClr>
+        </a:buClr>
+        <a:buSzPct val="85000"/>
+        <a:buFont typeface="Wingdings" pitchFamily="2" charset="2"/>
+        <a:buChar char="§"/>
+        <a:defRPr sz="1600" kern="1200">
           <a:solidFill>
             <a:schemeClr val="tx1"/>
           </a:solidFill>
@@ -3307,13 +4677,25 @@
           <a:cs typeface="+mn-cs"/>
         </a:defRPr>
       </a:lvl6pPr>
-      <a:lvl7pPr marL="2971800" indent="-228600" algn="l" defTabSz="457200" rtl="0" eaLnBrk="1" latinLnBrk="0" hangingPunct="1">
+      <a:lvl7pPr marL="1900000" indent="-228600" algn="l" defTabSz="914400" rtl="0" eaLnBrk="1" latinLnBrk="0" hangingPunct="1">
+        <a:lnSpc>
+          <a:spcPct val="90000"/>
+        </a:lnSpc>
         <a:spcBef>
-          <a:spcPct val="20000"/>
+          <a:spcPts val="400"/>
         </a:spcBef>
-        <a:buFont typeface="Arial"/>
-        <a:buChar char="•"/>
-        <a:defRPr sz="2000" kern="1200">
+        <a:spcAft>
+          <a:spcPts val="200"/>
+        </a:spcAft>
+        <a:buClr>
+          <a:schemeClr val="accent1">
+            <a:lumMod val="75000"/>
+          </a:schemeClr>
+        </a:buClr>
+        <a:buSzPct val="85000"/>
+        <a:buFont typeface="Wingdings" pitchFamily="2" charset="2"/>
+        <a:buChar char="§"/>
+        <a:defRPr sz="1600" kern="1200">
           <a:solidFill>
             <a:schemeClr val="tx1"/>
           </a:solidFill>
@@ -3322,13 +4704,25 @@
           <a:cs typeface="+mn-cs"/>
         </a:defRPr>
       </a:lvl7pPr>
-      <a:lvl8pPr marL="3429000" indent="-228600" algn="l" defTabSz="457200" rtl="0" eaLnBrk="1" latinLnBrk="0" hangingPunct="1">
+      <a:lvl8pPr marL="2200000" indent="-228600" algn="l" defTabSz="914400" rtl="0" eaLnBrk="1" latinLnBrk="0" hangingPunct="1">
+        <a:lnSpc>
+          <a:spcPct val="90000"/>
+        </a:lnSpc>
         <a:spcBef>
-          <a:spcPct val="20000"/>
+          <a:spcPts val="400"/>
         </a:spcBef>
-        <a:buFont typeface="Arial"/>
-        <a:buChar char="•"/>
-        <a:defRPr sz="2000" kern="1200">
+        <a:spcAft>
+          <a:spcPts val="200"/>
+        </a:spcAft>
+        <a:buClr>
+          <a:schemeClr val="accent1">
+            <a:lumMod val="75000"/>
+          </a:schemeClr>
+        </a:buClr>
+        <a:buSzPct val="85000"/>
+        <a:buFont typeface="Wingdings" pitchFamily="2" charset="2"/>
+        <a:buChar char="§"/>
+        <a:defRPr sz="1600" kern="1200">
           <a:solidFill>
             <a:schemeClr val="tx1"/>
           </a:solidFill>
@@ -3337,13 +4731,25 @@
           <a:cs typeface="+mn-cs"/>
         </a:defRPr>
       </a:lvl8pPr>
-      <a:lvl9pPr marL="3886200" indent="-228600" algn="l" defTabSz="457200" rtl="0" eaLnBrk="1" latinLnBrk="0" hangingPunct="1">
+      <a:lvl9pPr marL="2500000" indent="-228600" algn="l" defTabSz="914400" rtl="0" eaLnBrk="1" latinLnBrk="0" hangingPunct="1">
+        <a:lnSpc>
+          <a:spcPct val="90000"/>
+        </a:lnSpc>
         <a:spcBef>
-          <a:spcPct val="20000"/>
+          <a:spcPts val="400"/>
         </a:spcBef>
-        <a:buFont typeface="Arial"/>
-        <a:buChar char="•"/>
-        <a:defRPr sz="2000" kern="1200">
+        <a:spcAft>
+          <a:spcPts val="200"/>
+        </a:spcAft>
+        <a:buClr>
+          <a:schemeClr val="accent1">
+            <a:lumMod val="75000"/>
+          </a:schemeClr>
+        </a:buClr>
+        <a:buSzPct val="85000"/>
+        <a:buFont typeface="Wingdings" pitchFamily="2" charset="2"/>
+        <a:buChar char="§"/>
+        <a:defRPr sz="1600" kern="1200">
           <a:solidFill>
             <a:schemeClr val="tx1"/>
           </a:solidFill>
@@ -3357,7 +4763,7 @@
       <a:defPPr>
         <a:defRPr lang="en-US"/>
       </a:defPPr>
-      <a:lvl1pPr marL="0" algn="l" defTabSz="457200" rtl="0" eaLnBrk="1" latinLnBrk="0" hangingPunct="1">
+      <a:lvl1pPr marL="0" algn="l" defTabSz="914400" rtl="0" eaLnBrk="1" latinLnBrk="0" hangingPunct="1">
         <a:defRPr sz="1800" kern="1200">
           <a:solidFill>
             <a:schemeClr val="tx1"/>
@@ -3367,7 +4773,7 @@
           <a:cs typeface="+mn-cs"/>
         </a:defRPr>
       </a:lvl1pPr>
-      <a:lvl2pPr marL="457200" algn="l" defTabSz="457200" rtl="0" eaLnBrk="1" latinLnBrk="0" hangingPunct="1">
+      <a:lvl2pPr marL="457200" algn="l" defTabSz="914400" rtl="0" eaLnBrk="1" latinLnBrk="0" hangingPunct="1">
         <a:defRPr sz="1800" kern="1200">
           <a:solidFill>
             <a:schemeClr val="tx1"/>
@@ -3377,7 +4783,7 @@
           <a:cs typeface="+mn-cs"/>
         </a:defRPr>
       </a:lvl2pPr>
-      <a:lvl3pPr marL="914400" algn="l" defTabSz="457200" rtl="0" eaLnBrk="1" latinLnBrk="0" hangingPunct="1">
+      <a:lvl3pPr marL="914400" algn="l" defTabSz="914400" rtl="0" eaLnBrk="1" latinLnBrk="0" hangingPunct="1">
         <a:defRPr sz="1800" kern="1200">
           <a:solidFill>
             <a:schemeClr val="tx1"/>
@@ -3387,7 +4793,7 @@
           <a:cs typeface="+mn-cs"/>
         </a:defRPr>
       </a:lvl3pPr>
-      <a:lvl4pPr marL="1371600" algn="l" defTabSz="457200" rtl="0" eaLnBrk="1" latinLnBrk="0" hangingPunct="1">
+      <a:lvl4pPr marL="1371600" algn="l" defTabSz="914400" rtl="0" eaLnBrk="1" latinLnBrk="0" hangingPunct="1">
         <a:defRPr sz="1800" kern="1200">
           <a:solidFill>
             <a:schemeClr val="tx1"/>
@@ -3397,7 +4803,7 @@
           <a:cs typeface="+mn-cs"/>
         </a:defRPr>
       </a:lvl4pPr>
-      <a:lvl5pPr marL="1828800" algn="l" defTabSz="457200" rtl="0" eaLnBrk="1" latinLnBrk="0" hangingPunct="1">
+      <a:lvl5pPr marL="1828800" algn="l" defTabSz="914400" rtl="0" eaLnBrk="1" latinLnBrk="0" hangingPunct="1">
         <a:defRPr sz="1800" kern="1200">
           <a:solidFill>
             <a:schemeClr val="tx1"/>
@@ -3407,7 +4813,7 @@
           <a:cs typeface="+mn-cs"/>
         </a:defRPr>
       </a:lvl5pPr>
-      <a:lvl6pPr marL="2286000" algn="l" defTabSz="457200" rtl="0" eaLnBrk="1" latinLnBrk="0" hangingPunct="1">
+      <a:lvl6pPr marL="2286000" algn="l" defTabSz="914400" rtl="0" eaLnBrk="1" latinLnBrk="0" hangingPunct="1">
         <a:defRPr sz="1800" kern="1200">
           <a:solidFill>
             <a:schemeClr val="tx1"/>
@@ -3417,7 +4823,7 @@
           <a:cs typeface="+mn-cs"/>
         </a:defRPr>
       </a:lvl6pPr>
-      <a:lvl7pPr marL="2743200" algn="l" defTabSz="457200" rtl="0" eaLnBrk="1" latinLnBrk="0" hangingPunct="1">
+      <a:lvl7pPr marL="2743200" algn="l" defTabSz="914400" rtl="0" eaLnBrk="1" latinLnBrk="0" hangingPunct="1">
         <a:defRPr sz="1800" kern="1200">
           <a:solidFill>
             <a:schemeClr val="tx1"/>
@@ -3427,7 +4833,7 @@
           <a:cs typeface="+mn-cs"/>
         </a:defRPr>
       </a:lvl7pPr>
-      <a:lvl8pPr marL="3200400" algn="l" defTabSz="457200" rtl="0" eaLnBrk="1" latinLnBrk="0" hangingPunct="1">
+      <a:lvl8pPr marL="3200400" algn="l" defTabSz="914400" rtl="0" eaLnBrk="1" latinLnBrk="0" hangingPunct="1">
         <a:defRPr sz="1800" kern="1200">
           <a:solidFill>
             <a:schemeClr val="tx1"/>
@@ -3437,7 +4843,7 @@
           <a:cs typeface="+mn-cs"/>
         </a:defRPr>
       </a:lvl8pPr>
-      <a:lvl9pPr marL="3657600" algn="l" defTabSz="457200" rtl="0" eaLnBrk="1" latinLnBrk="0" hangingPunct="1">
+      <a:lvl9pPr marL="3657600" algn="l" defTabSz="914400" rtl="0" eaLnBrk="1" latinLnBrk="0" hangingPunct="1">
         <a:defRPr sz="1800" kern="1200">
           <a:solidFill>
             <a:schemeClr val="tx1"/>
@@ -3507,7 +4913,9 @@
             <a:r>
               <a:rPr lang="en-US" sz="3600" dirty="0">
                 <a:solidFill>
-                  <a:srgbClr val="0000FF"/>
+                  <a:schemeClr val="accent4">
+                    <a:lumMod val="75000"/>
+                  </a:schemeClr>
                 </a:solidFill>
               </a:rPr>
               <a:t>COMP47350: Data Analytics (Conv)</a:t>
@@ -3515,14 +4923,18 @@
             <a:br>
               <a:rPr lang="en-US" sz="3600" dirty="0">
                 <a:solidFill>
-                  <a:srgbClr val="0000FF"/>
+                  <a:schemeClr val="accent4">
+                    <a:lumMod val="75000"/>
+                  </a:schemeClr>
                 </a:solidFill>
               </a:rPr>
             </a:br>
             <a:r>
               <a:rPr lang="en-US" sz="3600" dirty="0">
                 <a:solidFill>
-                  <a:srgbClr val="0000FF"/>
+                  <a:schemeClr val="accent4">
+                    <a:lumMod val="75000"/>
+                  </a:schemeClr>
                 </a:solidFill>
               </a:rPr>
               <a:t>2017/18</a:t>
@@ -3530,7 +4942,9 @@
             <a:br>
               <a:rPr lang="en-US" sz="3600" dirty="0">
                 <a:solidFill>
-                  <a:srgbClr val="0000FF"/>
+                  <a:schemeClr val="accent4">
+                    <a:lumMod val="75000"/>
+                  </a:schemeClr>
                 </a:solidFill>
               </a:rPr>
             </a:br>
@@ -3563,13 +4977,13 @@
         </p:spPr>
         <p:txBody>
           <a:bodyPr>
-            <a:normAutofit fontScale="92500"/>
+            <a:normAutofit/>
           </a:bodyPr>
           <a:lstStyle/>
           <a:p>
             <a:pPr algn="l"/>
             <a:r>
-              <a:rPr lang="en-US" sz="2800" b="1" dirty="0">
+              <a:rPr lang="en-US" sz="2000" b="1" dirty="0">
                 <a:solidFill>
                   <a:schemeClr val="tx1"/>
                 </a:solidFill>
@@ -3577,7 +4991,7 @@
               <a:t>Cambridge Analytica:</a:t>
             </a:r>
             <a:r>
-              <a:rPr lang="en-US" sz="2800" dirty="0">
+              <a:rPr lang="en-US" sz="2000" dirty="0">
                 <a:solidFill>
                   <a:schemeClr val="tx1"/>
                 </a:solidFill>
@@ -3587,28 +5001,27 @@
           </a:p>
           <a:p>
             <a:pPr algn="l"/>
-            <a:r>
-              <a:rPr lang="en-US" sz="2700" i="1" dirty="0">
-                <a:solidFill>
-                  <a:schemeClr val="tx1"/>
-                </a:solidFill>
-              </a:rPr>
-              <a:t>Emmet Tracey</a:t>
-            </a:r>
-          </a:p>
-          <a:p>
-            <a:pPr algn="l"/>
-            <a:r>
-              <a:rPr lang="en-US" sz="2700" i="1" dirty="0">
-                <a:solidFill>
-                  <a:schemeClr val="tx1"/>
-                </a:solidFill>
-              </a:rPr>
-              <a:t>Conor Lawlor</a:t>
-            </a:r>
-          </a:p>
-          <a:p>
-            <a:pPr algn="l"/>
+            <a:endParaRPr lang="en-US" sz="2700" i="1" dirty="0">
+              <a:solidFill>
+                <a:schemeClr val="tx1"/>
+              </a:solidFill>
+            </a:endParaRPr>
+          </a:p>
+          <a:p>
+            <a:endParaRPr lang="en-US" sz="2700" i="1" dirty="0"/>
+          </a:p>
+          <a:p>
+            <a:r>
+              <a:rPr lang="en-US" sz="2700" i="1" dirty="0"/>
+              <a:t>Emmet Tracey     Conor Lawlor</a:t>
+            </a:r>
+            <a:endParaRPr lang="en-US" sz="2700" i="1" dirty="0">
+              <a:solidFill>
+                <a:schemeClr val="tx1"/>
+              </a:solidFill>
+            </a:endParaRPr>
+          </a:p>
+          <a:p>
             <a:r>
               <a:rPr lang="en-US" sz="2700" i="1" dirty="0">
                 <a:solidFill>
@@ -3617,17 +5030,18 @@
               </a:rPr>
               <a:t>Eoin LeMasney</a:t>
             </a:r>
+            <a:r>
+              <a:rPr lang="en-US" sz="2700" i="1" dirty="0"/>
+              <a:t>    Daniel O’Byrne</a:t>
+            </a:r>
           </a:p>
           <a:p>
             <a:pPr algn="l"/>
-            <a:r>
-              <a:rPr lang="en-US" sz="2700" i="1" dirty="0">
-                <a:solidFill>
-                  <a:schemeClr val="tx1"/>
-                </a:solidFill>
-              </a:rPr>
-              <a:t>Daniel O’Byrne</a:t>
-            </a:r>
+            <a:endParaRPr lang="en-US" sz="2700" i="1" dirty="0">
+              <a:solidFill>
+                <a:schemeClr val="tx1"/>
+              </a:solidFill>
+            </a:endParaRPr>
           </a:p>
           <a:p>
             <a:endParaRPr lang="en-US" dirty="0"/>
@@ -3656,8 +5070,8 @@
         </p:blipFill>
         <p:spPr>
           <a:xfrm>
-            <a:off x="879551" y="630744"/>
-            <a:ext cx="1136757" cy="1533216"/>
+            <a:off x="879551" y="237338"/>
+            <a:ext cx="722716" cy="974773"/>
           </a:xfrm>
           <a:prstGeom prst="rect">
             <a:avLst/>
@@ -3668,6 +5082,174 @@
     <p:extLst>
       <p:ext uri="{BB962C8B-B14F-4D97-AF65-F5344CB8AC3E}">
         <p14:creationId xmlns:p14="http://schemas.microsoft.com/office/powerpoint/2010/main" val="685431347"/>
+      </p:ext>
+    </p:extLst>
+  </p:cSld>
+  <p:clrMapOvr>
+    <a:masterClrMapping/>
+  </p:clrMapOvr>
+</p:sld>
+</file>
+
+<file path=ppt/slides/slide10.xml><?xml version="1.0" encoding="utf-8"?>
+<p:sld xmlns:a="http://schemas.openxmlformats.org/drawingml/2006/main" xmlns:r="http://schemas.openxmlformats.org/officeDocument/2006/relationships" xmlns:p="http://schemas.openxmlformats.org/presentationml/2006/main">
+  <p:cSld>
+    <p:spTree>
+      <p:nvGrpSpPr>
+        <p:cNvPr id="1" name=""/>
+        <p:cNvGrpSpPr/>
+        <p:nvPr/>
+      </p:nvGrpSpPr>
+      <p:grpSpPr>
+        <a:xfrm>
+          <a:off x="0" y="0"/>
+          <a:ext cx="0" cy="0"/>
+          <a:chOff x="0" y="0"/>
+          <a:chExt cx="0" cy="0"/>
+        </a:xfrm>
+      </p:grpSpPr>
+      <p:sp>
+        <p:nvSpPr>
+          <p:cNvPr id="2" name="Title 1"/>
+          <p:cNvSpPr>
+            <a:spLocks noGrp="1"/>
+          </p:cNvSpPr>
+          <p:nvPr>
+            <p:ph type="title"/>
+          </p:nvPr>
+        </p:nvSpPr>
+        <p:spPr>
+          <a:xfrm>
+            <a:off x="685800" y="0"/>
+            <a:ext cx="7772400" cy="1609344"/>
+          </a:xfrm>
+        </p:spPr>
+        <p:txBody>
+          <a:bodyPr/>
+          <a:lstStyle/>
+          <a:p>
+            <a:r>
+              <a:rPr lang="en-US" dirty="0">
+                <a:solidFill>
+                  <a:schemeClr val="accent4">
+                    <a:lumMod val="75000"/>
+                  </a:schemeClr>
+                </a:solidFill>
+              </a:rPr>
+              <a:t>The Results</a:t>
+            </a:r>
+          </a:p>
+        </p:txBody>
+      </p:sp>
+      <p:sp>
+        <p:nvSpPr>
+          <p:cNvPr id="3" name="Content Placeholder 2"/>
+          <p:cNvSpPr>
+            <a:spLocks noGrp="1"/>
+          </p:cNvSpPr>
+          <p:nvPr>
+            <p:ph idx="1"/>
+          </p:nvPr>
+        </p:nvSpPr>
+        <p:spPr>
+          <a:xfrm>
+            <a:off x="685800" y="1609344"/>
+            <a:ext cx="7772400" cy="4050792"/>
+          </a:xfrm>
+        </p:spPr>
+        <p:txBody>
+          <a:bodyPr>
+            <a:normAutofit/>
+          </a:bodyPr>
+          <a:lstStyle/>
+          <a:p>
+            <a:pPr>
+              <a:lnSpc>
+                <a:spcPct val="110000"/>
+              </a:lnSpc>
+            </a:pPr>
+            <a:r>
+              <a:rPr lang="en-US" sz="2400" dirty="0"/>
+              <a:t>What are model tells us</a:t>
+            </a:r>
+          </a:p>
+          <a:p>
+            <a:pPr lvl="1">
+              <a:lnSpc>
+                <a:spcPct val="110000"/>
+              </a:lnSpc>
+            </a:pPr>
+            <a:r>
+              <a:rPr lang="en-US" sz="2200" dirty="0"/>
+              <a:t>Predictions**</a:t>
+            </a:r>
+          </a:p>
+          <a:p>
+            <a:pPr>
+              <a:lnSpc>
+                <a:spcPct val="110000"/>
+              </a:lnSpc>
+            </a:pPr>
+            <a:r>
+              <a:rPr lang="en-US" sz="2400" dirty="0"/>
+              <a:t>Possible downfalls of the model</a:t>
+            </a:r>
+          </a:p>
+          <a:p>
+            <a:pPr lvl="1">
+              <a:lnSpc>
+                <a:spcPct val="110000"/>
+              </a:lnSpc>
+            </a:pPr>
+            <a:r>
+              <a:rPr lang="en-US" sz="2200" dirty="0"/>
+              <a:t>High/low classification on RF or Log ***</a:t>
+            </a:r>
+          </a:p>
+          <a:p>
+            <a:pPr lvl="1">
+              <a:lnSpc>
+                <a:spcPct val="110000"/>
+              </a:lnSpc>
+            </a:pPr>
+            <a:r>
+              <a:rPr lang="en-US" sz="2200" dirty="0"/>
+              <a:t>Macro solution for a micro problem</a:t>
+            </a:r>
+          </a:p>
+          <a:p>
+            <a:pPr lvl="2">
+              <a:lnSpc>
+                <a:spcPct val="110000"/>
+              </a:lnSpc>
+            </a:pPr>
+            <a:r>
+              <a:rPr lang="en-US" sz="2000" dirty="0"/>
+              <a:t>“We only saw the forest for the trees” (Lawlor, 2018)</a:t>
+            </a:r>
+          </a:p>
+          <a:p>
+            <a:pPr lvl="2">
+              <a:lnSpc>
+                <a:spcPct val="110000"/>
+              </a:lnSpc>
+            </a:pPr>
+            <a:r>
+              <a:rPr lang="en-US" sz="2000" dirty="0"/>
+              <a:t>To be useful does a station just take an average of our </a:t>
+            </a:r>
+            <a:r>
+              <a:rPr lang="en-US" sz="2000"/>
+              <a:t>count prediction?</a:t>
+            </a:r>
+            <a:endParaRPr lang="en-US" sz="2000" dirty="0"/>
+          </a:p>
+        </p:txBody>
+      </p:sp>
+    </p:spTree>
+    <p:extLst>
+      <p:ext uri="{BB962C8B-B14F-4D97-AF65-F5344CB8AC3E}">
+        <p14:creationId xmlns:p14="http://schemas.microsoft.com/office/powerpoint/2010/main" val="1851362575"/>
       </p:ext>
     </p:extLst>
   </p:cSld>
@@ -3704,7 +5286,12 @@
             <p:ph type="title"/>
           </p:nvPr>
         </p:nvSpPr>
-        <p:spPr/>
+        <p:spPr>
+          <a:xfrm>
+            <a:off x="685799" y="0"/>
+            <a:ext cx="7772400" cy="1609344"/>
+          </a:xfrm>
+        </p:spPr>
         <p:txBody>
           <a:bodyPr/>
           <a:lstStyle/>
@@ -3712,7 +5299,9 @@
             <a:r>
               <a:rPr lang="en-US" dirty="0">
                 <a:solidFill>
-                  <a:srgbClr val="0000FF"/>
+                  <a:schemeClr val="accent4">
+                    <a:lumMod val="75000"/>
+                  </a:schemeClr>
                 </a:solidFill>
               </a:rPr>
               <a:t>The Problem</a:t>
@@ -3720,75 +5309,348 @@
           </a:p>
         </p:txBody>
       </p:sp>
-      <p:sp>
-        <p:nvSpPr>
-          <p:cNvPr id="3" name="Content Placeholder 2"/>
-          <p:cNvSpPr>
-            <a:spLocks noGrp="1"/>
-          </p:cNvSpPr>
-          <p:nvPr>
-            <p:ph idx="1"/>
-          </p:nvPr>
-        </p:nvSpPr>
-        <p:spPr/>
-        <p:txBody>
-          <a:bodyPr>
-            <a:normAutofit fontScale="77500" lnSpcReduction="20000"/>
+      <p:pic>
+        <p:nvPicPr>
+          <p:cNvPr id="7" name="Picture 6">
+            <a:extLst>
+              <a:ext uri="{FF2B5EF4-FFF2-40B4-BE49-F238E27FC236}">
+                <a16:creationId xmlns:a16="http://schemas.microsoft.com/office/drawing/2014/main" id="{BDF41755-9F33-EB41-BA56-CFC3D38E3123}"/>
+              </a:ext>
+            </a:extLst>
+          </p:cNvPr>
+          <p:cNvPicPr>
+            <a:picLocks noChangeAspect="1"/>
+          </p:cNvPicPr>
+          <p:nvPr/>
+        </p:nvPicPr>
+        <p:blipFill>
+          <a:blip r:embed="rId2"/>
+          <a:stretch>
+            <a:fillRect/>
+          </a:stretch>
+        </p:blipFill>
+        <p:spPr>
+          <a:xfrm>
+            <a:off x="1472608" y="4104167"/>
+            <a:ext cx="6193466" cy="2159108"/>
+          </a:xfrm>
+          <a:prstGeom prst="rect">
+            <a:avLst/>
+          </a:prstGeom>
+        </p:spPr>
+      </p:pic>
+      <p:sp>
+        <p:nvSpPr>
+          <p:cNvPr id="8" name="Content Placeholder 2">
+            <a:extLst>
+              <a:ext uri="{FF2B5EF4-FFF2-40B4-BE49-F238E27FC236}">
+                <a16:creationId xmlns:a16="http://schemas.microsoft.com/office/drawing/2014/main" id="{8E7AB300-68F3-9F44-A30B-5662CD419259}"/>
+              </a:ext>
+            </a:extLst>
+          </p:cNvPr>
+          <p:cNvSpPr txBox="1">
+            <a:spLocks/>
+          </p:cNvSpPr>
+          <p:nvPr/>
+        </p:nvSpPr>
+        <p:spPr>
+          <a:xfrm>
+            <a:off x="454541" y="1270591"/>
+            <a:ext cx="8229600" cy="2344479"/>
+          </a:xfrm>
+          <a:prstGeom prst="rect">
+            <a:avLst/>
+          </a:prstGeom>
+        </p:spPr>
+        <p:txBody>
+          <a:bodyPr vert="horz" lIns="91440" tIns="45720" rIns="91440" bIns="45720" rtlCol="0">
+            <a:noAutofit/>
           </a:bodyPr>
-          <a:lstStyle/>
-          <a:p>
-            <a:r>
-              <a:rPr lang="en-US" dirty="0"/>
-              <a:t>Bike sharing systems are popular all over the world</a:t>
-            </a:r>
-          </a:p>
-          <a:p>
-            <a:r>
-              <a:rPr lang="en-GB" dirty="0"/>
-              <a:t>The success of a bike sharing system is contingent on the bike stations being properly resourced</a:t>
-            </a:r>
-          </a:p>
-          <a:p>
-            <a:r>
-              <a:rPr lang="en-GB" dirty="0"/>
-              <a:t>Two potential problems with bike station occupancy:</a:t>
+          <a:lstStyle>
+            <a:lvl1pPr marL="182880" indent="-182880" algn="l" defTabSz="914400" rtl="0" eaLnBrk="1" latinLnBrk="0" hangingPunct="1">
+              <a:lnSpc>
+                <a:spcPct val="90000"/>
+              </a:lnSpc>
+              <a:spcBef>
+                <a:spcPts val="1200"/>
+              </a:spcBef>
+              <a:buClr>
+                <a:schemeClr val="accent1">
+                  <a:lumMod val="75000"/>
+                </a:schemeClr>
+              </a:buClr>
+              <a:buSzPct val="85000"/>
+              <a:buFont typeface="Wingdings" pitchFamily="2" charset="2"/>
+              <a:buChar char="§"/>
+              <a:defRPr sz="2000" kern="1200">
+                <a:solidFill>
+                  <a:schemeClr val="tx1"/>
+                </a:solidFill>
+                <a:latin typeface="+mn-lt"/>
+                <a:ea typeface="+mn-ea"/>
+                <a:cs typeface="+mn-cs"/>
+              </a:defRPr>
+            </a:lvl1pPr>
+            <a:lvl2pPr marL="457200" indent="-182880" algn="l" defTabSz="914400" rtl="0" eaLnBrk="1" latinLnBrk="0" hangingPunct="1">
+              <a:lnSpc>
+                <a:spcPct val="90000"/>
+              </a:lnSpc>
+              <a:spcBef>
+                <a:spcPts val="400"/>
+              </a:spcBef>
+              <a:spcAft>
+                <a:spcPts val="200"/>
+              </a:spcAft>
+              <a:buClr>
+                <a:schemeClr val="accent1">
+                  <a:lumMod val="75000"/>
+                </a:schemeClr>
+              </a:buClr>
+              <a:buSzPct val="85000"/>
+              <a:buFont typeface="Wingdings" pitchFamily="2" charset="2"/>
+              <a:buChar char="§"/>
+              <a:defRPr sz="1800" kern="1200">
+                <a:solidFill>
+                  <a:schemeClr val="tx1"/>
+                </a:solidFill>
+                <a:latin typeface="+mn-lt"/>
+                <a:ea typeface="+mn-ea"/>
+                <a:cs typeface="+mn-cs"/>
+              </a:defRPr>
+            </a:lvl2pPr>
+            <a:lvl3pPr marL="731520" indent="-182880" algn="l" defTabSz="914400" rtl="0" eaLnBrk="1" latinLnBrk="0" hangingPunct="1">
+              <a:lnSpc>
+                <a:spcPct val="90000"/>
+              </a:lnSpc>
+              <a:spcBef>
+                <a:spcPts val="400"/>
+              </a:spcBef>
+              <a:spcAft>
+                <a:spcPts val="200"/>
+              </a:spcAft>
+              <a:buClr>
+                <a:schemeClr val="accent1">
+                  <a:lumMod val="75000"/>
+                </a:schemeClr>
+              </a:buClr>
+              <a:buSzPct val="85000"/>
+              <a:buFont typeface="Wingdings" pitchFamily="2" charset="2"/>
+              <a:buChar char="§"/>
+              <a:defRPr sz="1600" kern="1200">
+                <a:solidFill>
+                  <a:schemeClr val="tx1"/>
+                </a:solidFill>
+                <a:latin typeface="+mn-lt"/>
+                <a:ea typeface="+mn-ea"/>
+                <a:cs typeface="+mn-cs"/>
+              </a:defRPr>
+            </a:lvl3pPr>
+            <a:lvl4pPr marL="1005840" indent="-182880" algn="l" defTabSz="914400" rtl="0" eaLnBrk="1" latinLnBrk="0" hangingPunct="1">
+              <a:lnSpc>
+                <a:spcPct val="90000"/>
+              </a:lnSpc>
+              <a:spcBef>
+                <a:spcPts val="400"/>
+              </a:spcBef>
+              <a:spcAft>
+                <a:spcPts val="200"/>
+              </a:spcAft>
+              <a:buClr>
+                <a:schemeClr val="accent1">
+                  <a:lumMod val="75000"/>
+                </a:schemeClr>
+              </a:buClr>
+              <a:buSzPct val="85000"/>
+              <a:buFont typeface="Wingdings" pitchFamily="2" charset="2"/>
+              <a:buChar char="§"/>
+              <a:defRPr sz="1600" kern="1200">
+                <a:solidFill>
+                  <a:schemeClr val="tx1"/>
+                </a:solidFill>
+                <a:latin typeface="+mn-lt"/>
+                <a:ea typeface="+mn-ea"/>
+                <a:cs typeface="+mn-cs"/>
+              </a:defRPr>
+            </a:lvl4pPr>
+            <a:lvl5pPr marL="1280160" indent="-182880" algn="l" defTabSz="914400" rtl="0" eaLnBrk="1" latinLnBrk="0" hangingPunct="1">
+              <a:lnSpc>
+                <a:spcPct val="90000"/>
+              </a:lnSpc>
+              <a:spcBef>
+                <a:spcPts val="400"/>
+              </a:spcBef>
+              <a:spcAft>
+                <a:spcPts val="200"/>
+              </a:spcAft>
+              <a:buClr>
+                <a:schemeClr val="accent1">
+                  <a:lumMod val="75000"/>
+                </a:schemeClr>
+              </a:buClr>
+              <a:buSzPct val="85000"/>
+              <a:buFont typeface="Wingdings" pitchFamily="2" charset="2"/>
+              <a:buChar char="§"/>
+              <a:defRPr sz="1600" kern="1200">
+                <a:solidFill>
+                  <a:schemeClr val="tx1"/>
+                </a:solidFill>
+                <a:latin typeface="+mn-lt"/>
+                <a:ea typeface="+mn-ea"/>
+                <a:cs typeface="+mn-cs"/>
+              </a:defRPr>
+            </a:lvl5pPr>
+            <a:lvl6pPr marL="1600000" indent="-228600" algn="l" defTabSz="914400" rtl="0" eaLnBrk="1" latinLnBrk="0" hangingPunct="1">
+              <a:lnSpc>
+                <a:spcPct val="90000"/>
+              </a:lnSpc>
+              <a:spcBef>
+                <a:spcPts val="400"/>
+              </a:spcBef>
+              <a:spcAft>
+                <a:spcPts val="200"/>
+              </a:spcAft>
+              <a:buClr>
+                <a:schemeClr val="accent1">
+                  <a:lumMod val="75000"/>
+                </a:schemeClr>
+              </a:buClr>
+              <a:buSzPct val="85000"/>
+              <a:buFont typeface="Wingdings" pitchFamily="2" charset="2"/>
+              <a:buChar char="§"/>
+              <a:defRPr sz="1600" kern="1200">
+                <a:solidFill>
+                  <a:schemeClr val="tx1"/>
+                </a:solidFill>
+                <a:latin typeface="+mn-lt"/>
+                <a:ea typeface="+mn-ea"/>
+                <a:cs typeface="+mn-cs"/>
+              </a:defRPr>
+            </a:lvl6pPr>
+            <a:lvl7pPr marL="1900000" indent="-228600" algn="l" defTabSz="914400" rtl="0" eaLnBrk="1" latinLnBrk="0" hangingPunct="1">
+              <a:lnSpc>
+                <a:spcPct val="90000"/>
+              </a:lnSpc>
+              <a:spcBef>
+                <a:spcPts val="400"/>
+              </a:spcBef>
+              <a:spcAft>
+                <a:spcPts val="200"/>
+              </a:spcAft>
+              <a:buClr>
+                <a:schemeClr val="accent1">
+                  <a:lumMod val="75000"/>
+                </a:schemeClr>
+              </a:buClr>
+              <a:buSzPct val="85000"/>
+              <a:buFont typeface="Wingdings" pitchFamily="2" charset="2"/>
+              <a:buChar char="§"/>
+              <a:defRPr sz="1600" kern="1200">
+                <a:solidFill>
+                  <a:schemeClr val="tx1"/>
+                </a:solidFill>
+                <a:latin typeface="+mn-lt"/>
+                <a:ea typeface="+mn-ea"/>
+                <a:cs typeface="+mn-cs"/>
+              </a:defRPr>
+            </a:lvl7pPr>
+            <a:lvl8pPr marL="2200000" indent="-228600" algn="l" defTabSz="914400" rtl="0" eaLnBrk="1" latinLnBrk="0" hangingPunct="1">
+              <a:lnSpc>
+                <a:spcPct val="90000"/>
+              </a:lnSpc>
+              <a:spcBef>
+                <a:spcPts val="400"/>
+              </a:spcBef>
+              <a:spcAft>
+                <a:spcPts val="200"/>
+              </a:spcAft>
+              <a:buClr>
+                <a:schemeClr val="accent1">
+                  <a:lumMod val="75000"/>
+                </a:schemeClr>
+              </a:buClr>
+              <a:buSzPct val="85000"/>
+              <a:buFont typeface="Wingdings" pitchFamily="2" charset="2"/>
+              <a:buChar char="§"/>
+              <a:defRPr sz="1600" kern="1200">
+                <a:solidFill>
+                  <a:schemeClr val="tx1"/>
+                </a:solidFill>
+                <a:latin typeface="+mn-lt"/>
+                <a:ea typeface="+mn-ea"/>
+                <a:cs typeface="+mn-cs"/>
+              </a:defRPr>
+            </a:lvl8pPr>
+            <a:lvl9pPr marL="2500000" indent="-228600" algn="l" defTabSz="914400" rtl="0" eaLnBrk="1" latinLnBrk="0" hangingPunct="1">
+              <a:lnSpc>
+                <a:spcPct val="90000"/>
+              </a:lnSpc>
+              <a:spcBef>
+                <a:spcPts val="400"/>
+              </a:spcBef>
+              <a:spcAft>
+                <a:spcPts val="200"/>
+              </a:spcAft>
+              <a:buClr>
+                <a:schemeClr val="accent1">
+                  <a:lumMod val="75000"/>
+                </a:schemeClr>
+              </a:buClr>
+              <a:buSzPct val="85000"/>
+              <a:buFont typeface="Wingdings" pitchFamily="2" charset="2"/>
+              <a:buChar char="§"/>
+              <a:defRPr sz="1600" kern="1200">
+                <a:solidFill>
+                  <a:schemeClr val="tx1"/>
+                </a:solidFill>
+                <a:latin typeface="+mn-lt"/>
+                <a:ea typeface="+mn-ea"/>
+                <a:cs typeface="+mn-cs"/>
+              </a:defRPr>
+            </a:lvl9pPr>
+          </a:lstStyle>
+          <a:p>
+            <a:r>
+              <a:rPr lang="en-GB" sz="1600" dirty="0"/>
+              <a:t>The success of a bike sharing system is reliant on stations being properly resourced</a:t>
+            </a:r>
+          </a:p>
+          <a:p>
+            <a:r>
+              <a:rPr lang="en-GB" sz="1600" dirty="0"/>
+              <a:t>Bikes need to be added/removed as needed</a:t>
+            </a:r>
+          </a:p>
+          <a:p>
+            <a:r>
+              <a:rPr lang="en-GB" sz="1600" dirty="0"/>
+              <a:t>The Problem:</a:t>
             </a:r>
           </a:p>
           <a:p>
             <a:pPr lvl="1"/>
             <a:r>
-              <a:rPr lang="en-GB" dirty="0"/>
-              <a:t>No bikes at one so a user cannot get one </a:t>
+              <a:rPr lang="en-GB" sz="1600" dirty="0"/>
+              <a:t>No bikes at a station so a user cannot get one </a:t>
             </a:r>
           </a:p>
           <a:p>
             <a:pPr lvl="1"/>
             <a:r>
-              <a:rPr lang="en-GB" dirty="0"/>
+              <a:rPr lang="en-GB" sz="1600" dirty="0"/>
               <a:t>Station is full of bikes so a user cannot return one</a:t>
             </a:r>
-            <a:endParaRPr lang="en-US" dirty="0"/>
-          </a:p>
-          <a:p>
-            <a:r>
-              <a:rPr lang="en-GB" dirty="0"/>
-              <a:t>Bikes need to be added/removed to/from stations as needed</a:t>
-            </a:r>
-          </a:p>
-          <a:p>
-            <a:r>
-              <a:rPr lang="en-GB" dirty="0"/>
-              <a:t>The problem for bike sharing systems is that it can be hard to calculate how many bikes need to be added/removed to the stations</a:t>
-            </a:r>
-          </a:p>
-          <a:p>
-            <a:r>
-              <a:rPr lang="en-GB" dirty="0"/>
-              <a:t>We will focus on the bike sharing system in Washington, D.C.. We will examine 2 years of user data to predict usage</a:t>
-            </a:r>
-          </a:p>
-          <a:p>
-            <a:endParaRPr lang="en-GB" dirty="0"/>
+          </a:p>
+          <a:p>
+            <a:r>
+              <a:rPr lang="en-GB" sz="1600" dirty="0"/>
+              <a:t>Difficult to calculate how many bikes need to be added/removed </a:t>
+            </a:r>
+          </a:p>
+          <a:p>
+            <a:r>
+              <a:rPr lang="en-GB" sz="1600" dirty="0"/>
+              <a:t>We focus on the bike sharing system in Washington, D.C. -  Capital Bikeshare</a:t>
+            </a:r>
           </a:p>
         </p:txBody>
       </p:sp>
@@ -3832,7 +5694,12 @@
             <p:ph type="title"/>
           </p:nvPr>
         </p:nvSpPr>
-        <p:spPr/>
+        <p:spPr>
+          <a:xfrm>
+            <a:off x="685800" y="0"/>
+            <a:ext cx="7772400" cy="1609344"/>
+          </a:xfrm>
+        </p:spPr>
         <p:txBody>
           <a:bodyPr/>
           <a:lstStyle/>
@@ -3840,7 +5707,9 @@
             <a:r>
               <a:rPr lang="en-US" dirty="0">
                 <a:solidFill>
-                  <a:srgbClr val="0000FF"/>
+                  <a:schemeClr val="accent4">
+                    <a:lumMod val="75000"/>
+                  </a:schemeClr>
                 </a:solidFill>
               </a:rPr>
               <a:t>The Data</a:t>
@@ -3850,56 +5719,344 @@
       </p:sp>
       <p:sp>
         <p:nvSpPr>
-          <p:cNvPr id="3" name="Content Placeholder 2"/>
-          <p:cNvSpPr>
-            <a:spLocks noGrp="1"/>
-          </p:cNvSpPr>
-          <p:nvPr>
-            <p:ph idx="1"/>
-          </p:nvPr>
-        </p:nvSpPr>
-        <p:spPr/>
-        <p:txBody>
-          <a:bodyPr/>
-          <a:lstStyle/>
-          <a:p>
-            <a:pPr marL="457200" lvl="1" indent="0">
-              <a:buNone/>
-            </a:pPr>
-            <a:r>
-              <a:rPr lang="en-US" dirty="0"/>
-              <a:t>We will source data from the below locations:</a:t>
-            </a:r>
-          </a:p>
-          <a:p>
-            <a:pPr marL="457200" lvl="1" indent="0">
-              <a:buNone/>
-            </a:pPr>
-            <a:r>
-              <a:rPr lang="en-US" dirty="0">
+          <p:cNvPr id="4" name="Content Placeholder 2">
+            <a:extLst>
+              <a:ext uri="{FF2B5EF4-FFF2-40B4-BE49-F238E27FC236}">
+                <a16:creationId xmlns:a16="http://schemas.microsoft.com/office/drawing/2014/main" id="{D7DE979D-12D9-8943-B886-FAA7A0D00615}"/>
+              </a:ext>
+            </a:extLst>
+          </p:cNvPr>
+          <p:cNvSpPr txBox="1">
+            <a:spLocks/>
+          </p:cNvSpPr>
+          <p:nvPr/>
+        </p:nvSpPr>
+        <p:spPr>
+          <a:xfrm>
+            <a:off x="685800" y="1609344"/>
+            <a:ext cx="8001000" cy="4663865"/>
+          </a:xfrm>
+          <a:prstGeom prst="rect">
+            <a:avLst/>
+          </a:prstGeom>
+        </p:spPr>
+        <p:txBody>
+          <a:bodyPr vert="horz" lIns="91440" tIns="45720" rIns="91440" bIns="45720" rtlCol="0">
+            <a:normAutofit/>
+          </a:bodyPr>
+          <a:lstStyle>
+            <a:lvl1pPr marL="182880" indent="-182880" algn="l" defTabSz="914400" rtl="0" eaLnBrk="1" latinLnBrk="0" hangingPunct="1">
+              <a:lnSpc>
+                <a:spcPct val="90000"/>
+              </a:lnSpc>
+              <a:spcBef>
+                <a:spcPts val="1200"/>
+              </a:spcBef>
+              <a:buClr>
+                <a:schemeClr val="accent1">
+                  <a:lumMod val="75000"/>
+                </a:schemeClr>
+              </a:buClr>
+              <a:buSzPct val="85000"/>
+              <a:buFont typeface="Wingdings" pitchFamily="2" charset="2"/>
+              <a:buChar char="§"/>
+              <a:defRPr sz="2000" kern="1200">
+                <a:solidFill>
+                  <a:schemeClr val="tx1"/>
+                </a:solidFill>
+                <a:latin typeface="+mn-lt"/>
+                <a:ea typeface="+mn-ea"/>
+                <a:cs typeface="+mn-cs"/>
+              </a:defRPr>
+            </a:lvl1pPr>
+            <a:lvl2pPr marL="457200" indent="-182880" algn="l" defTabSz="914400" rtl="0" eaLnBrk="1" latinLnBrk="0" hangingPunct="1">
+              <a:lnSpc>
+                <a:spcPct val="90000"/>
+              </a:lnSpc>
+              <a:spcBef>
+                <a:spcPts val="400"/>
+              </a:spcBef>
+              <a:spcAft>
+                <a:spcPts val="200"/>
+              </a:spcAft>
+              <a:buClr>
+                <a:schemeClr val="accent1">
+                  <a:lumMod val="75000"/>
+                </a:schemeClr>
+              </a:buClr>
+              <a:buSzPct val="85000"/>
+              <a:buFont typeface="Wingdings" pitchFamily="2" charset="2"/>
+              <a:buChar char="§"/>
+              <a:defRPr sz="1800" kern="1200">
+                <a:solidFill>
+                  <a:schemeClr val="tx1"/>
+                </a:solidFill>
+                <a:latin typeface="+mn-lt"/>
+                <a:ea typeface="+mn-ea"/>
+                <a:cs typeface="+mn-cs"/>
+              </a:defRPr>
+            </a:lvl2pPr>
+            <a:lvl3pPr marL="731520" indent="-182880" algn="l" defTabSz="914400" rtl="0" eaLnBrk="1" latinLnBrk="0" hangingPunct="1">
+              <a:lnSpc>
+                <a:spcPct val="90000"/>
+              </a:lnSpc>
+              <a:spcBef>
+                <a:spcPts val="400"/>
+              </a:spcBef>
+              <a:spcAft>
+                <a:spcPts val="200"/>
+              </a:spcAft>
+              <a:buClr>
+                <a:schemeClr val="accent1">
+                  <a:lumMod val="75000"/>
+                </a:schemeClr>
+              </a:buClr>
+              <a:buSzPct val="85000"/>
+              <a:buFont typeface="Wingdings" pitchFamily="2" charset="2"/>
+              <a:buChar char="§"/>
+              <a:defRPr sz="1600" kern="1200">
+                <a:solidFill>
+                  <a:schemeClr val="tx1"/>
+                </a:solidFill>
+                <a:latin typeface="+mn-lt"/>
+                <a:ea typeface="+mn-ea"/>
+                <a:cs typeface="+mn-cs"/>
+              </a:defRPr>
+            </a:lvl3pPr>
+            <a:lvl4pPr marL="1005840" indent="-182880" algn="l" defTabSz="914400" rtl="0" eaLnBrk="1" latinLnBrk="0" hangingPunct="1">
+              <a:lnSpc>
+                <a:spcPct val="90000"/>
+              </a:lnSpc>
+              <a:spcBef>
+                <a:spcPts val="400"/>
+              </a:spcBef>
+              <a:spcAft>
+                <a:spcPts val="200"/>
+              </a:spcAft>
+              <a:buClr>
+                <a:schemeClr val="accent1">
+                  <a:lumMod val="75000"/>
+                </a:schemeClr>
+              </a:buClr>
+              <a:buSzPct val="85000"/>
+              <a:buFont typeface="Wingdings" pitchFamily="2" charset="2"/>
+              <a:buChar char="§"/>
+              <a:defRPr sz="1600" kern="1200">
+                <a:solidFill>
+                  <a:schemeClr val="tx1"/>
+                </a:solidFill>
+                <a:latin typeface="+mn-lt"/>
+                <a:ea typeface="+mn-ea"/>
+                <a:cs typeface="+mn-cs"/>
+              </a:defRPr>
+            </a:lvl4pPr>
+            <a:lvl5pPr marL="1280160" indent="-182880" algn="l" defTabSz="914400" rtl="0" eaLnBrk="1" latinLnBrk="0" hangingPunct="1">
+              <a:lnSpc>
+                <a:spcPct val="90000"/>
+              </a:lnSpc>
+              <a:spcBef>
+                <a:spcPts val="400"/>
+              </a:spcBef>
+              <a:spcAft>
+                <a:spcPts val="200"/>
+              </a:spcAft>
+              <a:buClr>
+                <a:schemeClr val="accent1">
+                  <a:lumMod val="75000"/>
+                </a:schemeClr>
+              </a:buClr>
+              <a:buSzPct val="85000"/>
+              <a:buFont typeface="Wingdings" pitchFamily="2" charset="2"/>
+              <a:buChar char="§"/>
+              <a:defRPr sz="1600" kern="1200">
+                <a:solidFill>
+                  <a:schemeClr val="tx1"/>
+                </a:solidFill>
+                <a:latin typeface="+mn-lt"/>
+                <a:ea typeface="+mn-ea"/>
+                <a:cs typeface="+mn-cs"/>
+              </a:defRPr>
+            </a:lvl5pPr>
+            <a:lvl6pPr marL="1600000" indent="-228600" algn="l" defTabSz="914400" rtl="0" eaLnBrk="1" latinLnBrk="0" hangingPunct="1">
+              <a:lnSpc>
+                <a:spcPct val="90000"/>
+              </a:lnSpc>
+              <a:spcBef>
+                <a:spcPts val="400"/>
+              </a:spcBef>
+              <a:spcAft>
+                <a:spcPts val="200"/>
+              </a:spcAft>
+              <a:buClr>
+                <a:schemeClr val="accent1">
+                  <a:lumMod val="75000"/>
+                </a:schemeClr>
+              </a:buClr>
+              <a:buSzPct val="85000"/>
+              <a:buFont typeface="Wingdings" pitchFamily="2" charset="2"/>
+              <a:buChar char="§"/>
+              <a:defRPr sz="1600" kern="1200">
+                <a:solidFill>
+                  <a:schemeClr val="tx1"/>
+                </a:solidFill>
+                <a:latin typeface="+mn-lt"/>
+                <a:ea typeface="+mn-ea"/>
+                <a:cs typeface="+mn-cs"/>
+              </a:defRPr>
+            </a:lvl6pPr>
+            <a:lvl7pPr marL="1900000" indent="-228600" algn="l" defTabSz="914400" rtl="0" eaLnBrk="1" latinLnBrk="0" hangingPunct="1">
+              <a:lnSpc>
+                <a:spcPct val="90000"/>
+              </a:lnSpc>
+              <a:spcBef>
+                <a:spcPts val="400"/>
+              </a:spcBef>
+              <a:spcAft>
+                <a:spcPts val="200"/>
+              </a:spcAft>
+              <a:buClr>
+                <a:schemeClr val="accent1">
+                  <a:lumMod val="75000"/>
+                </a:schemeClr>
+              </a:buClr>
+              <a:buSzPct val="85000"/>
+              <a:buFont typeface="Wingdings" pitchFamily="2" charset="2"/>
+              <a:buChar char="§"/>
+              <a:defRPr sz="1600" kern="1200">
+                <a:solidFill>
+                  <a:schemeClr val="tx1"/>
+                </a:solidFill>
+                <a:latin typeface="+mn-lt"/>
+                <a:ea typeface="+mn-ea"/>
+                <a:cs typeface="+mn-cs"/>
+              </a:defRPr>
+            </a:lvl7pPr>
+            <a:lvl8pPr marL="2200000" indent="-228600" algn="l" defTabSz="914400" rtl="0" eaLnBrk="1" latinLnBrk="0" hangingPunct="1">
+              <a:lnSpc>
+                <a:spcPct val="90000"/>
+              </a:lnSpc>
+              <a:spcBef>
+                <a:spcPts val="400"/>
+              </a:spcBef>
+              <a:spcAft>
+                <a:spcPts val="200"/>
+              </a:spcAft>
+              <a:buClr>
+                <a:schemeClr val="accent1">
+                  <a:lumMod val="75000"/>
+                </a:schemeClr>
+              </a:buClr>
+              <a:buSzPct val="85000"/>
+              <a:buFont typeface="Wingdings" pitchFamily="2" charset="2"/>
+              <a:buChar char="§"/>
+              <a:defRPr sz="1600" kern="1200">
+                <a:solidFill>
+                  <a:schemeClr val="tx1"/>
+                </a:solidFill>
+                <a:latin typeface="+mn-lt"/>
+                <a:ea typeface="+mn-ea"/>
+                <a:cs typeface="+mn-cs"/>
+              </a:defRPr>
+            </a:lvl8pPr>
+            <a:lvl9pPr marL="2500000" indent="-228600" algn="l" defTabSz="914400" rtl="0" eaLnBrk="1" latinLnBrk="0" hangingPunct="1">
+              <a:lnSpc>
+                <a:spcPct val="90000"/>
+              </a:lnSpc>
+              <a:spcBef>
+                <a:spcPts val="400"/>
+              </a:spcBef>
+              <a:spcAft>
+                <a:spcPts val="200"/>
+              </a:spcAft>
+              <a:buClr>
+                <a:schemeClr val="accent1">
+                  <a:lumMod val="75000"/>
+                </a:schemeClr>
+              </a:buClr>
+              <a:buSzPct val="85000"/>
+              <a:buFont typeface="Wingdings" pitchFamily="2" charset="2"/>
+              <a:buChar char="§"/>
+              <a:defRPr sz="1600" kern="1200">
+                <a:solidFill>
+                  <a:schemeClr val="tx1"/>
+                </a:solidFill>
+                <a:latin typeface="+mn-lt"/>
+                <a:ea typeface="+mn-ea"/>
+                <a:cs typeface="+mn-cs"/>
+              </a:defRPr>
+            </a:lvl9pPr>
+          </a:lstStyle>
+          <a:p>
+            <a:r>
+              <a:rPr lang="en-GB" sz="1600" dirty="0"/>
+              <a:t>The dataset consisted of hourly user activity over a 2 year period</a:t>
+            </a:r>
+          </a:p>
+          <a:p>
+            <a:r>
+              <a:rPr lang="en-GB" sz="1600" dirty="0"/>
+              <a:t>Some of the features included:</a:t>
+            </a:r>
+          </a:p>
+          <a:p>
+            <a:pPr lvl="1"/>
+            <a:r>
+              <a:rPr lang="en-GB" sz="1600" dirty="0"/>
+              <a:t>Time – hour, day, month etc.</a:t>
+            </a:r>
+          </a:p>
+          <a:p>
+            <a:pPr lvl="1"/>
+            <a:r>
+              <a:rPr lang="en-GB" sz="1600" dirty="0"/>
+              <a:t>Temperature </a:t>
+            </a:r>
+          </a:p>
+          <a:p>
+            <a:pPr lvl="1"/>
+            <a:r>
+              <a:rPr lang="en-GB" sz="1600" dirty="0"/>
+              <a:t>Humidity</a:t>
+            </a:r>
+          </a:p>
+          <a:p>
+            <a:pPr lvl="1"/>
+            <a:r>
+              <a:rPr lang="en-GB" sz="1600" dirty="0"/>
+              <a:t>Weather description</a:t>
+            </a:r>
+          </a:p>
+          <a:p>
+            <a:pPr lvl="1"/>
+            <a:r>
+              <a:rPr lang="en-GB" sz="1600" dirty="0"/>
+              <a:t>Count (Casual + Registered users) </a:t>
+            </a:r>
+          </a:p>
+          <a:p>
+            <a:r>
+              <a:rPr lang="en-GB" sz="1600" dirty="0"/>
+              <a:t>Our target feature was Count – Number of bikes in use</a:t>
+            </a:r>
+          </a:p>
+          <a:p>
+            <a:r>
+              <a:rPr lang="en-GB" sz="1600" dirty="0"/>
+              <a:t>We sourced our data from the below location:</a:t>
+            </a:r>
+          </a:p>
+          <a:p>
+            <a:pPr lvl="1"/>
+            <a:r>
+              <a:rPr lang="en-US" sz="1600" dirty="0">
                 <a:hlinkClick r:id="rId2"/>
               </a:rPr>
-              <a:t>https://www.capitalbikeshare.com/system-data</a:t>
-            </a:r>
-            <a:endParaRPr lang="en-US" dirty="0"/>
-          </a:p>
-          <a:p>
-            <a:pPr marL="457200" lvl="1" indent="0">
-              <a:buNone/>
-            </a:pPr>
-            <a:r>
-              <a:rPr lang="en-US" dirty="0">
-                <a:hlinkClick r:id="rId3"/>
-              </a:rPr>
               <a:t>https://www.kaggle.com/c/bike-sharing-demand</a:t>
             </a:r>
-            <a:endParaRPr lang="en-US" dirty="0"/>
-          </a:p>
-          <a:p>
-            <a:pPr marL="457200" lvl="1" indent="0">
-              <a:buNone/>
-            </a:pPr>
-            <a:endParaRPr lang="en-US" dirty="0"/>
+            <a:endParaRPr lang="en-US" sz="1600" dirty="0"/>
+          </a:p>
+          <a:p>
+            <a:endParaRPr lang="en-GB" sz="1600" dirty="0"/>
           </a:p>
         </p:txBody>
       </p:sp>
@@ -3943,7 +6100,12 @@
             <p:ph type="title"/>
           </p:nvPr>
         </p:nvSpPr>
-        <p:spPr/>
+        <p:spPr>
+          <a:xfrm>
+            <a:off x="675167" y="0"/>
+            <a:ext cx="7772400" cy="1609344"/>
+          </a:xfrm>
+        </p:spPr>
         <p:txBody>
           <a:bodyPr/>
           <a:lstStyle/>
@@ -3951,11 +6113,201 @@
             <a:r>
               <a:rPr lang="en-US" dirty="0">
                 <a:solidFill>
-                  <a:srgbClr val="0000FF"/>
+                  <a:schemeClr val="accent4">
+                    <a:lumMod val="75000"/>
+                  </a:schemeClr>
                 </a:solidFill>
               </a:rPr>
               <a:t>The Analysis</a:t>
             </a:r>
+          </a:p>
+        </p:txBody>
+      </p:sp>
+      <p:sp>
+        <p:nvSpPr>
+          <p:cNvPr id="6" name="TextBox 5">
+            <a:extLst>
+              <a:ext uri="{FF2B5EF4-FFF2-40B4-BE49-F238E27FC236}">
+                <a16:creationId xmlns:a16="http://schemas.microsoft.com/office/drawing/2014/main" id="{37A2CAC9-909B-4C4B-8766-004B580C1354}"/>
+              </a:ext>
+            </a:extLst>
+          </p:cNvPr>
+          <p:cNvSpPr txBox="1"/>
+          <p:nvPr/>
+        </p:nvSpPr>
+        <p:spPr>
+          <a:xfrm>
+            <a:off x="675167" y="1609344"/>
+            <a:ext cx="7772399" cy="3693319"/>
+          </a:xfrm>
+          <a:prstGeom prst="rect">
+            <a:avLst/>
+          </a:prstGeom>
+          <a:noFill/>
+        </p:spPr>
+        <p:txBody>
+          <a:bodyPr wrap="square" rtlCol="0">
+            <a:spAutoFit/>
+          </a:bodyPr>
+          <a:lstStyle/>
+          <a:p>
+            <a:pPr marL="285750" indent="-285750">
+              <a:buClr>
+                <a:schemeClr val="accent2"/>
+              </a:buClr>
+              <a:buSzPct val="85000"/>
+              <a:buFont typeface="Wingdings" pitchFamily="2" charset="2"/>
+              <a:buChar char="§"/>
+            </a:pPr>
+            <a:r>
+              <a:rPr lang="en-US" dirty="0"/>
+              <a:t>With a prediction for Count, </a:t>
+            </a:r>
+            <a:r>
+              <a:rPr lang="en-GB" dirty="0"/>
+              <a:t>this would allow Capital Bikes to better provide for their customers</a:t>
+            </a:r>
+          </a:p>
+          <a:p>
+            <a:pPr marL="285750" indent="-285750">
+              <a:buClr>
+                <a:schemeClr val="accent2"/>
+              </a:buClr>
+              <a:buSzPct val="85000"/>
+              <a:buFont typeface="Wingdings" pitchFamily="2" charset="2"/>
+              <a:buChar char="§"/>
+            </a:pPr>
+            <a:r>
+              <a:rPr lang="en-GB" dirty="0"/>
+              <a:t>Initial analysis showed a positive relationship between</a:t>
+            </a:r>
+          </a:p>
+          <a:p>
+            <a:pPr marL="742950" lvl="1" indent="-285750">
+              <a:buClr>
+                <a:schemeClr val="accent2"/>
+              </a:buClr>
+              <a:buSzPct val="85000"/>
+              <a:buFont typeface="Wingdings" pitchFamily="2" charset="2"/>
+              <a:buChar char="§"/>
+            </a:pPr>
+            <a:r>
+              <a:rPr lang="en-GB" dirty="0"/>
+              <a:t>Weather and Count</a:t>
+            </a:r>
+          </a:p>
+          <a:p>
+            <a:pPr marL="742950" lvl="1" indent="-285750">
+              <a:buClr>
+                <a:schemeClr val="accent2"/>
+              </a:buClr>
+              <a:buSzPct val="85000"/>
+              <a:buFont typeface="Wingdings" pitchFamily="2" charset="2"/>
+              <a:buChar char="§"/>
+            </a:pPr>
+            <a:r>
+              <a:rPr lang="en-GB" dirty="0"/>
+              <a:t>datetime and Count</a:t>
+            </a:r>
+          </a:p>
+          <a:p>
+            <a:pPr marL="1200150" lvl="2" indent="-285750">
+              <a:buClr>
+                <a:schemeClr val="accent2"/>
+              </a:buClr>
+              <a:buSzPct val="85000"/>
+              <a:buFont typeface="Wingdings" pitchFamily="2" charset="2"/>
+              <a:buChar char="§"/>
+            </a:pPr>
+            <a:r>
+              <a:rPr lang="en-GB" dirty="0"/>
+              <a:t>Chart for weather ??</a:t>
+            </a:r>
+          </a:p>
+          <a:p>
+            <a:pPr marL="1200150" lvl="2" indent="-285750">
+              <a:buClr>
+                <a:schemeClr val="accent2"/>
+              </a:buClr>
+              <a:buSzPct val="85000"/>
+              <a:buFont typeface="Wingdings" pitchFamily="2" charset="2"/>
+              <a:buChar char="§"/>
+            </a:pPr>
+            <a:r>
+              <a:rPr lang="en-GB" dirty="0"/>
+              <a:t>Chart for time??</a:t>
+            </a:r>
+          </a:p>
+          <a:p>
+            <a:pPr marL="1200150" lvl="2" indent="-285750">
+              <a:buClr>
+                <a:schemeClr val="accent2"/>
+              </a:buClr>
+              <a:buSzPct val="85000"/>
+              <a:buFont typeface="Wingdings" pitchFamily="2" charset="2"/>
+              <a:buChar char="§"/>
+            </a:pPr>
+            <a:r>
+              <a:rPr lang="en-GB" dirty="0"/>
+              <a:t>Chart for season??</a:t>
+            </a:r>
+          </a:p>
+          <a:p>
+            <a:pPr marL="285750" indent="-285750">
+              <a:buClr>
+                <a:schemeClr val="accent2"/>
+              </a:buClr>
+              <a:buSzPct val="85000"/>
+              <a:buFont typeface="Wingdings" pitchFamily="2" charset="2"/>
+              <a:buChar char="§"/>
+            </a:pPr>
+            <a:r>
+              <a:rPr lang="en-GB" dirty="0"/>
+              <a:t>We split the datetime to extract the hour and day</a:t>
+            </a:r>
+          </a:p>
+          <a:p>
+            <a:pPr marL="285750" indent="-285750">
+              <a:buClr>
+                <a:schemeClr val="accent2"/>
+              </a:buClr>
+              <a:buSzPct val="85000"/>
+              <a:buFont typeface="Wingdings" pitchFamily="2" charset="2"/>
+              <a:buChar char="§"/>
+            </a:pPr>
+            <a:r>
+              <a:rPr lang="en-GB" dirty="0"/>
+              <a:t>Hour showed a strong indicator of Count</a:t>
+            </a:r>
+          </a:p>
+          <a:p>
+            <a:pPr marL="285750" indent="-285750">
+              <a:buClr>
+                <a:schemeClr val="accent2"/>
+              </a:buClr>
+              <a:buSzPct val="85000"/>
+              <a:buFont typeface="Wingdings" pitchFamily="2" charset="2"/>
+              <a:buChar char="§"/>
+            </a:pPr>
+            <a:endParaRPr lang="en-GB" dirty="0"/>
+          </a:p>
+          <a:p>
+            <a:pPr marL="285750" indent="-285750">
+              <a:buClr>
+                <a:schemeClr val="accent2"/>
+              </a:buClr>
+              <a:buSzPct val="85000"/>
+              <a:buFont typeface="Wingdings" pitchFamily="2" charset="2"/>
+              <a:buChar char="§"/>
+            </a:pPr>
+            <a:endParaRPr lang="en-US" dirty="0"/>
+          </a:p>
+          <a:p>
+            <a:pPr marL="285750" indent="-285750">
+              <a:buFont typeface="Wingdings" pitchFamily="2" charset="2"/>
+              <a:buChar char="§"/>
+            </a:pPr>
+            <a:endParaRPr lang="en-US" dirty="0"/>
           </a:p>
         </p:txBody>
       </p:sp>
@@ -3999,7 +6351,12 @@
             <p:ph type="title"/>
           </p:nvPr>
         </p:nvSpPr>
-        <p:spPr/>
+        <p:spPr>
+          <a:xfrm>
+            <a:off x="696433" y="0"/>
+            <a:ext cx="7772400" cy="1609344"/>
+          </a:xfrm>
+        </p:spPr>
         <p:txBody>
           <a:bodyPr/>
           <a:lstStyle/>
@@ -4007,11 +6364,120 @@
             <a:r>
               <a:rPr lang="en-US" dirty="0">
                 <a:solidFill>
-                  <a:srgbClr val="0000FF"/>
+                  <a:schemeClr val="accent4">
+                    <a:lumMod val="75000"/>
+                  </a:schemeClr>
                 </a:solidFill>
               </a:rPr>
               <a:t>The Modeling/Prediction</a:t>
             </a:r>
+          </a:p>
+        </p:txBody>
+      </p:sp>
+      <p:sp>
+        <p:nvSpPr>
+          <p:cNvPr id="3" name="TextBox 2">
+            <a:extLst>
+              <a:ext uri="{FF2B5EF4-FFF2-40B4-BE49-F238E27FC236}">
+                <a16:creationId xmlns:a16="http://schemas.microsoft.com/office/drawing/2014/main" id="{531AE57F-0AC5-A949-8C36-A6352658EAFD}"/>
+              </a:ext>
+            </a:extLst>
+          </p:cNvPr>
+          <p:cNvSpPr txBox="1"/>
+          <p:nvPr/>
+        </p:nvSpPr>
+        <p:spPr>
+          <a:xfrm>
+            <a:off x="696433" y="1609344"/>
+            <a:ext cx="7772400" cy="2369880"/>
+          </a:xfrm>
+          <a:prstGeom prst="rect">
+            <a:avLst/>
+          </a:prstGeom>
+          <a:noFill/>
+        </p:spPr>
+        <p:txBody>
+          <a:bodyPr wrap="square" rtlCol="0">
+            <a:spAutoFit/>
+          </a:bodyPr>
+          <a:lstStyle/>
+          <a:p>
+            <a:pPr marL="285750" indent="-285750">
+              <a:buClr>
+                <a:schemeClr val="accent2"/>
+              </a:buClr>
+              <a:buSzPct val="85000"/>
+              <a:buFont typeface="Wingdings" pitchFamily="2" charset="2"/>
+              <a:buChar char="§"/>
+            </a:pPr>
+            <a:r>
+              <a:rPr lang="en-US" sz="2800" dirty="0"/>
+              <a:t>We created three regression models:</a:t>
+            </a:r>
+          </a:p>
+          <a:p>
+            <a:pPr marL="742950" lvl="1" indent="-285750">
+              <a:buClr>
+                <a:schemeClr val="accent2"/>
+              </a:buClr>
+              <a:buSzPct val="85000"/>
+              <a:buFont typeface="Wingdings" pitchFamily="2" charset="2"/>
+              <a:buChar char="§"/>
+            </a:pPr>
+            <a:r>
+              <a:rPr lang="en-US" sz="2800" dirty="0"/>
+              <a:t>Linear</a:t>
+            </a:r>
+          </a:p>
+          <a:p>
+            <a:pPr marL="742950" lvl="1" indent="-285750">
+              <a:buClr>
+                <a:schemeClr val="accent2"/>
+              </a:buClr>
+              <a:buSzPct val="85000"/>
+              <a:buFont typeface="Wingdings" pitchFamily="2" charset="2"/>
+              <a:buChar char="§"/>
+            </a:pPr>
+            <a:r>
+              <a:rPr lang="en-US" sz="2800" dirty="0"/>
+              <a:t>Logistic</a:t>
+            </a:r>
+          </a:p>
+          <a:p>
+            <a:pPr marL="742950" lvl="1" indent="-285750">
+              <a:buClr>
+                <a:schemeClr val="accent2"/>
+              </a:buClr>
+              <a:buSzPct val="85000"/>
+              <a:buFont typeface="Wingdings" pitchFamily="2" charset="2"/>
+              <a:buChar char="§"/>
+            </a:pPr>
+            <a:r>
+              <a:rPr lang="en-US" sz="2800" dirty="0"/>
+              <a:t>Random Forest</a:t>
+            </a:r>
+          </a:p>
+          <a:p>
+            <a:pPr marL="285750" indent="-285750">
+              <a:buClr>
+                <a:schemeClr val="accent2"/>
+              </a:buClr>
+              <a:buSzPct val="85000"/>
+              <a:buFont typeface="Wingdings" pitchFamily="2" charset="2"/>
+              <a:buChar char="§"/>
+            </a:pPr>
+            <a:endParaRPr lang="en-US" dirty="0"/>
+          </a:p>
+          <a:p>
+            <a:pPr marL="285750" indent="-285750">
+              <a:buClr>
+                <a:schemeClr val="accent2"/>
+              </a:buClr>
+              <a:buSzPct val="85000"/>
+              <a:buFont typeface="Wingdings" pitchFamily="2" charset="2"/>
+              <a:buChar char="§"/>
+            </a:pPr>
+            <a:endParaRPr lang="en-US" dirty="0"/>
           </a:p>
         </p:txBody>
       </p:sp>
@@ -4047,7 +6513,13 @@
       </p:grpSpPr>
       <p:sp>
         <p:nvSpPr>
-          <p:cNvPr id="2" name="Title 1"/>
+          <p:cNvPr id="2" name="Title 1">
+            <a:extLst>
+              <a:ext uri="{FF2B5EF4-FFF2-40B4-BE49-F238E27FC236}">
+                <a16:creationId xmlns:a16="http://schemas.microsoft.com/office/drawing/2014/main" id="{7F3CD3A2-EF1D-8244-B4E8-A9A118DCC616}"/>
+              </a:ext>
+            </a:extLst>
+          </p:cNvPr>
           <p:cNvSpPr>
             <a:spLocks noGrp="1"/>
           </p:cNvSpPr>
@@ -4063,17 +6535,25 @@
             <a:r>
               <a:rPr lang="en-US" dirty="0">
                 <a:solidFill>
-                  <a:srgbClr val="0000FF"/>
+                  <a:schemeClr val="accent4">
+                    <a:lumMod val="75000"/>
+                  </a:schemeClr>
                 </a:solidFill>
               </a:rPr>
-              <a:t>The Results</a:t>
-            </a:r>
-          </a:p>
-        </p:txBody>
-      </p:sp>
-      <p:sp>
-        <p:nvSpPr>
-          <p:cNvPr id="3" name="Content Placeholder 2"/>
+              <a:t>Linear Model</a:t>
+            </a:r>
+          </a:p>
+        </p:txBody>
+      </p:sp>
+      <p:sp>
+        <p:nvSpPr>
+          <p:cNvPr id="3" name="Content Placeholder 2">
+            <a:extLst>
+              <a:ext uri="{FF2B5EF4-FFF2-40B4-BE49-F238E27FC236}">
+                <a16:creationId xmlns:a16="http://schemas.microsoft.com/office/drawing/2014/main" id="{B0F8B57F-86F5-8D44-AE31-7DF148404D82}"/>
+              </a:ext>
+            </a:extLst>
+          </p:cNvPr>
           <p:cNvSpPr>
             <a:spLocks noGrp="1"/>
           </p:cNvSpPr>
@@ -4083,25 +6563,287 @@
         </p:nvSpPr>
         <p:spPr/>
         <p:txBody>
-          <a:bodyPr>
-            <a:normAutofit/>
-          </a:bodyPr>
+          <a:bodyPr/>
           <a:lstStyle/>
           <a:p>
-            <a:pPr marL="0" indent="0">
-              <a:lnSpc>
-                <a:spcPct val="110000"/>
-              </a:lnSpc>
-              <a:buNone/>
-            </a:pPr>
-            <a:endParaRPr lang="en-US" sz="2400" dirty="0"/>
+            <a:endParaRPr lang="en-US" dirty="0"/>
           </a:p>
         </p:txBody>
       </p:sp>
     </p:spTree>
     <p:extLst>
       <p:ext uri="{BB962C8B-B14F-4D97-AF65-F5344CB8AC3E}">
-        <p14:creationId xmlns:p14="http://schemas.microsoft.com/office/powerpoint/2010/main" val="1851362575"/>
+        <p14:creationId xmlns:p14="http://schemas.microsoft.com/office/powerpoint/2010/main" val="4197422968"/>
+      </p:ext>
+    </p:extLst>
+  </p:cSld>
+  <p:clrMapOvr>
+    <a:masterClrMapping/>
+  </p:clrMapOvr>
+</p:sld>
+</file>
+
+<file path=ppt/slides/slide7.xml><?xml version="1.0" encoding="utf-8"?>
+<p:sld xmlns:a="http://schemas.openxmlformats.org/drawingml/2006/main" xmlns:r="http://schemas.openxmlformats.org/officeDocument/2006/relationships" xmlns:p="http://schemas.openxmlformats.org/presentationml/2006/main">
+  <p:cSld>
+    <p:spTree>
+      <p:nvGrpSpPr>
+        <p:cNvPr id="1" name=""/>
+        <p:cNvGrpSpPr/>
+        <p:nvPr/>
+      </p:nvGrpSpPr>
+      <p:grpSpPr>
+        <a:xfrm>
+          <a:off x="0" y="0"/>
+          <a:ext cx="0" cy="0"/>
+          <a:chOff x="0" y="0"/>
+          <a:chExt cx="0" cy="0"/>
+        </a:xfrm>
+      </p:grpSpPr>
+      <p:sp>
+        <p:nvSpPr>
+          <p:cNvPr id="2" name="Title 1">
+            <a:extLst>
+              <a:ext uri="{FF2B5EF4-FFF2-40B4-BE49-F238E27FC236}">
+                <a16:creationId xmlns:a16="http://schemas.microsoft.com/office/drawing/2014/main" id="{7F3CD3A2-EF1D-8244-B4E8-A9A118DCC616}"/>
+              </a:ext>
+            </a:extLst>
+          </p:cNvPr>
+          <p:cNvSpPr>
+            <a:spLocks noGrp="1"/>
+          </p:cNvSpPr>
+          <p:nvPr>
+            <p:ph type="title"/>
+          </p:nvPr>
+        </p:nvSpPr>
+        <p:spPr/>
+        <p:txBody>
+          <a:bodyPr/>
+          <a:lstStyle/>
+          <a:p>
+            <a:r>
+              <a:rPr lang="en-US" dirty="0">
+                <a:solidFill>
+                  <a:schemeClr val="accent4">
+                    <a:lumMod val="75000"/>
+                  </a:schemeClr>
+                </a:solidFill>
+              </a:rPr>
+              <a:t>Logistic Model</a:t>
+            </a:r>
+          </a:p>
+        </p:txBody>
+      </p:sp>
+      <p:sp>
+        <p:nvSpPr>
+          <p:cNvPr id="3" name="Content Placeholder 2">
+            <a:extLst>
+              <a:ext uri="{FF2B5EF4-FFF2-40B4-BE49-F238E27FC236}">
+                <a16:creationId xmlns:a16="http://schemas.microsoft.com/office/drawing/2014/main" id="{B0F8B57F-86F5-8D44-AE31-7DF148404D82}"/>
+              </a:ext>
+            </a:extLst>
+          </p:cNvPr>
+          <p:cNvSpPr>
+            <a:spLocks noGrp="1"/>
+          </p:cNvSpPr>
+          <p:nvPr>
+            <p:ph idx="1"/>
+          </p:nvPr>
+        </p:nvSpPr>
+        <p:spPr/>
+        <p:txBody>
+          <a:bodyPr/>
+          <a:lstStyle/>
+          <a:p>
+            <a:endParaRPr lang="en-US" dirty="0"/>
+          </a:p>
+        </p:txBody>
+      </p:sp>
+    </p:spTree>
+    <p:extLst>
+      <p:ext uri="{BB962C8B-B14F-4D97-AF65-F5344CB8AC3E}">
+        <p14:creationId xmlns:p14="http://schemas.microsoft.com/office/powerpoint/2010/main" val="2623932085"/>
+      </p:ext>
+    </p:extLst>
+  </p:cSld>
+  <p:clrMapOvr>
+    <a:masterClrMapping/>
+  </p:clrMapOvr>
+</p:sld>
+</file>
+
+<file path=ppt/slides/slide8.xml><?xml version="1.0" encoding="utf-8"?>
+<p:sld xmlns:a="http://schemas.openxmlformats.org/drawingml/2006/main" xmlns:r="http://schemas.openxmlformats.org/officeDocument/2006/relationships" xmlns:p="http://schemas.openxmlformats.org/presentationml/2006/main">
+  <p:cSld>
+    <p:spTree>
+      <p:nvGrpSpPr>
+        <p:cNvPr id="1" name=""/>
+        <p:cNvGrpSpPr/>
+        <p:nvPr/>
+      </p:nvGrpSpPr>
+      <p:grpSpPr>
+        <a:xfrm>
+          <a:off x="0" y="0"/>
+          <a:ext cx="0" cy="0"/>
+          <a:chOff x="0" y="0"/>
+          <a:chExt cx="0" cy="0"/>
+        </a:xfrm>
+      </p:grpSpPr>
+      <p:sp>
+        <p:nvSpPr>
+          <p:cNvPr id="2" name="Title 1">
+            <a:extLst>
+              <a:ext uri="{FF2B5EF4-FFF2-40B4-BE49-F238E27FC236}">
+                <a16:creationId xmlns:a16="http://schemas.microsoft.com/office/drawing/2014/main" id="{7F3CD3A2-EF1D-8244-B4E8-A9A118DCC616}"/>
+              </a:ext>
+            </a:extLst>
+          </p:cNvPr>
+          <p:cNvSpPr>
+            <a:spLocks noGrp="1"/>
+          </p:cNvSpPr>
+          <p:nvPr>
+            <p:ph type="title"/>
+          </p:nvPr>
+        </p:nvSpPr>
+        <p:spPr/>
+        <p:txBody>
+          <a:bodyPr/>
+          <a:lstStyle/>
+          <a:p>
+            <a:r>
+              <a:rPr lang="en-US" dirty="0">
+                <a:solidFill>
+                  <a:schemeClr val="accent4">
+                    <a:lumMod val="75000"/>
+                  </a:schemeClr>
+                </a:solidFill>
+              </a:rPr>
+              <a:t>Random Forest Model</a:t>
+            </a:r>
+          </a:p>
+        </p:txBody>
+      </p:sp>
+      <p:sp>
+        <p:nvSpPr>
+          <p:cNvPr id="3" name="Content Placeholder 2">
+            <a:extLst>
+              <a:ext uri="{FF2B5EF4-FFF2-40B4-BE49-F238E27FC236}">
+                <a16:creationId xmlns:a16="http://schemas.microsoft.com/office/drawing/2014/main" id="{B0F8B57F-86F5-8D44-AE31-7DF148404D82}"/>
+              </a:ext>
+            </a:extLst>
+          </p:cNvPr>
+          <p:cNvSpPr>
+            <a:spLocks noGrp="1"/>
+          </p:cNvSpPr>
+          <p:nvPr>
+            <p:ph idx="1"/>
+          </p:nvPr>
+        </p:nvSpPr>
+        <p:spPr/>
+        <p:txBody>
+          <a:bodyPr/>
+          <a:lstStyle/>
+          <a:p>
+            <a:endParaRPr lang="en-US"/>
+          </a:p>
+        </p:txBody>
+      </p:sp>
+    </p:spTree>
+    <p:extLst>
+      <p:ext uri="{BB962C8B-B14F-4D97-AF65-F5344CB8AC3E}">
+        <p14:creationId xmlns:p14="http://schemas.microsoft.com/office/powerpoint/2010/main" val="787048637"/>
+      </p:ext>
+    </p:extLst>
+  </p:cSld>
+  <p:clrMapOvr>
+    <a:masterClrMapping/>
+  </p:clrMapOvr>
+</p:sld>
+</file>
+
+<file path=ppt/slides/slide9.xml><?xml version="1.0" encoding="utf-8"?>
+<p:sld xmlns:a="http://schemas.openxmlformats.org/drawingml/2006/main" xmlns:r="http://schemas.openxmlformats.org/officeDocument/2006/relationships" xmlns:p="http://schemas.openxmlformats.org/presentationml/2006/main">
+  <p:cSld>
+    <p:spTree>
+      <p:nvGrpSpPr>
+        <p:cNvPr id="1" name=""/>
+        <p:cNvGrpSpPr/>
+        <p:nvPr/>
+      </p:nvGrpSpPr>
+      <p:grpSpPr>
+        <a:xfrm>
+          <a:off x="0" y="0"/>
+          <a:ext cx="0" cy="0"/>
+          <a:chOff x="0" y="0"/>
+          <a:chExt cx="0" cy="0"/>
+        </a:xfrm>
+      </p:grpSpPr>
+      <p:sp>
+        <p:nvSpPr>
+          <p:cNvPr id="2" name="Title 1">
+            <a:extLst>
+              <a:ext uri="{FF2B5EF4-FFF2-40B4-BE49-F238E27FC236}">
+                <a16:creationId xmlns:a16="http://schemas.microsoft.com/office/drawing/2014/main" id="{7F3CD3A2-EF1D-8244-B4E8-A9A118DCC616}"/>
+              </a:ext>
+            </a:extLst>
+          </p:cNvPr>
+          <p:cNvSpPr>
+            <a:spLocks noGrp="1"/>
+          </p:cNvSpPr>
+          <p:nvPr>
+            <p:ph type="title"/>
+          </p:nvPr>
+        </p:nvSpPr>
+        <p:spPr/>
+        <p:txBody>
+          <a:bodyPr/>
+          <a:lstStyle/>
+          <a:p>
+            <a:r>
+              <a:rPr lang="en-US" dirty="0">
+                <a:solidFill>
+                  <a:schemeClr val="accent4">
+                    <a:lumMod val="75000"/>
+                  </a:schemeClr>
+                </a:solidFill>
+              </a:rPr>
+              <a:t>Preferred Model</a:t>
+            </a:r>
+          </a:p>
+        </p:txBody>
+      </p:sp>
+      <p:sp>
+        <p:nvSpPr>
+          <p:cNvPr id="3" name="Content Placeholder 2">
+            <a:extLst>
+              <a:ext uri="{FF2B5EF4-FFF2-40B4-BE49-F238E27FC236}">
+                <a16:creationId xmlns:a16="http://schemas.microsoft.com/office/drawing/2014/main" id="{B0F8B57F-86F5-8D44-AE31-7DF148404D82}"/>
+              </a:ext>
+            </a:extLst>
+          </p:cNvPr>
+          <p:cNvSpPr>
+            <a:spLocks noGrp="1"/>
+          </p:cNvSpPr>
+          <p:nvPr>
+            <p:ph idx="1"/>
+          </p:nvPr>
+        </p:nvSpPr>
+        <p:spPr/>
+        <p:txBody>
+          <a:bodyPr/>
+          <a:lstStyle/>
+          <a:p>
+            <a:r>
+              <a:rPr lang="en-US" dirty="0"/>
+              <a:t>From the different models we choose the Linear Model as the model of choice</a:t>
+            </a:r>
+          </a:p>
+        </p:txBody>
+      </p:sp>
+    </p:spTree>
+    <p:extLst>
+      <p:ext uri="{BB962C8B-B14F-4D97-AF65-F5344CB8AC3E}">
+        <p14:creationId xmlns:p14="http://schemas.microsoft.com/office/powerpoint/2010/main" val="224233772"/>
       </p:ext>
     </p:extLst>
   </p:cSld>
@@ -4112,9 +6854,9 @@
 </file>
 
 <file path=ppt/theme/theme1.xml><?xml version="1.0" encoding="utf-8"?>
-<a:theme xmlns:a="http://schemas.openxmlformats.org/drawingml/2006/main" name="Office Theme">
+<a:theme xmlns:a="http://schemas.openxmlformats.org/drawingml/2006/main" name="Wood Type">
   <a:themeElements>
-    <a:clrScheme name="Office">
+    <a:clrScheme name="Wood Type">
       <a:dk1>
         <a:sysClr val="windowText" lastClr="000000"/>
       </a:dk1>
@@ -4122,48 +6864,86 @@
         <a:sysClr val="window" lastClr="FFFFFF"/>
       </a:lt1>
       <a:dk2>
-        <a:srgbClr val="1F497D"/>
+        <a:srgbClr val="696464"/>
       </a:dk2>
       <a:lt2>
-        <a:srgbClr val="EEECE1"/>
+        <a:srgbClr val="E9E5DC"/>
       </a:lt2>
       <a:accent1>
-        <a:srgbClr val="4F81BD"/>
+        <a:srgbClr val="D34817"/>
       </a:accent1>
       <a:accent2>
-        <a:srgbClr val="C0504D"/>
+        <a:srgbClr val="9B2D1F"/>
       </a:accent2>
       <a:accent3>
-        <a:srgbClr val="9BBB59"/>
+        <a:srgbClr val="A28E6A"/>
       </a:accent3>
       <a:accent4>
-        <a:srgbClr val="8064A2"/>
+        <a:srgbClr val="956251"/>
       </a:accent4>
       <a:accent5>
-        <a:srgbClr val="4BACC6"/>
+        <a:srgbClr val="918485"/>
       </a:accent5>
       <a:accent6>
-        <a:srgbClr val="F79646"/>
+        <a:srgbClr val="855D5D"/>
       </a:accent6>
       <a:hlink>
-        <a:srgbClr val="0000FF"/>
+        <a:srgbClr val="CC9900"/>
       </a:hlink>
       <a:folHlink>
-        <a:srgbClr val="800080"/>
+        <a:srgbClr val="96A9A9"/>
       </a:folHlink>
     </a:clrScheme>
-    <a:fontScheme name="Office">
+    <a:fontScheme name="Wood Type">
       <a:majorFont>
-        <a:latin typeface="Calibri"/>
+        <a:latin typeface="Rockwell Condensed" panose="02060603050405020104"/>
         <a:ea typeface=""/>
         <a:cs typeface=""/>
-        <a:font script="Jpan" typeface="ＭＳ Ｐゴシック"/>
-        <a:font script="Hang" typeface="맑은 고딕"/>
-        <a:font script="Hans" typeface="宋体"/>
-        <a:font script="Hant" typeface="新細明體"/>
+        <a:font script="Grek" typeface="Cambria"/>
+        <a:font script="Cyrl" typeface="Cambria"/>
+        <a:font script="Jpan" typeface="HG明朝B"/>
+        <a:font script="Hang" typeface="바탕"/>
+        <a:font script="Hans" typeface="方正姚体"/>
+        <a:font script="Hant" typeface="微軟正黑體"/>
         <a:font script="Arab" typeface="Times New Roman"/>
-        <a:font script="Hebr" typeface="Times New Roman"/>
-        <a:font script="Thai" typeface="Angsana New"/>
+        <a:font script="Hebr" typeface="David"/>
+        <a:font script="Thai" typeface="JasmineUPC"/>
+        <a:font script="Ethi" typeface="Nyala"/>
+        <a:font script="Beng" typeface="Vrinda"/>
+        <a:font script="Gujr" typeface="Shruti"/>
+        <a:font script="Khmr" typeface="MoolBoran"/>
+        <a:font script="Knda" typeface="Tunga"/>
+        <a:font script="Guru" typeface="Raavi"/>
+        <a:font script="Cans" typeface="Euphemia"/>
+        <a:font script="Cher" typeface="Plantagenet Cherokee"/>
+        <a:font script="Yiii" typeface="Microsoft Yi Baiti"/>
+        <a:font script="Tibt" typeface="Microsoft Himalaya"/>
+        <a:font script="Thaa" typeface="MV Boli"/>
+        <a:font script="Deva" typeface="Mangal"/>
+        <a:font script="Telu" typeface="Gautami"/>
+        <a:font script="Taml" typeface="Latha"/>
+        <a:font script="Syrc" typeface="Estrangelo Edessa"/>
+        <a:font script="Orya" typeface="Kalinga"/>
+        <a:font script="Mlym" typeface="Kartika"/>
+        <a:font script="Laoo" typeface="DokChampa"/>
+        <a:font script="Sinh" typeface="Iskoola Pota"/>
+        <a:font script="Mong" typeface="Mongolian Baiti"/>
+        <a:font script="Viet" typeface="Arial"/>
+        <a:font script="Uigh" typeface="Microsoft Uighur"/>
+      </a:majorFont>
+      <a:minorFont>
+        <a:latin typeface="Rockwell" panose="02060603020205020403"/>
+        <a:ea typeface=""/>
+        <a:cs typeface=""/>
+        <a:font script="Grek" typeface="Cambria"/>
+        <a:font script="Cyrl" typeface="Cambria"/>
+        <a:font script="Jpan" typeface="HG明朝B"/>
+        <a:font script="Hang" typeface="바탕"/>
+        <a:font script="Hans" typeface="方正姚体"/>
+        <a:font script="Hant" typeface="標楷體"/>
+        <a:font script="Arab" typeface="Times New Roman"/>
+        <a:font script="Hebr" typeface="David"/>
+        <a:font script="Thai" typeface="JasmineUPC"/>
         <a:font script="Ethi" typeface="Nyala"/>
         <a:font script="Beng" typeface="Vrinda"/>
         <a:font script="Gujr" typeface="Shruti"/>
@@ -4186,109 +6966,57 @@
         <a:font script="Mong" typeface="Mongolian Baiti"/>
         <a:font script="Viet" typeface="Times New Roman"/>
         <a:font script="Uigh" typeface="Microsoft Uighur"/>
-        <a:font script="Geor" typeface="Sylfaen"/>
-      </a:majorFont>
-      <a:minorFont>
-        <a:latin typeface="Calibri"/>
-        <a:ea typeface=""/>
-        <a:cs typeface=""/>
-        <a:font script="Jpan" typeface="ＭＳ Ｐゴシック"/>
-        <a:font script="Hang" typeface="맑은 고딕"/>
-        <a:font script="Hans" typeface="宋体"/>
-        <a:font script="Hant" typeface="新細明體"/>
-        <a:font script="Arab" typeface="Arial"/>
-        <a:font script="Hebr" typeface="Arial"/>
-        <a:font script="Thai" typeface="Cordia New"/>
-        <a:font script="Ethi" typeface="Nyala"/>
-        <a:font script="Beng" typeface="Vrinda"/>
-        <a:font script="Gujr" typeface="Shruti"/>
-        <a:font script="Khmr" typeface="DaunPenh"/>
-        <a:font script="Knda" typeface="Tunga"/>
-        <a:font script="Guru" typeface="Raavi"/>
-        <a:font script="Cans" typeface="Euphemia"/>
-        <a:font script="Cher" typeface="Plantagenet Cherokee"/>
-        <a:font script="Yiii" typeface="Microsoft Yi Baiti"/>
-        <a:font script="Tibt" typeface="Microsoft Himalaya"/>
-        <a:font script="Thaa" typeface="MV Boli"/>
-        <a:font script="Deva" typeface="Mangal"/>
-        <a:font script="Telu" typeface="Gautami"/>
-        <a:font script="Taml" typeface="Latha"/>
-        <a:font script="Syrc" typeface="Estrangelo Edessa"/>
-        <a:font script="Orya" typeface="Kalinga"/>
-        <a:font script="Mlym" typeface="Kartika"/>
-        <a:font script="Laoo" typeface="DokChampa"/>
-        <a:font script="Sinh" typeface="Iskoola Pota"/>
-        <a:font script="Mong" typeface="Mongolian Baiti"/>
-        <a:font script="Viet" typeface="Arial"/>
-        <a:font script="Uigh" typeface="Microsoft Uighur"/>
-        <a:font script="Geor" typeface="Sylfaen"/>
       </a:minorFont>
     </a:fontScheme>
-    <a:fmtScheme name="Office">
+    <a:fmtScheme name="Wood Type">
       <a:fillStyleLst>
         <a:solidFill>
           <a:schemeClr val="phClr"/>
         </a:solidFill>
-        <a:gradFill rotWithShape="1">
-          <a:gsLst>
-            <a:gs pos="0">
+        <a:blipFill rotWithShape="1">
+          <a:blip xmlns:r="http://schemas.openxmlformats.org/officeDocument/2006/relationships" r:embed="rId1">
+            <a:duotone>
               <a:schemeClr val="phClr">
-                <a:tint val="50000"/>
-                <a:satMod val="300000"/>
+                <a:tint val="70000"/>
+                <a:shade val="63000"/>
               </a:schemeClr>
-            </a:gs>
-            <a:gs pos="35000">
               <a:schemeClr val="phClr">
-                <a:tint val="37000"/>
-                <a:satMod val="300000"/>
+                <a:tint val="10000"/>
+                <a:satMod val="150000"/>
               </a:schemeClr>
-            </a:gs>
-            <a:gs pos="100000">
+            </a:duotone>
+          </a:blip>
+          <a:tile tx="0" ty="0" sx="60000" sy="59000" flip="none" algn="tl"/>
+        </a:blipFill>
+        <a:blipFill rotWithShape="1">
+          <a:blip xmlns:r="http://schemas.openxmlformats.org/officeDocument/2006/relationships" r:embed="rId1">
+            <a:duotone>
               <a:schemeClr val="phClr">
-                <a:tint val="15000"/>
-                <a:satMod val="350000"/>
+                <a:shade val="36000"/>
+                <a:satMod val="120000"/>
               </a:schemeClr>
-            </a:gs>
-          </a:gsLst>
-          <a:lin ang="16200000" scaled="1"/>
-        </a:gradFill>
-        <a:gradFill rotWithShape="1">
-          <a:gsLst>
-            <a:gs pos="0">
               <a:schemeClr val="phClr">
-                <a:tint val="100000"/>
-                <a:shade val="100000"/>
-                <a:satMod val="130000"/>
+                <a:tint val="40000"/>
               </a:schemeClr>
-            </a:gs>
-            <a:gs pos="100000">
-              <a:schemeClr val="phClr">
-                <a:tint val="50000"/>
-                <a:shade val="100000"/>
-                <a:satMod val="350000"/>
-              </a:schemeClr>
-            </a:gs>
-          </a:gsLst>
-          <a:lin ang="16200000" scaled="0"/>
-        </a:gradFill>
+            </a:duotone>
+          </a:blip>
+          <a:tile tx="0" ty="0" sx="60000" sy="59000" flip="none" algn="tl"/>
+        </a:blipFill>
       </a:fillStyleLst>
       <a:lnStyleLst>
-        <a:ln w="9525" cap="flat" cmpd="sng" algn="ctr">
-          <a:solidFill>
-            <a:schemeClr val="phClr">
-              <a:shade val="95000"/>
-              <a:satMod val="105000"/>
-            </a:schemeClr>
-          </a:solidFill>
-          <a:prstDash val="solid"/>
-        </a:ln>
-        <a:ln w="25400" cap="flat" cmpd="sng" algn="ctr">
+        <a:ln w="6350" cap="flat" cmpd="sng" algn="ctr">
           <a:solidFill>
             <a:schemeClr val="phClr"/>
           </a:solidFill>
           <a:prstDash val="solid"/>
         </a:ln>
-        <a:ln w="38100" cap="flat" cmpd="sng" algn="ctr">
+        <a:ln w="12700" cap="flat" cmpd="sng" algn="ctr">
+          <a:solidFill>
+            <a:schemeClr val="phClr"/>
+          </a:solidFill>
+          <a:prstDash val="solid"/>
+        </a:ln>
+        <a:ln w="19050" cap="flat" cmpd="sng" algn="ctr">
           <a:solidFill>
             <a:schemeClr val="phClr"/>
           </a:solidFill>
@@ -4297,137 +7025,60 @@
       </a:lnStyleLst>
       <a:effectStyleLst>
         <a:effectStyle>
+          <a:effectLst/>
+        </a:effectStyle>
+        <a:effectStyle>
           <a:effectLst>
-            <a:outerShdw blurRad="40000" dist="20000" dir="5400000" rotWithShape="0">
-              <a:srgbClr val="000000">
-                <a:alpha val="38000"/>
-              </a:srgbClr>
-            </a:outerShdw>
+            <a:softEdge rad="12700"/>
           </a:effectLst>
         </a:effectStyle>
         <a:effectStyle>
           <a:effectLst>
-            <a:outerShdw blurRad="40000" dist="23000" dir="5400000" rotWithShape="0">
+            <a:outerShdw blurRad="50800" dist="19050" dir="5400000" algn="tl" rotWithShape="0">
               <a:srgbClr val="000000">
-                <a:alpha val="35000"/>
+                <a:alpha val="60000"/>
               </a:srgbClr>
             </a:outerShdw>
+            <a:softEdge rad="12700"/>
           </a:effectLst>
-        </a:effectStyle>
-        <a:effectStyle>
-          <a:effectLst>
-            <a:outerShdw blurRad="40000" dist="23000" dir="5400000" rotWithShape="0">
-              <a:srgbClr val="000000">
-                <a:alpha val="35000"/>
-              </a:srgbClr>
-            </a:outerShdw>
-          </a:effectLst>
-          <a:scene3d>
-            <a:camera prst="orthographicFront">
-              <a:rot lat="0" lon="0" rev="0"/>
-            </a:camera>
-            <a:lightRig rig="threePt" dir="t">
-              <a:rot lat="0" lon="0" rev="1200000"/>
-            </a:lightRig>
-          </a:scene3d>
-          <a:sp3d>
-            <a:bevelT w="63500" h="25400"/>
-          </a:sp3d>
         </a:effectStyle>
       </a:effectStyleLst>
       <a:bgFillStyleLst>
         <a:solidFill>
           <a:schemeClr val="phClr"/>
         </a:solidFill>
-        <a:gradFill rotWithShape="1">
-          <a:gsLst>
-            <a:gs pos="0">
+        <a:solidFill>
+          <a:schemeClr val="phClr">
+            <a:shade val="97000"/>
+            <a:satMod val="150000"/>
+          </a:schemeClr>
+        </a:solidFill>
+        <a:blipFill rotWithShape="1">
+          <a:blip xmlns:r="http://schemas.openxmlformats.org/officeDocument/2006/relationships" r:embed="rId1">
+            <a:duotone>
               <a:schemeClr val="phClr">
-                <a:tint val="40000"/>
-                <a:satMod val="350000"/>
+                <a:tint val="75000"/>
+                <a:shade val="58000"/>
+                <a:satMod val="120000"/>
               </a:schemeClr>
-            </a:gs>
-            <a:gs pos="40000">
               <a:schemeClr val="phClr">
-                <a:tint val="45000"/>
-                <a:shade val="99000"/>
-                <a:satMod val="350000"/>
+                <a:tint val="50000"/>
+                <a:shade val="96000"/>
               </a:schemeClr>
-            </a:gs>
-            <a:gs pos="100000">
-              <a:schemeClr val="phClr">
-                <a:shade val="20000"/>
-                <a:satMod val="255000"/>
-              </a:schemeClr>
-            </a:gs>
-          </a:gsLst>
-          <a:path path="circle">
-            <a:fillToRect l="50000" t="-80000" r="50000" b="180000"/>
-          </a:path>
-        </a:gradFill>
-        <a:gradFill rotWithShape="1">
-          <a:gsLst>
-            <a:gs pos="0">
-              <a:schemeClr val="phClr">
-                <a:tint val="80000"/>
-                <a:satMod val="300000"/>
-              </a:schemeClr>
-            </a:gs>
-            <a:gs pos="100000">
-              <a:schemeClr val="phClr">
-                <a:shade val="30000"/>
-                <a:satMod val="200000"/>
-              </a:schemeClr>
-            </a:gs>
-          </a:gsLst>
-          <a:path path="circle">
-            <a:fillToRect l="50000" t="50000" r="50000" b="50000"/>
-          </a:path>
-        </a:gradFill>
+            </a:duotone>
+          </a:blip>
+          <a:tile tx="0" ty="0" sx="100000" sy="100000" flip="none" algn="tl"/>
+        </a:blipFill>
       </a:bgFillStyleLst>
     </a:fmtScheme>
   </a:themeElements>
-  <a:objectDefaults>
-    <a:spDef>
-      <a:spPr/>
-      <a:bodyPr/>
-      <a:lstStyle/>
-      <a:style>
-        <a:lnRef idx="1">
-          <a:schemeClr val="accent1"/>
-        </a:lnRef>
-        <a:fillRef idx="3">
-          <a:schemeClr val="accent1"/>
-        </a:fillRef>
-        <a:effectRef idx="2">
-          <a:schemeClr val="accent1"/>
-        </a:effectRef>
-        <a:fontRef idx="minor">
-          <a:schemeClr val="lt1"/>
-        </a:fontRef>
-      </a:style>
-    </a:spDef>
-    <a:lnDef>
-      <a:spPr/>
-      <a:bodyPr/>
-      <a:lstStyle/>
-      <a:style>
-        <a:lnRef idx="2">
-          <a:schemeClr val="accent1"/>
-        </a:lnRef>
-        <a:fillRef idx="0">
-          <a:schemeClr val="accent1"/>
-        </a:fillRef>
-        <a:effectRef idx="1">
-          <a:schemeClr val="accent1"/>
-        </a:effectRef>
-        <a:fontRef idx="minor">
-          <a:schemeClr val="tx1"/>
-        </a:fontRef>
-      </a:style>
-    </a:lnDef>
-  </a:objectDefaults>
+  <a:objectDefaults/>
   <a:extraClrSchemeLst/>
+  <a:extLst>
+    <a:ext uri="{05A4C25C-085E-4340-85A3-A5531E510DB2}">
+      <thm15:themeFamily xmlns:thm15="http://schemas.microsoft.com/office/thememl/2012/main" name="Wood Type" id="{7ACABC62-BF99-48CF-A9DC-4DB89C7B13DC}" vid="{142A1326-48AB-42A9-8428-CB14AA30176D}"/>
+    </a:ext>
+  </a:extLst>
 </a:theme>
 </file>
 
